--- a/Caravan.pptx
+++ b/Caravan.pptx
@@ -8,10 +8,14 @@
     <p:sldId id="256" r:id="rId2"/>
     <p:sldId id="257" r:id="rId3"/>
     <p:sldId id="259" r:id="rId4"/>
-    <p:sldId id="258" r:id="rId5"/>
-    <p:sldId id="260" r:id="rId6"/>
-    <p:sldId id="261" r:id="rId7"/>
-    <p:sldId id="262" r:id="rId8"/>
+    <p:sldId id="263" r:id="rId5"/>
+    <p:sldId id="262" r:id="rId6"/>
+    <p:sldId id="269" r:id="rId7"/>
+    <p:sldId id="264" r:id="rId8"/>
+    <p:sldId id="265" r:id="rId9"/>
+    <p:sldId id="266" r:id="rId10"/>
+    <p:sldId id="267" r:id="rId11"/>
+    <p:sldId id="268" r:id="rId12"/>
   </p:sldIdLst>
   <p:sldSz cx="12192000" cy="6858000"/>
   <p:notesSz cx="6858000" cy="9144000"/>
@@ -175,7 +179,7 @@
           <a:noFill/>
           <a:extLst>
             <a:ext uri="{909E8E84-426E-40dd-AFC4-6F175D3DCCD1}">
-              <a14:hiddenFill xmlns="" xmlns:a14="http://schemas.microsoft.com/office/drawing/2010/main">
+              <a14:hiddenFill xmlns:a14="http://schemas.microsoft.com/office/drawing/2010/main" xmlns="">
                 <a:solidFill>
                   <a:srgbClr val="FFFFFF"/>
                 </a:solidFill>
@@ -234,7 +238,7 @@
             </a:ln>
             <a:extLst>
               <a:ext uri="{91240B29-F687-4f45-9708-019B960494DF}">
-                <a14:hiddenLine xmlns="" xmlns:a14="http://schemas.microsoft.com/office/drawing/2010/main" w="9525">
+                <a14:hiddenLine xmlns:a14="http://schemas.microsoft.com/office/drawing/2010/main" xmlns="" w="9525">
                   <a:solidFill>
                     <a:srgbClr val="000000"/>
                   </a:solidFill>
@@ -324,7 +328,7 @@
             </a:ln>
             <a:extLst>
               <a:ext uri="{91240B29-F687-4f45-9708-019B960494DF}">
-                <a14:hiddenLine xmlns="" xmlns:a14="http://schemas.microsoft.com/office/drawing/2010/main" w="9525">
+                <a14:hiddenLine xmlns:a14="http://schemas.microsoft.com/office/drawing/2010/main" xmlns="" w="9525">
                   <a:solidFill>
                     <a:srgbClr val="000000"/>
                   </a:solidFill>
@@ -414,7 +418,7 @@
             </a:ln>
             <a:extLst>
               <a:ext uri="{91240B29-F687-4f45-9708-019B960494DF}">
-                <a14:hiddenLine xmlns="" xmlns:a14="http://schemas.microsoft.com/office/drawing/2010/main" w="9525">
+                <a14:hiddenLine xmlns:a14="http://schemas.microsoft.com/office/drawing/2010/main" xmlns="" w="9525">
                   <a:solidFill>
                     <a:srgbClr val="000000"/>
                   </a:solidFill>
@@ -448,7 +452,7 @@
             </a:ln>
             <a:extLst>
               <a:ext uri="{91240B29-F687-4f45-9708-019B960494DF}">
-                <a14:hiddenLine xmlns="" xmlns:a14="http://schemas.microsoft.com/office/drawing/2010/main" w="9525">
+                <a14:hiddenLine xmlns:a14="http://schemas.microsoft.com/office/drawing/2010/main" xmlns="" w="9525">
                   <a:solidFill>
                     <a:srgbClr val="000000"/>
                   </a:solidFill>
@@ -538,7 +542,7 @@
             </a:ln>
             <a:extLst>
               <a:ext uri="{91240B29-F687-4f45-9708-019B960494DF}">
-                <a14:hiddenLine xmlns="" xmlns:a14="http://schemas.microsoft.com/office/drawing/2010/main" w="9525">
+                <a14:hiddenLine xmlns:a14="http://schemas.microsoft.com/office/drawing/2010/main" xmlns="" w="9525">
                   <a:solidFill>
                     <a:srgbClr val="000000"/>
                   </a:solidFill>
@@ -600,7 +604,7 @@
             </a:ln>
             <a:extLst>
               <a:ext uri="{91240B29-F687-4f45-9708-019B960494DF}">
-                <a14:hiddenLine xmlns="" xmlns:a14="http://schemas.microsoft.com/office/drawing/2010/main" w="9525">
+                <a14:hiddenLine xmlns:a14="http://schemas.microsoft.com/office/drawing/2010/main" xmlns="" w="9525">
                   <a:solidFill>
                     <a:srgbClr val="000000"/>
                   </a:solidFill>
@@ -662,7 +666,7 @@
             </a:ln>
             <a:extLst>
               <a:ext uri="{91240B29-F687-4f45-9708-019B960494DF}">
-                <a14:hiddenLine xmlns="" xmlns:a14="http://schemas.microsoft.com/office/drawing/2010/main" w="9525">
+                <a14:hiddenLine xmlns:a14="http://schemas.microsoft.com/office/drawing/2010/main" xmlns="" w="9525">
                   <a:solidFill>
                     <a:srgbClr val="000000"/>
                   </a:solidFill>
@@ -752,7 +756,7 @@
             </a:ln>
             <a:extLst>
               <a:ext uri="{91240B29-F687-4f45-9708-019B960494DF}">
-                <a14:hiddenLine xmlns="" xmlns:a14="http://schemas.microsoft.com/office/drawing/2010/main" w="9525">
+                <a14:hiddenLine xmlns:a14="http://schemas.microsoft.com/office/drawing/2010/main" xmlns="" w="9525">
                   <a:solidFill>
                     <a:srgbClr val="000000"/>
                   </a:solidFill>
@@ -814,7 +818,7 @@
             </a:ln>
             <a:extLst>
               <a:ext uri="{91240B29-F687-4f45-9708-019B960494DF}">
-                <a14:hiddenLine xmlns="" xmlns:a14="http://schemas.microsoft.com/office/drawing/2010/main" w="9525">
+                <a14:hiddenLine xmlns:a14="http://schemas.microsoft.com/office/drawing/2010/main" xmlns="" w="9525">
                   <a:solidFill>
                     <a:srgbClr val="000000"/>
                   </a:solidFill>
@@ -876,7 +880,7 @@
             </a:ln>
             <a:extLst>
               <a:ext uri="{91240B29-F687-4f45-9708-019B960494DF}">
-                <a14:hiddenLine xmlns="" xmlns:a14="http://schemas.microsoft.com/office/drawing/2010/main" w="9525">
+                <a14:hiddenLine xmlns:a14="http://schemas.microsoft.com/office/drawing/2010/main" xmlns="" w="9525">
                   <a:solidFill>
                     <a:srgbClr val="000000"/>
                   </a:solidFill>
@@ -966,7 +970,7 @@
             </a:ln>
             <a:extLst>
               <a:ext uri="{91240B29-F687-4f45-9708-019B960494DF}">
-                <a14:hiddenLine xmlns="" xmlns:a14="http://schemas.microsoft.com/office/drawing/2010/main" w="9525">
+                <a14:hiddenLine xmlns:a14="http://schemas.microsoft.com/office/drawing/2010/main" xmlns="" w="9525">
                   <a:solidFill>
                     <a:srgbClr val="000000"/>
                   </a:solidFill>
@@ -1056,7 +1060,7 @@
             </a:ln>
             <a:extLst>
               <a:ext uri="{91240B29-F687-4f45-9708-019B960494DF}">
-                <a14:hiddenLine xmlns="" xmlns:a14="http://schemas.microsoft.com/office/drawing/2010/main" w="9525">
+                <a14:hiddenLine xmlns:a14="http://schemas.microsoft.com/office/drawing/2010/main" xmlns="" w="9525">
                   <a:solidFill>
                     <a:srgbClr val="000000"/>
                   </a:solidFill>
@@ -1118,7 +1122,7 @@
             </a:ln>
             <a:extLst>
               <a:ext uri="{91240B29-F687-4f45-9708-019B960494DF}">
-                <a14:hiddenLine xmlns="" xmlns:a14="http://schemas.microsoft.com/office/drawing/2010/main" w="9525">
+                <a14:hiddenLine xmlns:a14="http://schemas.microsoft.com/office/drawing/2010/main" xmlns="" w="9525">
                   <a:solidFill>
                     <a:srgbClr val="000000"/>
                   </a:solidFill>
@@ -1228,7 +1232,7 @@
             </a:ln>
             <a:extLst>
               <a:ext uri="{91240B29-F687-4f45-9708-019B960494DF}">
-                <a14:hiddenLine xmlns="" xmlns:a14="http://schemas.microsoft.com/office/drawing/2010/main" w="9525">
+                <a14:hiddenLine xmlns:a14="http://schemas.microsoft.com/office/drawing/2010/main" xmlns="" w="9525">
                   <a:solidFill>
                     <a:srgbClr val="000000"/>
                   </a:solidFill>
@@ -1290,7 +1294,7 @@
             </a:ln>
             <a:extLst>
               <a:ext uri="{91240B29-F687-4f45-9708-019B960494DF}">
-                <a14:hiddenLine xmlns="" xmlns:a14="http://schemas.microsoft.com/office/drawing/2010/main" w="9525">
+                <a14:hiddenLine xmlns:a14="http://schemas.microsoft.com/office/drawing/2010/main" xmlns="" w="9525">
                   <a:solidFill>
                     <a:srgbClr val="000000"/>
                   </a:solidFill>
@@ -1380,7 +1384,7 @@
             </a:ln>
             <a:extLst>
               <a:ext uri="{91240B29-F687-4f45-9708-019B960494DF}">
-                <a14:hiddenLine xmlns="" xmlns:a14="http://schemas.microsoft.com/office/drawing/2010/main" w="9525">
+                <a14:hiddenLine xmlns:a14="http://schemas.microsoft.com/office/drawing/2010/main" xmlns="" w="9525">
                   <a:solidFill>
                     <a:srgbClr val="000000"/>
                   </a:solidFill>
@@ -1470,7 +1474,7 @@
             </a:ln>
             <a:extLst>
               <a:ext uri="{91240B29-F687-4f45-9708-019B960494DF}">
-                <a14:hiddenLine xmlns="" xmlns:a14="http://schemas.microsoft.com/office/drawing/2010/main" w="9525">
+                <a14:hiddenLine xmlns:a14="http://schemas.microsoft.com/office/drawing/2010/main" xmlns="" w="9525">
                   <a:solidFill>
                     <a:srgbClr val="000000"/>
                   </a:solidFill>
@@ -1532,7 +1536,7 @@
             </a:ln>
             <a:extLst>
               <a:ext uri="{91240B29-F687-4f45-9708-019B960494DF}">
-                <a14:hiddenLine xmlns="" xmlns:a14="http://schemas.microsoft.com/office/drawing/2010/main" w="9525">
+                <a14:hiddenLine xmlns:a14="http://schemas.microsoft.com/office/drawing/2010/main" xmlns="" w="9525">
                   <a:solidFill>
                     <a:srgbClr val="000000"/>
                   </a:solidFill>
@@ -1622,7 +1626,7 @@
             </a:ln>
             <a:extLst>
               <a:ext uri="{91240B29-F687-4f45-9708-019B960494DF}">
-                <a14:hiddenLine xmlns="" xmlns:a14="http://schemas.microsoft.com/office/drawing/2010/main" w="9525">
+                <a14:hiddenLine xmlns:a14="http://schemas.microsoft.com/office/drawing/2010/main" xmlns="" w="9525">
                   <a:solidFill>
                     <a:srgbClr val="000000"/>
                   </a:solidFill>
@@ -1712,7 +1716,7 @@
             </a:ln>
             <a:extLst>
               <a:ext uri="{91240B29-F687-4f45-9708-019B960494DF}">
-                <a14:hiddenLine xmlns="" xmlns:a14="http://schemas.microsoft.com/office/drawing/2010/main" w="9525">
+                <a14:hiddenLine xmlns:a14="http://schemas.microsoft.com/office/drawing/2010/main" xmlns="" w="9525">
                   <a:solidFill>
                     <a:srgbClr val="000000"/>
                   </a:solidFill>
@@ -1768,7 +1772,7 @@
             </a:ln>
             <a:extLst>
               <a:ext uri="{91240B29-F687-4f45-9708-019B960494DF}">
-                <a14:hiddenLine xmlns="" xmlns:a14="http://schemas.microsoft.com/office/drawing/2010/main" w="9525">
+                <a14:hiddenLine xmlns:a14="http://schemas.microsoft.com/office/drawing/2010/main" xmlns="" w="9525">
                   <a:solidFill>
                     <a:srgbClr val="000000"/>
                   </a:solidFill>
@@ -1858,7 +1862,7 @@
             </a:ln>
             <a:extLst>
               <a:ext uri="{91240B29-F687-4f45-9708-019B960494DF}">
-                <a14:hiddenLine xmlns="" xmlns:a14="http://schemas.microsoft.com/office/drawing/2010/main" w="9525">
+                <a14:hiddenLine xmlns:a14="http://schemas.microsoft.com/office/drawing/2010/main" xmlns="" w="9525">
                   <a:solidFill>
                     <a:srgbClr val="000000"/>
                   </a:solidFill>
@@ -1914,7 +1918,7 @@
             </a:ln>
             <a:extLst>
               <a:ext uri="{91240B29-F687-4f45-9708-019B960494DF}">
-                <a14:hiddenLine xmlns="" xmlns:a14="http://schemas.microsoft.com/office/drawing/2010/main" w="9525">
+                <a14:hiddenLine xmlns:a14="http://schemas.microsoft.com/office/drawing/2010/main" xmlns="" w="9525">
                   <a:solidFill>
                     <a:srgbClr val="000000"/>
                   </a:solidFill>
@@ -2004,7 +2008,7 @@
             </a:ln>
             <a:extLst>
               <a:ext uri="{91240B29-F687-4f45-9708-019B960494DF}">
-                <a14:hiddenLine xmlns="" xmlns:a14="http://schemas.microsoft.com/office/drawing/2010/main" w="9525">
+                <a14:hiddenLine xmlns:a14="http://schemas.microsoft.com/office/drawing/2010/main" xmlns="" w="9525">
                   <a:solidFill>
                     <a:srgbClr val="000000"/>
                   </a:solidFill>
@@ -2072,7 +2076,7 @@
             </a:ln>
             <a:extLst>
               <a:ext uri="{91240B29-F687-4f45-9708-019B960494DF}">
-                <a14:hiddenLine xmlns="" xmlns:a14="http://schemas.microsoft.com/office/drawing/2010/main" w="9525">
+                <a14:hiddenLine xmlns:a14="http://schemas.microsoft.com/office/drawing/2010/main" xmlns="" w="9525">
                   <a:solidFill>
                     <a:srgbClr val="000000"/>
                   </a:solidFill>
@@ -2162,7 +2166,7 @@
             </a:ln>
             <a:extLst>
               <a:ext uri="{91240B29-F687-4f45-9708-019B960494DF}">
-                <a14:hiddenLine xmlns="" xmlns:a14="http://schemas.microsoft.com/office/drawing/2010/main" w="9525">
+                <a14:hiddenLine xmlns:a14="http://schemas.microsoft.com/office/drawing/2010/main" xmlns="" w="9525">
                   <a:solidFill>
                     <a:srgbClr val="000000"/>
                   </a:solidFill>
@@ -2230,7 +2234,7 @@
             </a:ln>
             <a:extLst>
               <a:ext uri="{91240B29-F687-4f45-9708-019B960494DF}">
-                <a14:hiddenLine xmlns="" xmlns:a14="http://schemas.microsoft.com/office/drawing/2010/main" w="9525">
+                <a14:hiddenLine xmlns:a14="http://schemas.microsoft.com/office/drawing/2010/main" xmlns="" w="9525">
                   <a:solidFill>
                     <a:srgbClr val="000000"/>
                   </a:solidFill>
@@ -2320,7 +2324,7 @@
             </a:ln>
             <a:extLst>
               <a:ext uri="{91240B29-F687-4f45-9708-019B960494DF}">
-                <a14:hiddenLine xmlns="" xmlns:a14="http://schemas.microsoft.com/office/drawing/2010/main" w="9525">
+                <a14:hiddenLine xmlns:a14="http://schemas.microsoft.com/office/drawing/2010/main" xmlns="" w="9525">
                   <a:solidFill>
                     <a:srgbClr val="000000"/>
                   </a:solidFill>
@@ -2354,7 +2358,7 @@
             </a:ln>
             <a:extLst>
               <a:ext uri="{91240B29-F687-4f45-9708-019B960494DF}">
-                <a14:hiddenLine xmlns="" xmlns:a14="http://schemas.microsoft.com/office/drawing/2010/main" w="9525">
+                <a14:hiddenLine xmlns:a14="http://schemas.microsoft.com/office/drawing/2010/main" xmlns="" w="9525">
                   <a:solidFill>
                     <a:srgbClr val="000000"/>
                   </a:solidFill>
@@ -2444,7 +2448,7 @@
             </a:ln>
             <a:extLst>
               <a:ext uri="{91240B29-F687-4f45-9708-019B960494DF}">
-                <a14:hiddenLine xmlns="" xmlns:a14="http://schemas.microsoft.com/office/drawing/2010/main" w="9525">
+                <a14:hiddenLine xmlns:a14="http://schemas.microsoft.com/office/drawing/2010/main" xmlns="" w="9525">
                   <a:solidFill>
                     <a:srgbClr val="000000"/>
                   </a:solidFill>
@@ -2506,7 +2510,7 @@
             </a:ln>
             <a:extLst>
               <a:ext uri="{91240B29-F687-4f45-9708-019B960494DF}">
-                <a14:hiddenLine xmlns="" xmlns:a14="http://schemas.microsoft.com/office/drawing/2010/main" w="9525">
+                <a14:hiddenLine xmlns:a14="http://schemas.microsoft.com/office/drawing/2010/main" xmlns="" w="9525">
                   <a:solidFill>
                     <a:srgbClr val="000000"/>
                   </a:solidFill>
@@ -2568,7 +2572,7 @@
             </a:ln>
             <a:extLst>
               <a:ext uri="{91240B29-F687-4f45-9708-019B960494DF}">
-                <a14:hiddenLine xmlns="" xmlns:a14="http://schemas.microsoft.com/office/drawing/2010/main" w="9525">
+                <a14:hiddenLine xmlns:a14="http://schemas.microsoft.com/office/drawing/2010/main" xmlns="" w="9525">
                   <a:solidFill>
                     <a:srgbClr val="000000"/>
                   </a:solidFill>
@@ -2658,7 +2662,7 @@
             </a:ln>
             <a:extLst>
               <a:ext uri="{91240B29-F687-4f45-9708-019B960494DF}">
-                <a14:hiddenLine xmlns="" xmlns:a14="http://schemas.microsoft.com/office/drawing/2010/main" w="9525">
+                <a14:hiddenLine xmlns:a14="http://schemas.microsoft.com/office/drawing/2010/main" xmlns="" w="9525">
                   <a:solidFill>
                     <a:srgbClr val="000000"/>
                   </a:solidFill>
@@ -2726,7 +2730,7 @@
             </a:ln>
             <a:extLst>
               <a:ext uri="{91240B29-F687-4f45-9708-019B960494DF}">
-                <a14:hiddenLine xmlns="" xmlns:a14="http://schemas.microsoft.com/office/drawing/2010/main" w="9525">
+                <a14:hiddenLine xmlns:a14="http://schemas.microsoft.com/office/drawing/2010/main" xmlns="" w="9525">
                   <a:solidFill>
                     <a:srgbClr val="000000"/>
                   </a:solidFill>
@@ -2788,7 +2792,7 @@
             </a:ln>
             <a:extLst>
               <a:ext uri="{91240B29-F687-4f45-9708-019B960494DF}">
-                <a14:hiddenLine xmlns="" xmlns:a14="http://schemas.microsoft.com/office/drawing/2010/main" w="9525">
+                <a14:hiddenLine xmlns:a14="http://schemas.microsoft.com/office/drawing/2010/main" xmlns="" w="9525">
                   <a:solidFill>
                     <a:srgbClr val="000000"/>
                   </a:solidFill>
@@ -2878,7 +2882,7 @@
             </a:ln>
             <a:extLst>
               <a:ext uri="{91240B29-F687-4f45-9708-019B960494DF}">
-                <a14:hiddenLine xmlns="" xmlns:a14="http://schemas.microsoft.com/office/drawing/2010/main" w="9525">
+                <a14:hiddenLine xmlns:a14="http://schemas.microsoft.com/office/drawing/2010/main" xmlns="" w="9525">
                   <a:solidFill>
                     <a:srgbClr val="000000"/>
                   </a:solidFill>
@@ -2940,7 +2944,7 @@
             </a:ln>
             <a:extLst>
               <a:ext uri="{91240B29-F687-4f45-9708-019B960494DF}">
-                <a14:hiddenLine xmlns="" xmlns:a14="http://schemas.microsoft.com/office/drawing/2010/main" w="9525">
+                <a14:hiddenLine xmlns:a14="http://schemas.microsoft.com/office/drawing/2010/main" xmlns="" w="9525">
                   <a:solidFill>
                     <a:srgbClr val="000000"/>
                   </a:solidFill>
@@ -3030,7 +3034,7 @@
             </a:ln>
             <a:extLst>
               <a:ext uri="{91240B29-F687-4f45-9708-019B960494DF}">
-                <a14:hiddenLine xmlns="" xmlns:a14="http://schemas.microsoft.com/office/drawing/2010/main" w="9525">
+                <a14:hiddenLine xmlns:a14="http://schemas.microsoft.com/office/drawing/2010/main" xmlns="" w="9525">
                   <a:solidFill>
                     <a:srgbClr val="000000"/>
                   </a:solidFill>
@@ -3092,7 +3096,7 @@
             </a:ln>
             <a:extLst>
               <a:ext uri="{91240B29-F687-4f45-9708-019B960494DF}">
-                <a14:hiddenLine xmlns="" xmlns:a14="http://schemas.microsoft.com/office/drawing/2010/main" w="9525">
+                <a14:hiddenLine xmlns:a14="http://schemas.microsoft.com/office/drawing/2010/main" xmlns="" w="9525">
                   <a:solidFill>
                     <a:srgbClr val="000000"/>
                   </a:solidFill>
@@ -3182,7 +3186,7 @@
             </a:ln>
             <a:extLst>
               <a:ext uri="{91240B29-F687-4f45-9708-019B960494DF}">
-                <a14:hiddenLine xmlns="" xmlns:a14="http://schemas.microsoft.com/office/drawing/2010/main" w="9525">
+                <a14:hiddenLine xmlns:a14="http://schemas.microsoft.com/office/drawing/2010/main" xmlns="" w="9525">
                   <a:solidFill>
                     <a:srgbClr val="000000"/>
                   </a:solidFill>
@@ -3216,7 +3220,7 @@
             </a:ln>
             <a:extLst>
               <a:ext uri="{91240B29-F687-4f45-9708-019B960494DF}">
-                <a14:hiddenLine xmlns="" xmlns:a14="http://schemas.microsoft.com/office/drawing/2010/main" w="9525">
+                <a14:hiddenLine xmlns:a14="http://schemas.microsoft.com/office/drawing/2010/main" xmlns="" w="9525">
                   <a:solidFill>
                     <a:srgbClr val="000000"/>
                   </a:solidFill>
@@ -3281,7 +3285,7 @@
             </a:ln>
             <a:extLst>
               <a:ext uri="{91240B29-F687-4f45-9708-019B960494DF}">
-                <a14:hiddenLine xmlns="" xmlns:a14="http://schemas.microsoft.com/office/drawing/2010/main" w="9525">
+                <a14:hiddenLine xmlns:a14="http://schemas.microsoft.com/office/drawing/2010/main" xmlns="" w="9525">
                   <a:solidFill>
                     <a:srgbClr val="000000"/>
                   </a:solidFill>
@@ -3371,7 +3375,7 @@
             </a:ln>
             <a:extLst>
               <a:ext uri="{91240B29-F687-4f45-9708-019B960494DF}">
-                <a14:hiddenLine xmlns="" xmlns:a14="http://schemas.microsoft.com/office/drawing/2010/main" w="9525">
+                <a14:hiddenLine xmlns:a14="http://schemas.microsoft.com/office/drawing/2010/main" xmlns="" w="9525">
                   <a:solidFill>
                     <a:srgbClr val="000000"/>
                   </a:solidFill>
@@ -3433,7 +3437,7 @@
             </a:ln>
             <a:extLst>
               <a:ext uri="{91240B29-F687-4f45-9708-019B960494DF}">
-                <a14:hiddenLine xmlns="" xmlns:a14="http://schemas.microsoft.com/office/drawing/2010/main" w="9525">
+                <a14:hiddenLine xmlns:a14="http://schemas.microsoft.com/office/drawing/2010/main" xmlns="" w="9525">
                   <a:solidFill>
                     <a:srgbClr val="000000"/>
                   </a:solidFill>
@@ -3523,7 +3527,7 @@
             </a:ln>
             <a:extLst>
               <a:ext uri="{91240B29-F687-4f45-9708-019B960494DF}">
-                <a14:hiddenLine xmlns="" xmlns:a14="http://schemas.microsoft.com/office/drawing/2010/main" w="9525">
+                <a14:hiddenLine xmlns:a14="http://schemas.microsoft.com/office/drawing/2010/main" xmlns="" w="9525">
                   <a:solidFill>
                     <a:srgbClr val="000000"/>
                   </a:solidFill>
@@ -3613,7 +3617,7 @@
             </a:ln>
             <a:extLst>
               <a:ext uri="{91240B29-F687-4f45-9708-019B960494DF}">
-                <a14:hiddenLine xmlns="" xmlns:a14="http://schemas.microsoft.com/office/drawing/2010/main" w="9525">
+                <a14:hiddenLine xmlns:a14="http://schemas.microsoft.com/office/drawing/2010/main" xmlns="" w="9525">
                   <a:solidFill>
                     <a:srgbClr val="000000"/>
                   </a:solidFill>
@@ -3678,7 +3682,7 @@
             </a:ln>
             <a:extLst>
               <a:ext uri="{91240B29-F687-4f45-9708-019B960494DF}">
-                <a14:hiddenLine xmlns="" xmlns:a14="http://schemas.microsoft.com/office/drawing/2010/main" w="9525">
+                <a14:hiddenLine xmlns:a14="http://schemas.microsoft.com/office/drawing/2010/main" xmlns="" w="9525">
                   <a:solidFill>
                     <a:srgbClr val="000000"/>
                   </a:solidFill>
@@ -3740,7 +3744,7 @@
             </a:ln>
             <a:extLst>
               <a:ext uri="{91240B29-F687-4f45-9708-019B960494DF}">
-                <a14:hiddenLine xmlns="" xmlns:a14="http://schemas.microsoft.com/office/drawing/2010/main" w="9525">
+                <a14:hiddenLine xmlns:a14="http://schemas.microsoft.com/office/drawing/2010/main" xmlns="" w="9525">
                   <a:solidFill>
                     <a:srgbClr val="000000"/>
                   </a:solidFill>
@@ -3830,7 +3834,7 @@
             </a:ln>
             <a:extLst>
               <a:ext uri="{91240B29-F687-4f45-9708-019B960494DF}">
-                <a14:hiddenLine xmlns="" xmlns:a14="http://schemas.microsoft.com/office/drawing/2010/main" w="9525">
+                <a14:hiddenLine xmlns:a14="http://schemas.microsoft.com/office/drawing/2010/main" xmlns="" w="9525">
                   <a:solidFill>
                     <a:srgbClr val="000000"/>
                   </a:solidFill>
@@ -3920,7 +3924,7 @@
             </a:ln>
             <a:extLst>
               <a:ext uri="{91240B29-F687-4f45-9708-019B960494DF}">
-                <a14:hiddenLine xmlns="" xmlns:a14="http://schemas.microsoft.com/office/drawing/2010/main" w="9525">
+                <a14:hiddenLine xmlns:a14="http://schemas.microsoft.com/office/drawing/2010/main" xmlns="" w="9525">
                   <a:solidFill>
                     <a:srgbClr val="000000"/>
                   </a:solidFill>
@@ -3982,7 +3986,7 @@
             </a:ln>
             <a:extLst>
               <a:ext uri="{91240B29-F687-4f45-9708-019B960494DF}">
-                <a14:hiddenLine xmlns="" xmlns:a14="http://schemas.microsoft.com/office/drawing/2010/main" w="9525">
+                <a14:hiddenLine xmlns:a14="http://schemas.microsoft.com/office/drawing/2010/main" xmlns="" w="9525">
                   <a:solidFill>
                     <a:srgbClr val="000000"/>
                   </a:solidFill>
@@ -4102,7 +4106,7 @@
             </a:ln>
             <a:extLst>
               <a:ext uri="{91240B29-F687-4f45-9708-019B960494DF}">
-                <a14:hiddenLine xmlns="" xmlns:a14="http://schemas.microsoft.com/office/drawing/2010/main" w="9525">
+                <a14:hiddenLine xmlns:a14="http://schemas.microsoft.com/office/drawing/2010/main" xmlns="" w="9525">
                   <a:solidFill>
                     <a:srgbClr val="000000"/>
                   </a:solidFill>
@@ -4170,7 +4174,7 @@
             </a:ln>
             <a:extLst>
               <a:ext uri="{91240B29-F687-4f45-9708-019B960494DF}">
-                <a14:hiddenLine xmlns="" xmlns:a14="http://schemas.microsoft.com/office/drawing/2010/main" w="9525">
+                <a14:hiddenLine xmlns:a14="http://schemas.microsoft.com/office/drawing/2010/main" xmlns="" w="9525">
                   <a:solidFill>
                     <a:srgbClr val="000000"/>
                   </a:solidFill>
@@ -4260,7 +4264,7 @@
             </a:ln>
             <a:extLst>
               <a:ext uri="{91240B29-F687-4f45-9708-019B960494DF}">
-                <a14:hiddenLine xmlns="" xmlns:a14="http://schemas.microsoft.com/office/drawing/2010/main" w="9525">
+                <a14:hiddenLine xmlns:a14="http://schemas.microsoft.com/office/drawing/2010/main" xmlns="" w="9525">
                   <a:solidFill>
                     <a:srgbClr val="000000"/>
                   </a:solidFill>
@@ -4300,7 +4304,7 @@
           </a:lstStyle>
           <a:p>
             <a:r>
-              <a:rPr lang="en-US" smtClean="0"/>
+              <a:rPr lang="en-US"/>
               <a:t>Click to edit Master title style</a:t>
             </a:r>
             <a:endParaRPr lang="en-US" dirty="0"/>
@@ -4371,7 +4375,7 @@
           </a:lstStyle>
           <a:p>
             <a:r>
-              <a:rPr lang="en-US" smtClean="0"/>
+              <a:rPr lang="en-US"/>
               <a:t>Click to edit Master subtitle style</a:t>
             </a:r>
             <a:endParaRPr lang="en-US" dirty="0"/>
@@ -4400,7 +4404,7 @@
           <a:p>
             <a:fld id="{7E17CA91-2BE7-4231-A290-C311F451C0C9}" type="datetimeFigureOut">
               <a:rPr lang="en-US" smtClean="0"/>
-              <a:t>12/6/2022</a:t>
+              <a:t>12/6/22</a:t>
             </a:fld>
             <a:endParaRPr lang="en-US"/>
           </a:p>
@@ -4515,7 +4519,7 @@
           </a:lstStyle>
           <a:p>
             <a:r>
-              <a:rPr lang="en-US" smtClean="0"/>
+              <a:rPr lang="en-US"/>
               <a:t>Click to edit Master title style</a:t>
             </a:r>
             <a:endParaRPr lang="en-US" dirty="0"/>
@@ -4576,7 +4580,7 @@
               <a:buNone/>
             </a:pPr>
             <a:r>
-              <a:rPr lang="en-US" smtClean="0"/>
+              <a:rPr lang="en-US"/>
               <a:t>Click icon to add picture</a:t>
             </a:r>
             <a:endParaRPr lang="en-US" dirty="0"/>
@@ -4644,7 +4648,7 @@
           <a:p>
             <a:pPr lvl="0"/>
             <a:r>
-              <a:rPr lang="en-US" smtClean="0"/>
+              <a:rPr lang="en-US"/>
               <a:t>Edit Master text styles</a:t>
             </a:r>
           </a:p>
@@ -4667,7 +4671,7 @@
           <a:p>
             <a:fld id="{7E17CA91-2BE7-4231-A290-C311F451C0C9}" type="datetimeFigureOut">
               <a:rPr lang="en-US" smtClean="0"/>
-              <a:t>12/6/2022</a:t>
+              <a:t>12/6/22</a:t>
             </a:fld>
             <a:endParaRPr lang="en-US"/>
           </a:p>
@@ -4772,7 +4776,7 @@
           </a:lstStyle>
           <a:p>
             <a:r>
-              <a:rPr lang="en-US" smtClean="0"/>
+              <a:rPr lang="en-US"/>
               <a:t>Click to edit Master title style</a:t>
             </a:r>
             <a:endParaRPr lang="en-US" dirty="0"/>
@@ -4840,7 +4844,7 @@
           <a:p>
             <a:pPr lvl="0"/>
             <a:r>
-              <a:rPr lang="en-US" smtClean="0"/>
+              <a:rPr lang="en-US"/>
               <a:t>Edit Master text styles</a:t>
             </a:r>
           </a:p>
@@ -4863,7 +4867,7 @@
           <a:p>
             <a:fld id="{7E17CA91-2BE7-4231-A290-C311F451C0C9}" type="datetimeFigureOut">
               <a:rPr lang="en-US" smtClean="0"/>
-              <a:t>12/6/2022</a:t>
+              <a:t>12/6/22</a:t>
             </a:fld>
             <a:endParaRPr lang="en-US"/>
           </a:p>
@@ -4968,7 +4972,7 @@
           </a:lstStyle>
           <a:p>
             <a:r>
-              <a:rPr lang="en-US" smtClean="0"/>
+              <a:rPr lang="en-US"/>
               <a:t>Click to edit Master title style</a:t>
             </a:r>
             <a:endParaRPr lang="en-US" dirty="0"/>
@@ -5036,7 +5040,7 @@
           <a:p>
             <a:pPr lvl="0"/>
             <a:r>
-              <a:rPr lang="en-US" smtClean="0"/>
+              <a:rPr lang="en-US"/>
               <a:t>Edit Master text styles</a:t>
             </a:r>
           </a:p>
@@ -5103,7 +5107,7 @@
           <a:p>
             <a:pPr lvl="0"/>
             <a:r>
-              <a:rPr lang="en-US" smtClean="0"/>
+              <a:rPr lang="en-US"/>
               <a:t>Edit Master text styles</a:t>
             </a:r>
           </a:p>
@@ -5126,7 +5130,7 @@
           <a:p>
             <a:fld id="{7E17CA91-2BE7-4231-A290-C311F451C0C9}" type="datetimeFigureOut">
               <a:rPr lang="en-US" smtClean="0"/>
-              <a:t>12/6/2022</a:t>
+              <a:t>12/6/22</a:t>
             </a:fld>
             <a:endParaRPr lang="en-US"/>
           </a:p>
@@ -5469,7 +5473,7 @@
           </a:lstStyle>
           <a:p>
             <a:r>
-              <a:rPr lang="en-US" smtClean="0"/>
+              <a:rPr lang="en-US"/>
               <a:t>Click to edit Master title style</a:t>
             </a:r>
             <a:endParaRPr lang="en-US" dirty="0"/>
@@ -5537,7 +5541,7 @@
           <a:p>
             <a:pPr lvl="0"/>
             <a:r>
-              <a:rPr lang="en-US" smtClean="0"/>
+              <a:rPr lang="en-US"/>
               <a:t>Edit Master text styles</a:t>
             </a:r>
           </a:p>
@@ -5560,7 +5564,7 @@
           <a:p>
             <a:fld id="{7E17CA91-2BE7-4231-A290-C311F451C0C9}" type="datetimeFigureOut">
               <a:rPr lang="en-US" smtClean="0"/>
-              <a:t>12/6/2022</a:t>
+              <a:t>12/6/22</a:t>
             </a:fld>
             <a:endParaRPr lang="en-US"/>
           </a:p>
@@ -5659,7 +5663,7 @@
           <a:lstStyle/>
           <a:p>
             <a:r>
-              <a:rPr lang="en-US" smtClean="0"/>
+              <a:rPr lang="en-US"/>
               <a:t>Click to edit Master title style</a:t>
             </a:r>
             <a:endParaRPr lang="en-US" dirty="0"/>
@@ -5734,7 +5738,7 @@
           <a:p>
             <a:pPr lvl="0"/>
             <a:r>
-              <a:rPr lang="en-US" smtClean="0"/>
+              <a:rPr lang="en-US"/>
               <a:t>Edit Master text styles</a:t>
             </a:r>
           </a:p>
@@ -5801,7 +5805,7 @@
           <a:p>
             <a:pPr lvl="0"/>
             <a:r>
-              <a:rPr lang="en-US" smtClean="0"/>
+              <a:rPr lang="en-US"/>
               <a:t>Edit Master text styles</a:t>
             </a:r>
           </a:p>
@@ -5875,7 +5879,7 @@
           <a:p>
             <a:pPr lvl="0"/>
             <a:r>
-              <a:rPr lang="en-US" smtClean="0"/>
+              <a:rPr lang="en-US"/>
               <a:t>Edit Master text styles</a:t>
             </a:r>
           </a:p>
@@ -5942,7 +5946,7 @@
           <a:p>
             <a:pPr lvl="0"/>
             <a:r>
-              <a:rPr lang="en-US" smtClean="0"/>
+              <a:rPr lang="en-US"/>
               <a:t>Edit Master text styles</a:t>
             </a:r>
           </a:p>
@@ -6016,7 +6020,7 @@
           <a:p>
             <a:pPr lvl="0"/>
             <a:r>
-              <a:rPr lang="en-US" smtClean="0"/>
+              <a:rPr lang="en-US"/>
               <a:t>Edit Master text styles</a:t>
             </a:r>
           </a:p>
@@ -6083,7 +6087,7 @@
           <a:p>
             <a:pPr lvl="0"/>
             <a:r>
-              <a:rPr lang="en-US" smtClean="0"/>
+              <a:rPr lang="en-US"/>
               <a:t>Edit Master text styles</a:t>
             </a:r>
           </a:p>
@@ -6106,7 +6110,7 @@
           <a:p>
             <a:fld id="{7E17CA91-2BE7-4231-A290-C311F451C0C9}" type="datetimeFigureOut">
               <a:rPr lang="en-US" smtClean="0"/>
-              <a:t>12/6/2022</a:t>
+              <a:t>12/6/22</a:t>
             </a:fld>
             <a:endParaRPr lang="en-US"/>
           </a:p>
@@ -6205,7 +6209,7 @@
           <a:lstStyle/>
           <a:p>
             <a:r>
-              <a:rPr lang="en-US" smtClean="0"/>
+              <a:rPr lang="en-US"/>
               <a:t>Click to edit Master title style</a:t>
             </a:r>
             <a:endParaRPr lang="en-US" dirty="0"/>
@@ -6280,7 +6284,7 @@
           <a:p>
             <a:pPr lvl="0"/>
             <a:r>
-              <a:rPr lang="en-US" smtClean="0"/>
+              <a:rPr lang="en-US"/>
               <a:t>Edit Master text styles</a:t>
             </a:r>
           </a:p>
@@ -6337,7 +6341,7 @@
               <a:buNone/>
             </a:pPr>
             <a:r>
-              <a:rPr lang="en-US" smtClean="0"/>
+              <a:rPr lang="en-US"/>
               <a:t>Click icon to add picture</a:t>
             </a:r>
             <a:endParaRPr lang="en-US" dirty="0"/>
@@ -6405,7 +6409,7 @@
           <a:p>
             <a:pPr lvl="0"/>
             <a:r>
-              <a:rPr lang="en-US" smtClean="0"/>
+              <a:rPr lang="en-US"/>
               <a:t>Edit Master text styles</a:t>
             </a:r>
           </a:p>
@@ -6479,7 +6483,7 @@
           <a:p>
             <a:pPr lvl="0"/>
             <a:r>
-              <a:rPr lang="en-US" smtClean="0"/>
+              <a:rPr lang="en-US"/>
               <a:t>Edit Master text styles</a:t>
             </a:r>
           </a:p>
@@ -6536,7 +6540,7 @@
               <a:buNone/>
             </a:pPr>
             <a:r>
-              <a:rPr lang="en-US" smtClean="0"/>
+              <a:rPr lang="en-US"/>
               <a:t>Click icon to add picture</a:t>
             </a:r>
             <a:endParaRPr lang="en-US" dirty="0"/>
@@ -6604,7 +6608,7 @@
           <a:p>
             <a:pPr lvl="0"/>
             <a:r>
-              <a:rPr lang="en-US" smtClean="0"/>
+              <a:rPr lang="en-US"/>
               <a:t>Edit Master text styles</a:t>
             </a:r>
           </a:p>
@@ -6678,7 +6682,7 @@
           <a:p>
             <a:pPr lvl="0"/>
             <a:r>
-              <a:rPr lang="en-US" smtClean="0"/>
+              <a:rPr lang="en-US"/>
               <a:t>Edit Master text styles</a:t>
             </a:r>
           </a:p>
@@ -6735,7 +6739,7 @@
               <a:buNone/>
             </a:pPr>
             <a:r>
-              <a:rPr lang="en-US" smtClean="0"/>
+              <a:rPr lang="en-US"/>
               <a:t>Click icon to add picture</a:t>
             </a:r>
             <a:endParaRPr lang="en-US" dirty="0"/>
@@ -6803,7 +6807,7 @@
           <a:p>
             <a:pPr lvl="0"/>
             <a:r>
-              <a:rPr lang="en-US" smtClean="0"/>
+              <a:rPr lang="en-US"/>
               <a:t>Edit Master text styles</a:t>
             </a:r>
           </a:p>
@@ -6826,7 +6830,7 @@
           <a:p>
             <a:fld id="{7E17CA91-2BE7-4231-A290-C311F451C0C9}" type="datetimeFigureOut">
               <a:rPr lang="en-US" smtClean="0"/>
-              <a:t>12/6/2022</a:t>
+              <a:t>12/6/22</a:t>
             </a:fld>
             <a:endParaRPr lang="en-US"/>
           </a:p>
@@ -6920,7 +6924,7 @@
           <a:lstStyle/>
           <a:p>
             <a:r>
-              <a:rPr lang="en-US" smtClean="0"/>
+              <a:rPr lang="en-US"/>
               <a:t>Click to edit Master title style</a:t>
             </a:r>
             <a:endParaRPr lang="en-US" dirty="0"/>
@@ -6944,35 +6948,35 @@
           <a:p>
             <a:pPr lvl="0"/>
             <a:r>
-              <a:rPr lang="en-US" smtClean="0"/>
+              <a:rPr lang="en-US"/>
               <a:t>Edit Master text styles</a:t>
             </a:r>
           </a:p>
           <a:p>
             <a:pPr lvl="1"/>
             <a:r>
-              <a:rPr lang="en-US" smtClean="0"/>
+              <a:rPr lang="en-US"/>
               <a:t>Second level</a:t>
             </a:r>
           </a:p>
           <a:p>
             <a:pPr lvl="2"/>
             <a:r>
-              <a:rPr lang="en-US" smtClean="0"/>
+              <a:rPr lang="en-US"/>
               <a:t>Third level</a:t>
             </a:r>
           </a:p>
           <a:p>
             <a:pPr lvl="3"/>
             <a:r>
-              <a:rPr lang="en-US" smtClean="0"/>
+              <a:rPr lang="en-US"/>
               <a:t>Fourth level</a:t>
             </a:r>
           </a:p>
           <a:p>
             <a:pPr lvl="4"/>
             <a:r>
-              <a:rPr lang="en-US" smtClean="0"/>
+              <a:rPr lang="en-US"/>
               <a:t>Fifth level</a:t>
             </a:r>
             <a:endParaRPr lang="en-US" dirty="0"/>
@@ -6996,7 +7000,7 @@
           <a:p>
             <a:fld id="{7E17CA91-2BE7-4231-A290-C311F451C0C9}" type="datetimeFigureOut">
               <a:rPr lang="en-US" smtClean="0"/>
-              <a:t>12/6/2022</a:t>
+              <a:t>12/6/22</a:t>
             </a:fld>
             <a:endParaRPr lang="en-US"/>
           </a:p>
@@ -7095,7 +7099,7 @@
           <a:lstStyle/>
           <a:p>
             <a:r>
-              <a:rPr lang="en-US" smtClean="0"/>
+              <a:rPr lang="en-US"/>
               <a:t>Click to edit Master title style</a:t>
             </a:r>
             <a:endParaRPr lang="en-US" dirty="0"/>
@@ -7124,35 +7128,35 @@
           <a:p>
             <a:pPr lvl="0"/>
             <a:r>
-              <a:rPr lang="en-US" smtClean="0"/>
+              <a:rPr lang="en-US"/>
               <a:t>Edit Master text styles</a:t>
             </a:r>
           </a:p>
           <a:p>
             <a:pPr lvl="1"/>
             <a:r>
-              <a:rPr lang="en-US" smtClean="0"/>
+              <a:rPr lang="en-US"/>
               <a:t>Second level</a:t>
             </a:r>
           </a:p>
           <a:p>
             <a:pPr lvl="2"/>
             <a:r>
-              <a:rPr lang="en-US" smtClean="0"/>
+              <a:rPr lang="en-US"/>
               <a:t>Third level</a:t>
             </a:r>
           </a:p>
           <a:p>
             <a:pPr lvl="3"/>
             <a:r>
-              <a:rPr lang="en-US" smtClean="0"/>
+              <a:rPr lang="en-US"/>
               <a:t>Fourth level</a:t>
             </a:r>
           </a:p>
           <a:p>
             <a:pPr lvl="4"/>
             <a:r>
-              <a:rPr lang="en-US" smtClean="0"/>
+              <a:rPr lang="en-US"/>
               <a:t>Fifth level</a:t>
             </a:r>
             <a:endParaRPr lang="en-US" dirty="0"/>
@@ -7176,7 +7180,7 @@
           <a:p>
             <a:fld id="{7E17CA91-2BE7-4231-A290-C311F451C0C9}" type="datetimeFigureOut">
               <a:rPr lang="en-US" smtClean="0"/>
-              <a:t>12/6/2022</a:t>
+              <a:t>12/6/22</a:t>
             </a:fld>
             <a:endParaRPr lang="en-US"/>
           </a:p>
@@ -7270,7 +7274,7 @@
           <a:lstStyle/>
           <a:p>
             <a:r>
-              <a:rPr lang="en-US" smtClean="0"/>
+              <a:rPr lang="en-US"/>
               <a:t>Click to edit Master title style</a:t>
             </a:r>
             <a:endParaRPr lang="en-US" dirty="0"/>
@@ -7294,35 +7298,35 @@
           <a:p>
             <a:pPr lvl="0"/>
             <a:r>
-              <a:rPr lang="en-US" smtClean="0"/>
+              <a:rPr lang="en-US"/>
               <a:t>Edit Master text styles</a:t>
             </a:r>
           </a:p>
           <a:p>
             <a:pPr lvl="1"/>
             <a:r>
-              <a:rPr lang="en-US" smtClean="0"/>
+              <a:rPr lang="en-US"/>
               <a:t>Second level</a:t>
             </a:r>
           </a:p>
           <a:p>
             <a:pPr lvl="2"/>
             <a:r>
-              <a:rPr lang="en-US" smtClean="0"/>
+              <a:rPr lang="en-US"/>
               <a:t>Third level</a:t>
             </a:r>
           </a:p>
           <a:p>
             <a:pPr lvl="3"/>
             <a:r>
-              <a:rPr lang="en-US" smtClean="0"/>
+              <a:rPr lang="en-US"/>
               <a:t>Fourth level</a:t>
             </a:r>
           </a:p>
           <a:p>
             <a:pPr lvl="4"/>
             <a:r>
-              <a:rPr lang="en-US" smtClean="0"/>
+              <a:rPr lang="en-US"/>
               <a:t>Fifth level</a:t>
             </a:r>
             <a:endParaRPr lang="en-US" dirty="0"/>
@@ -7346,7 +7350,7 @@
           <a:p>
             <a:fld id="{7E17CA91-2BE7-4231-A290-C311F451C0C9}" type="datetimeFigureOut">
               <a:rPr lang="en-US" smtClean="0"/>
-              <a:t>12/6/2022</a:t>
+              <a:t>12/6/22</a:t>
             </a:fld>
             <a:endParaRPr lang="en-US"/>
           </a:p>
@@ -7451,7 +7455,7 @@
           </a:lstStyle>
           <a:p>
             <a:r>
-              <a:rPr lang="en-US" smtClean="0"/>
+              <a:rPr lang="en-US"/>
               <a:t>Click to edit Master title style</a:t>
             </a:r>
             <a:endParaRPr lang="en-US" dirty="0"/>
@@ -7573,7 +7577,7 @@
           <a:p>
             <a:pPr lvl="0"/>
             <a:r>
-              <a:rPr lang="en-US" smtClean="0"/>
+              <a:rPr lang="en-US"/>
               <a:t>Edit Master text styles</a:t>
             </a:r>
           </a:p>
@@ -7596,7 +7600,7 @@
           <a:p>
             <a:fld id="{7E17CA91-2BE7-4231-A290-C311F451C0C9}" type="datetimeFigureOut">
               <a:rPr lang="en-US" smtClean="0"/>
-              <a:t>12/6/2022</a:t>
+              <a:t>12/6/22</a:t>
             </a:fld>
             <a:endParaRPr lang="en-US"/>
           </a:p>
@@ -7690,7 +7694,7 @@
           <a:lstStyle/>
           <a:p>
             <a:r>
-              <a:rPr lang="en-US" smtClean="0"/>
+              <a:rPr lang="en-US"/>
               <a:t>Click to edit Master title style</a:t>
             </a:r>
             <a:endParaRPr lang="en-US" dirty="0"/>
@@ -7719,35 +7723,35 @@
           <a:p>
             <a:pPr lvl="0"/>
             <a:r>
-              <a:rPr lang="en-US" smtClean="0"/>
+              <a:rPr lang="en-US"/>
               <a:t>Edit Master text styles</a:t>
             </a:r>
           </a:p>
           <a:p>
             <a:pPr lvl="1"/>
             <a:r>
-              <a:rPr lang="en-US" smtClean="0"/>
+              <a:rPr lang="en-US"/>
               <a:t>Second level</a:t>
             </a:r>
           </a:p>
           <a:p>
             <a:pPr lvl="2"/>
             <a:r>
-              <a:rPr lang="en-US" smtClean="0"/>
+              <a:rPr lang="en-US"/>
               <a:t>Third level</a:t>
             </a:r>
           </a:p>
           <a:p>
             <a:pPr lvl="3"/>
             <a:r>
-              <a:rPr lang="en-US" smtClean="0"/>
+              <a:rPr lang="en-US"/>
               <a:t>Fourth level</a:t>
             </a:r>
           </a:p>
           <a:p>
             <a:pPr lvl="4"/>
             <a:r>
-              <a:rPr lang="en-US" smtClean="0"/>
+              <a:rPr lang="en-US"/>
               <a:t>Fifth level</a:t>
             </a:r>
             <a:endParaRPr lang="en-US" dirty="0"/>
@@ -7776,35 +7780,35 @@
           <a:p>
             <a:pPr lvl="0"/>
             <a:r>
-              <a:rPr lang="en-US" smtClean="0"/>
+              <a:rPr lang="en-US"/>
               <a:t>Edit Master text styles</a:t>
             </a:r>
           </a:p>
           <a:p>
             <a:pPr lvl="1"/>
             <a:r>
-              <a:rPr lang="en-US" smtClean="0"/>
+              <a:rPr lang="en-US"/>
               <a:t>Second level</a:t>
             </a:r>
           </a:p>
           <a:p>
             <a:pPr lvl="2"/>
             <a:r>
-              <a:rPr lang="en-US" smtClean="0"/>
+              <a:rPr lang="en-US"/>
               <a:t>Third level</a:t>
             </a:r>
           </a:p>
           <a:p>
             <a:pPr lvl="3"/>
             <a:r>
-              <a:rPr lang="en-US" smtClean="0"/>
+              <a:rPr lang="en-US"/>
               <a:t>Fourth level</a:t>
             </a:r>
           </a:p>
           <a:p>
             <a:pPr lvl="4"/>
             <a:r>
-              <a:rPr lang="en-US" smtClean="0"/>
+              <a:rPr lang="en-US"/>
               <a:t>Fifth level</a:t>
             </a:r>
             <a:endParaRPr lang="en-US" dirty="0"/>
@@ -7828,7 +7832,7 @@
           <a:p>
             <a:fld id="{7E17CA91-2BE7-4231-A290-C311F451C0C9}" type="datetimeFigureOut">
               <a:rPr lang="en-US" smtClean="0"/>
-              <a:t>12/6/2022</a:t>
+              <a:t>12/6/22</a:t>
             </a:fld>
             <a:endParaRPr lang="en-US"/>
           </a:p>
@@ -7927,7 +7931,7 @@
           <a:lstStyle/>
           <a:p>
             <a:r>
-              <a:rPr lang="en-US" smtClean="0"/>
+              <a:rPr lang="en-US"/>
               <a:t>Click to edit Master title style</a:t>
             </a:r>
             <a:endParaRPr lang="en-US" dirty="0"/>
@@ -8000,7 +8004,7 @@
           <a:p>
             <a:pPr lvl="0"/>
             <a:r>
-              <a:rPr lang="en-US" smtClean="0"/>
+              <a:rPr lang="en-US"/>
               <a:t>Edit Master text styles</a:t>
             </a:r>
           </a:p>
@@ -8028,35 +8032,35 @@
           <a:p>
             <a:pPr lvl="0"/>
             <a:r>
-              <a:rPr lang="en-US" smtClean="0"/>
+              <a:rPr lang="en-US"/>
               <a:t>Edit Master text styles</a:t>
             </a:r>
           </a:p>
           <a:p>
             <a:pPr lvl="1"/>
             <a:r>
-              <a:rPr lang="en-US" smtClean="0"/>
+              <a:rPr lang="en-US"/>
               <a:t>Second level</a:t>
             </a:r>
           </a:p>
           <a:p>
             <a:pPr lvl="2"/>
             <a:r>
-              <a:rPr lang="en-US" smtClean="0"/>
+              <a:rPr lang="en-US"/>
               <a:t>Third level</a:t>
             </a:r>
           </a:p>
           <a:p>
             <a:pPr lvl="3"/>
             <a:r>
-              <a:rPr lang="en-US" smtClean="0"/>
+              <a:rPr lang="en-US"/>
               <a:t>Fourth level</a:t>
             </a:r>
           </a:p>
           <a:p>
             <a:pPr lvl="4"/>
             <a:r>
-              <a:rPr lang="en-US" smtClean="0"/>
+              <a:rPr lang="en-US"/>
               <a:t>Fifth level</a:t>
             </a:r>
             <a:endParaRPr lang="en-US" dirty="0"/>
@@ -8129,7 +8133,7 @@
           <a:p>
             <a:pPr lvl="0"/>
             <a:r>
-              <a:rPr lang="en-US" smtClean="0"/>
+              <a:rPr lang="en-US"/>
               <a:t>Edit Master text styles</a:t>
             </a:r>
           </a:p>
@@ -8157,35 +8161,35 @@
           <a:p>
             <a:pPr lvl="0"/>
             <a:r>
-              <a:rPr lang="en-US" smtClean="0"/>
+              <a:rPr lang="en-US"/>
               <a:t>Edit Master text styles</a:t>
             </a:r>
           </a:p>
           <a:p>
             <a:pPr lvl="1"/>
             <a:r>
-              <a:rPr lang="en-US" smtClean="0"/>
+              <a:rPr lang="en-US"/>
               <a:t>Second level</a:t>
             </a:r>
           </a:p>
           <a:p>
             <a:pPr lvl="2"/>
             <a:r>
-              <a:rPr lang="en-US" smtClean="0"/>
+              <a:rPr lang="en-US"/>
               <a:t>Third level</a:t>
             </a:r>
           </a:p>
           <a:p>
             <a:pPr lvl="3"/>
             <a:r>
-              <a:rPr lang="en-US" smtClean="0"/>
+              <a:rPr lang="en-US"/>
               <a:t>Fourth level</a:t>
             </a:r>
           </a:p>
           <a:p>
             <a:pPr lvl="4"/>
             <a:r>
-              <a:rPr lang="en-US" smtClean="0"/>
+              <a:rPr lang="en-US"/>
               <a:t>Fifth level</a:t>
             </a:r>
             <a:endParaRPr lang="en-US" dirty="0"/>
@@ -8209,7 +8213,7 @@
           <a:p>
             <a:fld id="{7E17CA91-2BE7-4231-A290-C311F451C0C9}" type="datetimeFigureOut">
               <a:rPr lang="en-US" smtClean="0"/>
-              <a:t>12/6/2022</a:t>
+              <a:t>12/6/22</a:t>
             </a:fld>
             <a:endParaRPr lang="en-US"/>
           </a:p>
@@ -8303,7 +8307,7 @@
           <a:lstStyle/>
           <a:p>
             <a:r>
-              <a:rPr lang="en-US" smtClean="0"/>
+              <a:rPr lang="en-US"/>
               <a:t>Click to edit Master title style</a:t>
             </a:r>
             <a:endParaRPr lang="en-US" dirty="0"/>
@@ -8327,7 +8331,7 @@
           <a:p>
             <a:fld id="{7E17CA91-2BE7-4231-A290-C311F451C0C9}" type="datetimeFigureOut">
               <a:rPr lang="en-US" smtClean="0"/>
-              <a:t>12/6/2022</a:t>
+              <a:t>12/6/22</a:t>
             </a:fld>
             <a:endParaRPr lang="en-US"/>
           </a:p>
@@ -8422,7 +8426,7 @@
           <a:p>
             <a:fld id="{7E17CA91-2BE7-4231-A290-C311F451C0C9}" type="datetimeFigureOut">
               <a:rPr lang="en-US" smtClean="0"/>
-              <a:t>12/6/2022</a:t>
+              <a:t>12/6/22</a:t>
             </a:fld>
             <a:endParaRPr lang="en-US"/>
           </a:p>
@@ -8525,7 +8529,7 @@
           </a:lstStyle>
           <a:p>
             <a:r>
-              <a:rPr lang="en-US" smtClean="0"/>
+              <a:rPr lang="en-US"/>
               <a:t>Click to edit Master title style</a:t>
             </a:r>
             <a:endParaRPr lang="en-US" dirty="0"/>
@@ -8554,35 +8558,35 @@
           <a:p>
             <a:pPr lvl="0"/>
             <a:r>
-              <a:rPr lang="en-US" smtClean="0"/>
+              <a:rPr lang="en-US"/>
               <a:t>Edit Master text styles</a:t>
             </a:r>
           </a:p>
           <a:p>
             <a:pPr lvl="1"/>
             <a:r>
-              <a:rPr lang="en-US" smtClean="0"/>
+              <a:rPr lang="en-US"/>
               <a:t>Second level</a:t>
             </a:r>
           </a:p>
           <a:p>
             <a:pPr lvl="2"/>
             <a:r>
-              <a:rPr lang="en-US" smtClean="0"/>
+              <a:rPr lang="en-US"/>
               <a:t>Third level</a:t>
             </a:r>
           </a:p>
           <a:p>
             <a:pPr lvl="3"/>
             <a:r>
-              <a:rPr lang="en-US" smtClean="0"/>
+              <a:rPr lang="en-US"/>
               <a:t>Fourth level</a:t>
             </a:r>
           </a:p>
           <a:p>
             <a:pPr lvl="4"/>
             <a:r>
-              <a:rPr lang="en-US" smtClean="0"/>
+              <a:rPr lang="en-US"/>
               <a:t>Fifth level</a:t>
             </a:r>
             <a:endParaRPr lang="en-US" dirty="0"/>
@@ -8648,7 +8652,7 @@
           <a:p>
             <a:pPr lvl="0"/>
             <a:r>
-              <a:rPr lang="en-US" smtClean="0"/>
+              <a:rPr lang="en-US"/>
               <a:t>Edit Master text styles</a:t>
             </a:r>
           </a:p>
@@ -8671,7 +8675,7 @@
           <a:p>
             <a:fld id="{7E17CA91-2BE7-4231-A290-C311F451C0C9}" type="datetimeFigureOut">
               <a:rPr lang="en-US" smtClean="0"/>
-              <a:t>12/6/2022</a:t>
+              <a:t>12/6/22</a:t>
             </a:fld>
             <a:endParaRPr lang="en-US"/>
           </a:p>
@@ -8774,7 +8778,7 @@
           </a:lstStyle>
           <a:p>
             <a:r>
-              <a:rPr lang="en-US" smtClean="0"/>
+              <a:rPr lang="en-US"/>
               <a:t>Click to edit Master title style</a:t>
             </a:r>
             <a:endParaRPr lang="en-US" dirty="0"/>
@@ -8862,7 +8866,7 @@
           </a:lstStyle>
           <a:p>
             <a:r>
-              <a:rPr lang="en-US" smtClean="0"/>
+              <a:rPr lang="en-US"/>
               <a:t>Click icon to add picture</a:t>
             </a:r>
             <a:endParaRPr lang="en-US" dirty="0"/>
@@ -8928,7 +8932,7 @@
           <a:p>
             <a:pPr lvl="0"/>
             <a:r>
-              <a:rPr lang="en-US" smtClean="0"/>
+              <a:rPr lang="en-US"/>
               <a:t>Edit Master text styles</a:t>
             </a:r>
           </a:p>
@@ -8951,7 +8955,7 @@
           <a:p>
             <a:fld id="{7E17CA91-2BE7-4231-A290-C311F451C0C9}" type="datetimeFigureOut">
               <a:rPr lang="en-US" smtClean="0"/>
-              <a:t>12/6/2022</a:t>
+              <a:t>12/6/22</a:t>
             </a:fld>
             <a:endParaRPr lang="en-US"/>
           </a:p>
@@ -9074,7 +9078,7 @@
           <a:noFill/>
           <a:extLst>
             <a:ext uri="{909E8E84-426E-40dd-AFC4-6F175D3DCCD1}">
-              <a14:hiddenFill xmlns="" xmlns:a14="http://schemas.microsoft.com/office/drawing/2010/main">
+              <a14:hiddenFill xmlns:a14="http://schemas.microsoft.com/office/drawing/2010/main" xmlns="">
                 <a:solidFill>
                   <a:srgbClr val="FFFFFF"/>
                 </a:solidFill>
@@ -9148,7 +9152,7 @@
               </a:ln>
               <a:extLst>
                 <a:ext uri="{91240B29-F687-4f45-9708-019B960494DF}">
-                  <a14:hiddenLine xmlns="" xmlns:a14="http://schemas.microsoft.com/office/drawing/2010/main" w="9525">
+                  <a14:hiddenLine xmlns:a14="http://schemas.microsoft.com/office/drawing/2010/main" xmlns="" w="9525">
                     <a:solidFill>
                       <a:srgbClr val="000000"/>
                     </a:solidFill>
@@ -9238,7 +9242,7 @@
               </a:ln>
               <a:extLst>
                 <a:ext uri="{91240B29-F687-4f45-9708-019B960494DF}">
-                  <a14:hiddenLine xmlns="" xmlns:a14="http://schemas.microsoft.com/office/drawing/2010/main" w="9525">
+                  <a14:hiddenLine xmlns:a14="http://schemas.microsoft.com/office/drawing/2010/main" xmlns="" w="9525">
                     <a:solidFill>
                       <a:srgbClr val="000000"/>
                     </a:solidFill>
@@ -9328,7 +9332,7 @@
               </a:ln>
               <a:extLst>
                 <a:ext uri="{91240B29-F687-4f45-9708-019B960494DF}">
-                  <a14:hiddenLine xmlns="" xmlns:a14="http://schemas.microsoft.com/office/drawing/2010/main" w="9525">
+                  <a14:hiddenLine xmlns:a14="http://schemas.microsoft.com/office/drawing/2010/main" xmlns="" w="9525">
                     <a:solidFill>
                       <a:srgbClr val="000000"/>
                     </a:solidFill>
@@ -9390,7 +9394,7 @@
               </a:ln>
               <a:extLst>
                 <a:ext uri="{91240B29-F687-4f45-9708-019B960494DF}">
-                  <a14:hiddenLine xmlns="" xmlns:a14="http://schemas.microsoft.com/office/drawing/2010/main" w="9525">
+                  <a14:hiddenLine xmlns:a14="http://schemas.microsoft.com/office/drawing/2010/main" xmlns="" w="9525">
                     <a:solidFill>
                       <a:srgbClr val="000000"/>
                     </a:solidFill>
@@ -9480,7 +9484,7 @@
               </a:ln>
               <a:extLst>
                 <a:ext uri="{91240B29-F687-4f45-9708-019B960494DF}">
-                  <a14:hiddenLine xmlns="" xmlns:a14="http://schemas.microsoft.com/office/drawing/2010/main" w="9525">
+                  <a14:hiddenLine xmlns:a14="http://schemas.microsoft.com/office/drawing/2010/main" xmlns="" w="9525">
                     <a:solidFill>
                       <a:srgbClr val="000000"/>
                     </a:solidFill>
@@ -9542,7 +9546,7 @@
               </a:ln>
               <a:extLst>
                 <a:ext uri="{91240B29-F687-4f45-9708-019B960494DF}">
-                  <a14:hiddenLine xmlns="" xmlns:a14="http://schemas.microsoft.com/office/drawing/2010/main" w="9525">
+                  <a14:hiddenLine xmlns:a14="http://schemas.microsoft.com/office/drawing/2010/main" xmlns="" w="9525">
                     <a:solidFill>
                       <a:srgbClr val="000000"/>
                     </a:solidFill>
@@ -9604,7 +9608,7 @@
               </a:ln>
               <a:extLst>
                 <a:ext uri="{91240B29-F687-4f45-9708-019B960494DF}">
-                  <a14:hiddenLine xmlns="" xmlns:a14="http://schemas.microsoft.com/office/drawing/2010/main" w="9525">
+                  <a14:hiddenLine xmlns:a14="http://schemas.microsoft.com/office/drawing/2010/main" xmlns="" w="9525">
                     <a:solidFill>
                       <a:srgbClr val="000000"/>
                     </a:solidFill>
@@ -9694,7 +9698,7 @@
               </a:ln>
               <a:extLst>
                 <a:ext uri="{91240B29-F687-4f45-9708-019B960494DF}">
-                  <a14:hiddenLine xmlns="" xmlns:a14="http://schemas.microsoft.com/office/drawing/2010/main" w="9525">
+                  <a14:hiddenLine xmlns:a14="http://schemas.microsoft.com/office/drawing/2010/main" xmlns="" w="9525">
                     <a:solidFill>
                       <a:srgbClr val="000000"/>
                     </a:solidFill>
@@ -9784,7 +9788,7 @@
               </a:ln>
               <a:extLst>
                 <a:ext uri="{91240B29-F687-4f45-9708-019B960494DF}">
-                  <a14:hiddenLine xmlns="" xmlns:a14="http://schemas.microsoft.com/office/drawing/2010/main" w="9525">
+                  <a14:hiddenLine xmlns:a14="http://schemas.microsoft.com/office/drawing/2010/main" xmlns="" w="9525">
                     <a:solidFill>
                       <a:srgbClr val="000000"/>
                     </a:solidFill>
@@ -9846,7 +9850,7 @@
               </a:ln>
               <a:extLst>
                 <a:ext uri="{91240B29-F687-4f45-9708-019B960494DF}">
-                  <a14:hiddenLine xmlns="" xmlns:a14="http://schemas.microsoft.com/office/drawing/2010/main" w="9525">
+                  <a14:hiddenLine xmlns:a14="http://schemas.microsoft.com/office/drawing/2010/main" xmlns="" w="9525">
                     <a:solidFill>
                       <a:srgbClr val="000000"/>
                     </a:solidFill>
@@ -9956,7 +9960,7 @@
               </a:ln>
               <a:extLst>
                 <a:ext uri="{91240B29-F687-4f45-9708-019B960494DF}">
-                  <a14:hiddenLine xmlns="" xmlns:a14="http://schemas.microsoft.com/office/drawing/2010/main" w="9525">
+                  <a14:hiddenLine xmlns:a14="http://schemas.microsoft.com/office/drawing/2010/main" xmlns="" w="9525">
                     <a:solidFill>
                       <a:srgbClr val="000000"/>
                     </a:solidFill>
@@ -10040,7 +10044,7 @@
               </a:ln>
               <a:extLst>
                 <a:ext uri="{91240B29-F687-4f45-9708-019B960494DF}">
-                  <a14:hiddenLine xmlns="" xmlns:a14="http://schemas.microsoft.com/office/drawing/2010/main" w="9525">
+                  <a14:hiddenLine xmlns:a14="http://schemas.microsoft.com/office/drawing/2010/main" xmlns="" w="9525">
                     <a:solidFill>
                       <a:srgbClr val="000000"/>
                     </a:solidFill>
@@ -10102,7 +10106,7 @@
               </a:ln>
               <a:extLst>
                 <a:ext uri="{91240B29-F687-4f45-9708-019B960494DF}">
-                  <a14:hiddenLine xmlns="" xmlns:a14="http://schemas.microsoft.com/office/drawing/2010/main" w="9525">
+                  <a14:hiddenLine xmlns:a14="http://schemas.microsoft.com/office/drawing/2010/main" xmlns="" w="9525">
                     <a:solidFill>
                       <a:srgbClr val="000000"/>
                     </a:solidFill>
@@ -10164,7 +10168,7 @@
               </a:ln>
               <a:extLst>
                 <a:ext uri="{91240B29-F687-4f45-9708-019B960494DF}">
-                  <a14:hiddenLine xmlns="" xmlns:a14="http://schemas.microsoft.com/office/drawing/2010/main" w="9525">
+                  <a14:hiddenLine xmlns:a14="http://schemas.microsoft.com/office/drawing/2010/main" xmlns="" w="9525">
                     <a:solidFill>
                       <a:srgbClr val="000000"/>
                     </a:solidFill>
@@ -10254,7 +10258,7 @@
               </a:ln>
               <a:extLst>
                 <a:ext uri="{91240B29-F687-4f45-9708-019B960494DF}">
-                  <a14:hiddenLine xmlns="" xmlns:a14="http://schemas.microsoft.com/office/drawing/2010/main" w="9525">
+                  <a14:hiddenLine xmlns:a14="http://schemas.microsoft.com/office/drawing/2010/main" xmlns="" w="9525">
                     <a:solidFill>
                       <a:srgbClr val="000000"/>
                     </a:solidFill>
@@ -10288,7 +10292,7 @@
               </a:ln>
               <a:extLst>
                 <a:ext uri="{91240B29-F687-4f45-9708-019B960494DF}">
-                  <a14:hiddenLine xmlns="" xmlns:a14="http://schemas.microsoft.com/office/drawing/2010/main" w="9525">
+                  <a14:hiddenLine xmlns:a14="http://schemas.microsoft.com/office/drawing/2010/main" xmlns="" w="9525">
                     <a:solidFill>
                       <a:srgbClr val="000000"/>
                     </a:solidFill>
@@ -10353,7 +10357,7 @@
               </a:ln>
               <a:extLst>
                 <a:ext uri="{91240B29-F687-4f45-9708-019B960494DF}">
-                  <a14:hiddenLine xmlns="" xmlns:a14="http://schemas.microsoft.com/office/drawing/2010/main" w="9525">
+                  <a14:hiddenLine xmlns:a14="http://schemas.microsoft.com/office/drawing/2010/main" xmlns="" w="9525">
                     <a:solidFill>
                       <a:srgbClr val="000000"/>
                     </a:solidFill>
@@ -10443,7 +10447,7 @@
               </a:ln>
               <a:extLst>
                 <a:ext uri="{91240B29-F687-4f45-9708-019B960494DF}">
-                  <a14:hiddenLine xmlns="" xmlns:a14="http://schemas.microsoft.com/office/drawing/2010/main" w="9525">
+                  <a14:hiddenLine xmlns:a14="http://schemas.microsoft.com/office/drawing/2010/main" xmlns="" w="9525">
                     <a:solidFill>
                       <a:srgbClr val="000000"/>
                     </a:solidFill>
@@ -10505,7 +10509,7 @@
               </a:ln>
               <a:extLst>
                 <a:ext uri="{91240B29-F687-4f45-9708-019B960494DF}">
-                  <a14:hiddenLine xmlns="" xmlns:a14="http://schemas.microsoft.com/office/drawing/2010/main" w="9525">
+                  <a14:hiddenLine xmlns:a14="http://schemas.microsoft.com/office/drawing/2010/main" xmlns="" w="9525">
                     <a:solidFill>
                       <a:srgbClr val="000000"/>
                     </a:solidFill>
@@ -10595,7 +10599,7 @@
               </a:ln>
               <a:extLst>
                 <a:ext uri="{91240B29-F687-4f45-9708-019B960494DF}">
-                  <a14:hiddenLine xmlns="" xmlns:a14="http://schemas.microsoft.com/office/drawing/2010/main" w="9525">
+                  <a14:hiddenLine xmlns:a14="http://schemas.microsoft.com/office/drawing/2010/main" xmlns="" w="9525">
                     <a:solidFill>
                       <a:srgbClr val="000000"/>
                     </a:solidFill>
@@ -10660,7 +10664,7 @@
               </a:ln>
               <a:extLst>
                 <a:ext uri="{91240B29-F687-4f45-9708-019B960494DF}">
-                  <a14:hiddenLine xmlns="" xmlns:a14="http://schemas.microsoft.com/office/drawing/2010/main" w="9525">
+                  <a14:hiddenLine xmlns:a14="http://schemas.microsoft.com/office/drawing/2010/main" xmlns="" w="9525">
                     <a:solidFill>
                       <a:srgbClr val="000000"/>
                     </a:solidFill>
@@ -10722,7 +10726,7 @@
               </a:ln>
               <a:extLst>
                 <a:ext uri="{91240B29-F687-4f45-9708-019B960494DF}">
-                  <a14:hiddenLine xmlns="" xmlns:a14="http://schemas.microsoft.com/office/drawing/2010/main" w="9525">
+                  <a14:hiddenLine xmlns:a14="http://schemas.microsoft.com/office/drawing/2010/main" xmlns="" w="9525">
                     <a:solidFill>
                       <a:srgbClr val="000000"/>
                     </a:solidFill>
@@ -10812,7 +10816,7 @@
               </a:ln>
               <a:extLst>
                 <a:ext uri="{91240B29-F687-4f45-9708-019B960494DF}">
-                  <a14:hiddenLine xmlns="" xmlns:a14="http://schemas.microsoft.com/office/drawing/2010/main" w="9525">
+                  <a14:hiddenLine xmlns:a14="http://schemas.microsoft.com/office/drawing/2010/main" xmlns="" w="9525">
                     <a:solidFill>
                       <a:srgbClr val="000000"/>
                     </a:solidFill>
@@ -10902,7 +10906,7 @@
               </a:ln>
               <a:extLst>
                 <a:ext uri="{91240B29-F687-4f45-9708-019B960494DF}">
-                  <a14:hiddenLine xmlns="" xmlns:a14="http://schemas.microsoft.com/office/drawing/2010/main" w="9525">
+                  <a14:hiddenLine xmlns:a14="http://schemas.microsoft.com/office/drawing/2010/main" xmlns="" w="9525">
                     <a:solidFill>
                       <a:srgbClr val="000000"/>
                     </a:solidFill>
@@ -10967,7 +10971,7 @@
               </a:ln>
               <a:extLst>
                 <a:ext uri="{91240B29-F687-4f45-9708-019B960494DF}">
-                  <a14:hiddenLine xmlns="" xmlns:a14="http://schemas.microsoft.com/office/drawing/2010/main" w="9525">
+                  <a14:hiddenLine xmlns:a14="http://schemas.microsoft.com/office/drawing/2010/main" xmlns="" w="9525">
                     <a:solidFill>
                       <a:srgbClr val="000000"/>
                     </a:solidFill>
@@ -11087,7 +11091,7 @@
               </a:ln>
               <a:extLst>
                 <a:ext uri="{91240B29-F687-4f45-9708-019B960494DF}">
-                  <a14:hiddenLine xmlns="" xmlns:a14="http://schemas.microsoft.com/office/drawing/2010/main" w="9525">
+                  <a14:hiddenLine xmlns:a14="http://schemas.microsoft.com/office/drawing/2010/main" xmlns="" w="9525">
                     <a:solidFill>
                       <a:srgbClr val="000000"/>
                     </a:solidFill>
@@ -11168,7 +11172,7 @@
               </a:ln>
               <a:extLst>
                 <a:ext uri="{91240B29-F687-4f45-9708-019B960494DF}">
-                  <a14:hiddenLine xmlns="" xmlns:a14="http://schemas.microsoft.com/office/drawing/2010/main" w="9525">
+                  <a14:hiddenLine xmlns:a14="http://schemas.microsoft.com/office/drawing/2010/main" xmlns="" w="9525">
                     <a:solidFill>
                       <a:srgbClr val="000000"/>
                     </a:solidFill>
@@ -11283,7 +11287,7 @@
               </a:ln>
               <a:extLst>
                 <a:ext uri="{91240B29-F687-4f45-9708-019B960494DF}">
-                  <a14:hiddenLine xmlns="" xmlns:a14="http://schemas.microsoft.com/office/drawing/2010/main" w="9525">
+                  <a14:hiddenLine xmlns:a14="http://schemas.microsoft.com/office/drawing/2010/main" xmlns="" w="9525">
                     <a:solidFill>
                       <a:srgbClr val="000000"/>
                     </a:solidFill>
@@ -11373,7 +11377,7 @@
               </a:ln>
               <a:extLst>
                 <a:ext uri="{91240B29-F687-4f45-9708-019B960494DF}">
-                  <a14:hiddenLine xmlns="" xmlns:a14="http://schemas.microsoft.com/office/drawing/2010/main" w="9525">
+                  <a14:hiddenLine xmlns:a14="http://schemas.microsoft.com/office/drawing/2010/main" xmlns="" w="9525">
                     <a:solidFill>
                       <a:srgbClr val="000000"/>
                     </a:solidFill>
@@ -11438,7 +11442,7 @@
               </a:ln>
               <a:extLst>
                 <a:ext uri="{91240B29-F687-4f45-9708-019B960494DF}">
-                  <a14:hiddenLine xmlns="" xmlns:a14="http://schemas.microsoft.com/office/drawing/2010/main" w="9525">
+                  <a14:hiddenLine xmlns:a14="http://schemas.microsoft.com/office/drawing/2010/main" xmlns="" w="9525">
                     <a:solidFill>
                       <a:srgbClr val="000000"/>
                     </a:solidFill>
@@ -11528,7 +11532,7 @@
               </a:ln>
               <a:extLst>
                 <a:ext uri="{91240B29-F687-4f45-9708-019B960494DF}">
-                  <a14:hiddenLine xmlns="" xmlns:a14="http://schemas.microsoft.com/office/drawing/2010/main" w="9525">
+                  <a14:hiddenLine xmlns:a14="http://schemas.microsoft.com/office/drawing/2010/main" xmlns="" w="9525">
                     <a:solidFill>
                       <a:srgbClr val="000000"/>
                     </a:solidFill>
@@ -11596,7 +11600,7 @@
               </a:ln>
               <a:extLst>
                 <a:ext uri="{91240B29-F687-4f45-9708-019B960494DF}">
-                  <a14:hiddenLine xmlns="" xmlns:a14="http://schemas.microsoft.com/office/drawing/2010/main" w="9525">
+                  <a14:hiddenLine xmlns:a14="http://schemas.microsoft.com/office/drawing/2010/main" xmlns="" w="9525">
                     <a:solidFill>
                       <a:srgbClr val="000000"/>
                     </a:solidFill>
@@ -11686,7 +11690,7 @@
               </a:ln>
               <a:extLst>
                 <a:ext uri="{91240B29-F687-4f45-9708-019B960494DF}">
-                  <a14:hiddenLine xmlns="" xmlns:a14="http://schemas.microsoft.com/office/drawing/2010/main" w="9525">
+                  <a14:hiddenLine xmlns:a14="http://schemas.microsoft.com/office/drawing/2010/main" xmlns="" w="9525">
                     <a:solidFill>
                       <a:srgbClr val="000000"/>
                     </a:solidFill>
@@ -11754,7 +11758,7 @@
               </a:ln>
               <a:extLst>
                 <a:ext uri="{91240B29-F687-4f45-9708-019B960494DF}">
-                  <a14:hiddenLine xmlns="" xmlns:a14="http://schemas.microsoft.com/office/drawing/2010/main" w="9525">
+                  <a14:hiddenLine xmlns:a14="http://schemas.microsoft.com/office/drawing/2010/main" xmlns="" w="9525">
                     <a:solidFill>
                       <a:srgbClr val="000000"/>
                     </a:solidFill>
@@ -11844,7 +11848,7 @@
               </a:ln>
               <a:extLst>
                 <a:ext uri="{91240B29-F687-4f45-9708-019B960494DF}">
-                  <a14:hiddenLine xmlns="" xmlns:a14="http://schemas.microsoft.com/office/drawing/2010/main" w="9525">
+                  <a14:hiddenLine xmlns:a14="http://schemas.microsoft.com/office/drawing/2010/main" xmlns="" w="9525">
                     <a:solidFill>
                       <a:srgbClr val="000000"/>
                     </a:solidFill>
@@ -11878,7 +11882,7 @@
               </a:ln>
               <a:extLst>
                 <a:ext uri="{91240B29-F687-4f45-9708-019B960494DF}">
-                  <a14:hiddenLine xmlns="" xmlns:a14="http://schemas.microsoft.com/office/drawing/2010/main" w="9525">
+                  <a14:hiddenLine xmlns:a14="http://schemas.microsoft.com/office/drawing/2010/main" xmlns="" w="9525">
                     <a:solidFill>
                       <a:srgbClr val="000000"/>
                     </a:solidFill>
@@ -11948,35 +11952,35 @@
           <a:p>
             <a:pPr lvl="0"/>
             <a:r>
-              <a:rPr lang="en-US" smtClean="0"/>
+              <a:rPr lang="en-US"/>
               <a:t>Edit Master text styles</a:t>
             </a:r>
           </a:p>
           <a:p>
             <a:pPr lvl="1"/>
             <a:r>
-              <a:rPr lang="en-US" smtClean="0"/>
+              <a:rPr lang="en-US"/>
               <a:t>Second level</a:t>
             </a:r>
           </a:p>
           <a:p>
             <a:pPr lvl="2"/>
             <a:r>
-              <a:rPr lang="en-US" smtClean="0"/>
+              <a:rPr lang="en-US"/>
               <a:t>Third level</a:t>
             </a:r>
           </a:p>
           <a:p>
             <a:pPr lvl="3"/>
             <a:r>
-              <a:rPr lang="en-US" smtClean="0"/>
+              <a:rPr lang="en-US"/>
               <a:t>Fourth level</a:t>
             </a:r>
           </a:p>
           <a:p>
             <a:pPr lvl="4"/>
             <a:r>
-              <a:rPr lang="en-US" smtClean="0"/>
+              <a:rPr lang="en-US"/>
               <a:t>Fifth level</a:t>
             </a:r>
             <a:endParaRPr lang="en-US" dirty="0"/>
@@ -12018,7 +12022,7 @@
           <a:p>
             <a:fld id="{7E17CA91-2BE7-4231-A290-C311F451C0C9}" type="datetimeFigureOut">
               <a:rPr lang="en-US" smtClean="0"/>
-              <a:t>12/6/2022</a:t>
+              <a:t>12/6/22</a:t>
             </a:fld>
             <a:endParaRPr lang="en-US"/>
           </a:p>
@@ -12454,10 +12458,9 @@
           <a:lstStyle/>
           <a:p>
             <a:r>
-              <a:rPr lang="en-US" dirty="0" smtClean="0"/>
+              <a:rPr lang="en-US" dirty="0"/>
               <a:t>CARAVAN INSURANCE</a:t>
             </a:r>
-            <a:endParaRPr lang="en-US" dirty="0"/>
           </a:p>
         </p:txBody>
       </p:sp>
@@ -12478,36 +12481,35 @@
           <a:p>
             <a:pPr algn="r"/>
             <a:r>
-              <a:rPr lang="en-US" dirty="0" err="1" smtClean="0"/>
+              <a:rPr lang="en-US" dirty="0" err="1"/>
               <a:t>Preseented</a:t>
             </a:r>
             <a:r>
-              <a:rPr lang="en-US" dirty="0" smtClean="0"/>
+              <a:rPr lang="en-US" dirty="0"/>
               <a:t> by</a:t>
             </a:r>
           </a:p>
           <a:p>
             <a:pPr algn="r"/>
             <a:r>
-              <a:rPr lang="en-US" dirty="0" smtClean="0"/>
+              <a:rPr lang="en-US" dirty="0"/>
               <a:t> </a:t>
             </a:r>
             <a:r>
-              <a:rPr lang="en-US" dirty="0" err="1" smtClean="0"/>
+              <a:rPr lang="en-US" dirty="0" err="1"/>
               <a:t>karim</a:t>
             </a:r>
             <a:r>
-              <a:rPr lang="en-US" dirty="0" smtClean="0"/>
+              <a:rPr lang="en-US" dirty="0"/>
               <a:t> &amp;</a:t>
             </a:r>
           </a:p>
           <a:p>
             <a:pPr algn="r"/>
             <a:r>
-              <a:rPr lang="en-US" dirty="0" smtClean="0"/>
+              <a:rPr lang="en-US" dirty="0"/>
               <a:t>mustafa</a:t>
             </a:r>
-            <a:endParaRPr lang="en-US" dirty="0"/>
           </a:p>
         </p:txBody>
       </p:sp>
@@ -12515,6 +12517,203 @@
     <p:extLst>
       <p:ext uri="{BB962C8B-B14F-4D97-AF65-F5344CB8AC3E}">
         <p14:creationId xmlns:p14="http://schemas.microsoft.com/office/powerpoint/2010/main" val="2708018697"/>
+      </p:ext>
+    </p:extLst>
+  </p:cSld>
+  <p:clrMapOvr>
+    <a:masterClrMapping/>
+  </p:clrMapOvr>
+</p:sld>
+</file>
+
+<file path=ppt/slides/slide10.xml><?xml version="1.0" encoding="utf-8"?>
+<p:sld xmlns:a="http://schemas.openxmlformats.org/drawingml/2006/main" xmlns:r="http://schemas.openxmlformats.org/officeDocument/2006/relationships" xmlns:p="http://schemas.openxmlformats.org/presentationml/2006/main">
+  <p:cSld>
+    <p:spTree>
+      <p:nvGrpSpPr>
+        <p:cNvPr id="1" name=""/>
+        <p:cNvGrpSpPr/>
+        <p:nvPr/>
+      </p:nvGrpSpPr>
+      <p:grpSpPr>
+        <a:xfrm>
+          <a:off x="0" y="0"/>
+          <a:ext cx="0" cy="0"/>
+          <a:chOff x="0" y="0"/>
+          <a:chExt cx="0" cy="0"/>
+        </a:xfrm>
+      </p:grpSpPr>
+      <p:sp>
+        <p:nvSpPr>
+          <p:cNvPr id="2" name="Title 1">
+            <a:extLst>
+              <a:ext uri="{FF2B5EF4-FFF2-40B4-BE49-F238E27FC236}">
+                <a16:creationId xmlns:a16="http://schemas.microsoft.com/office/drawing/2014/main" id="{80651573-152D-CA44-50EA-E138C8520DA8}"/>
+              </a:ext>
+            </a:extLst>
+          </p:cNvPr>
+          <p:cNvSpPr>
+            <a:spLocks noGrp="1"/>
+          </p:cNvSpPr>
+          <p:nvPr>
+            <p:ph type="title"/>
+          </p:nvPr>
+        </p:nvSpPr>
+        <p:spPr/>
+        <p:txBody>
+          <a:bodyPr/>
+          <a:lstStyle/>
+          <a:p>
+            <a:r>
+              <a:rPr lang="en-US" dirty="0"/>
+              <a:t>Model 3</a:t>
+            </a:r>
+          </a:p>
+        </p:txBody>
+      </p:sp>
+      <p:sp>
+        <p:nvSpPr>
+          <p:cNvPr id="3" name="Content Placeholder 2">
+            <a:extLst>
+              <a:ext uri="{FF2B5EF4-FFF2-40B4-BE49-F238E27FC236}">
+                <a16:creationId xmlns:a16="http://schemas.microsoft.com/office/drawing/2014/main" id="{7752DA6B-3EF8-C62F-7DA9-8542BEAA6DF5}"/>
+              </a:ext>
+            </a:extLst>
+          </p:cNvPr>
+          <p:cNvSpPr>
+            <a:spLocks noGrp="1"/>
+          </p:cNvSpPr>
+          <p:nvPr>
+            <p:ph idx="1"/>
+          </p:nvPr>
+        </p:nvSpPr>
+        <p:spPr/>
+        <p:txBody>
+          <a:bodyPr/>
+          <a:lstStyle/>
+          <a:p>
+            <a:r>
+              <a:rPr lang="en-US" dirty="0"/>
+              <a:t> Contribution fire policies, Customer subtype, Contribution car policies, Purchasing power class, Home owners</a:t>
+            </a:r>
+          </a:p>
+          <a:p>
+            <a:r>
+              <a:rPr lang="en-US" dirty="0"/>
+              <a:t>Hit/try and domain knowledge approach</a:t>
+            </a:r>
+          </a:p>
+          <a:p>
+            <a:r>
+              <a:rPr lang="en-US" dirty="0"/>
+              <a:t> Accuracy 61% Sensitivity 70% Specificity 60%</a:t>
+            </a:r>
+          </a:p>
+        </p:txBody>
+      </p:sp>
+    </p:spTree>
+    <p:extLst>
+      <p:ext uri="{BB962C8B-B14F-4D97-AF65-F5344CB8AC3E}">
+        <p14:creationId xmlns:p14="http://schemas.microsoft.com/office/powerpoint/2010/main" val="2457385298"/>
+      </p:ext>
+    </p:extLst>
+  </p:cSld>
+  <p:clrMapOvr>
+    <a:masterClrMapping/>
+  </p:clrMapOvr>
+</p:sld>
+</file>
+
+<file path=ppt/slides/slide11.xml><?xml version="1.0" encoding="utf-8"?>
+<p:sld xmlns:a="http://schemas.openxmlformats.org/drawingml/2006/main" xmlns:r="http://schemas.openxmlformats.org/officeDocument/2006/relationships" xmlns:p="http://schemas.openxmlformats.org/presentationml/2006/main">
+  <p:cSld>
+    <p:spTree>
+      <p:nvGrpSpPr>
+        <p:cNvPr id="1" name=""/>
+        <p:cNvGrpSpPr/>
+        <p:nvPr/>
+      </p:nvGrpSpPr>
+      <p:grpSpPr>
+        <a:xfrm>
+          <a:off x="0" y="0"/>
+          <a:ext cx="0" cy="0"/>
+          <a:chOff x="0" y="0"/>
+          <a:chExt cx="0" cy="0"/>
+        </a:xfrm>
+      </p:grpSpPr>
+      <p:sp>
+        <p:nvSpPr>
+          <p:cNvPr id="2" name="Title 1">
+            <a:extLst>
+              <a:ext uri="{FF2B5EF4-FFF2-40B4-BE49-F238E27FC236}">
+                <a16:creationId xmlns:a16="http://schemas.microsoft.com/office/drawing/2014/main" id="{5F04E85F-2A63-15D8-A7A6-EF24D53ECC50}"/>
+              </a:ext>
+            </a:extLst>
+          </p:cNvPr>
+          <p:cNvSpPr>
+            <a:spLocks noGrp="1"/>
+          </p:cNvSpPr>
+          <p:nvPr>
+            <p:ph type="title"/>
+          </p:nvPr>
+        </p:nvSpPr>
+        <p:spPr/>
+        <p:txBody>
+          <a:bodyPr/>
+          <a:lstStyle/>
+          <a:p>
+            <a:r>
+              <a:rPr lang="en-US" dirty="0" err="1"/>
+              <a:t>Recomendations</a:t>
+            </a:r>
+            <a:endParaRPr lang="en-US" dirty="0"/>
+          </a:p>
+        </p:txBody>
+      </p:sp>
+      <p:sp>
+        <p:nvSpPr>
+          <p:cNvPr id="3" name="Content Placeholder 2">
+            <a:extLst>
+              <a:ext uri="{FF2B5EF4-FFF2-40B4-BE49-F238E27FC236}">
+                <a16:creationId xmlns:a16="http://schemas.microsoft.com/office/drawing/2014/main" id="{CCDE0877-CAEB-0104-72ED-4E72E805F37D}"/>
+              </a:ext>
+            </a:extLst>
+          </p:cNvPr>
+          <p:cNvSpPr>
+            <a:spLocks noGrp="1"/>
+          </p:cNvSpPr>
+          <p:nvPr>
+            <p:ph idx="1"/>
+          </p:nvPr>
+        </p:nvSpPr>
+        <p:spPr/>
+        <p:txBody>
+          <a:bodyPr/>
+          <a:lstStyle/>
+          <a:p>
+            <a:r>
+              <a:rPr lang="en-US" dirty="0"/>
+              <a:t>Model 3 is recommended over model 1 if we need to consider accuracy.</a:t>
+            </a:r>
+          </a:p>
+          <a:p>
+            <a:r>
+              <a:rPr lang="en-US" dirty="0"/>
+              <a:t>Model 1 is recommended over model 3 if we don’t care about accuracy</a:t>
+            </a:r>
+          </a:p>
+          <a:p>
+            <a:r>
+              <a:rPr lang="en-US" dirty="0"/>
+              <a:t>Model 2 is recommended if we want to predict not buyers </a:t>
+            </a:r>
+          </a:p>
+        </p:txBody>
+      </p:sp>
+    </p:spTree>
+    <p:extLst>
+      <p:ext uri="{BB962C8B-B14F-4D97-AF65-F5344CB8AC3E}">
+        <p14:creationId xmlns:p14="http://schemas.microsoft.com/office/powerpoint/2010/main" val="2202554057"/>
       </p:ext>
     </p:extLst>
   </p:cSld>
@@ -12557,10 +12756,9 @@
           <a:lstStyle/>
           <a:p>
             <a:r>
-              <a:rPr lang="en-US" dirty="0" smtClean="0"/>
+              <a:rPr lang="en-US" dirty="0"/>
               <a:t>RESEARCH QUESTIONS</a:t>
             </a:r>
-            <a:endParaRPr lang="en-US" dirty="0"/>
           </a:p>
         </p:txBody>
       </p:sp>
@@ -12585,7 +12783,7 @@
           <a:lstStyle/>
           <a:p>
             <a:r>
-              <a:rPr lang="en-US" dirty="0" smtClean="0"/>
+              <a:rPr lang="en-US" dirty="0"/>
               <a:t>Question 1</a:t>
             </a:r>
           </a:p>
@@ -12595,13 +12793,13 @@
               <a:buChar char="ü"/>
             </a:pPr>
             <a:r>
-              <a:rPr lang="en-US" dirty="0" smtClean="0"/>
+              <a:rPr lang="en-US" dirty="0"/>
               <a:t>Who is more likely to buy caravan insurance?</a:t>
             </a:r>
           </a:p>
           <a:p>
             <a:r>
-              <a:rPr lang="en-US" dirty="0" smtClean="0"/>
+              <a:rPr lang="en-US" dirty="0"/>
               <a:t>Question 2</a:t>
             </a:r>
           </a:p>
@@ -12611,7 +12809,7 @@
               <a:buChar char="ü"/>
             </a:pPr>
             <a:r>
-              <a:rPr lang="en-US" dirty="0" smtClean="0"/>
+              <a:rPr lang="en-US" dirty="0"/>
               <a:t>What are the characteristics of those groups?</a:t>
             </a:r>
           </a:p>
@@ -12628,7 +12826,7 @@
               <a:buChar char="q"/>
             </a:pPr>
             <a:r>
-              <a:rPr lang="en-US" dirty="0" smtClean="0"/>
+              <a:rPr lang="en-US" dirty="0"/>
               <a:t>Question for you</a:t>
             </a:r>
           </a:p>
@@ -12638,7 +12836,7 @@
               <a:buChar char="o"/>
             </a:pPr>
             <a:r>
-              <a:rPr lang="en-US" dirty="0" smtClean="0"/>
+              <a:rPr lang="en-US" dirty="0"/>
               <a:t>What are the factors you consider when buying an insurance?</a:t>
             </a:r>
           </a:p>
@@ -12696,10 +12894,9 @@
           <a:lstStyle/>
           <a:p>
             <a:r>
-              <a:rPr lang="en-US" dirty="0" smtClean="0"/>
+              <a:rPr lang="en-US" dirty="0"/>
               <a:t>Understanding the data</a:t>
             </a:r>
-            <a:endParaRPr lang="en-US" dirty="0"/>
           </a:p>
         </p:txBody>
       </p:sp>
@@ -12726,25 +12923,25 @@
           <a:lstStyle/>
           <a:p>
             <a:r>
-              <a:rPr lang="en-US" dirty="0" smtClean="0"/>
+              <a:rPr lang="en-US" dirty="0"/>
               <a:t>Categorical data 99.99%</a:t>
             </a:r>
           </a:p>
           <a:p>
             <a:r>
-              <a:rPr lang="en-US" dirty="0" smtClean="0"/>
+              <a:rPr lang="en-US" dirty="0"/>
               <a:t>86 variables</a:t>
             </a:r>
           </a:p>
           <a:p>
             <a:r>
-              <a:rPr lang="en-US" dirty="0" smtClean="0"/>
+              <a:rPr lang="en-US" dirty="0"/>
               <a:t>Only 2 numeric, 84 categorical</a:t>
             </a:r>
           </a:p>
           <a:p>
             <a:r>
-              <a:rPr lang="en-US" dirty="0" smtClean="0"/>
+              <a:rPr lang="en-US" dirty="0"/>
               <a:t>Categorical data is a representation of a range of a group</a:t>
             </a:r>
           </a:p>
@@ -12754,41 +12951,41 @@
               <a:buChar char="o"/>
             </a:pPr>
             <a:r>
-              <a:rPr lang="en-US" dirty="0" smtClean="0"/>
+              <a:rPr lang="en-US" dirty="0"/>
               <a:t>For example income marked by 2 means income range is between $30k - $45k</a:t>
             </a:r>
           </a:p>
           <a:p>
             <a:r>
-              <a:rPr lang="en-US" dirty="0" smtClean="0"/>
+              <a:rPr lang="en-US" dirty="0"/>
               <a:t>Creating dummies and converting a few categorical variables to numeric [as we shall see]</a:t>
             </a:r>
           </a:p>
           <a:p>
             <a:r>
-              <a:rPr lang="en-US" dirty="0" smtClean="0"/>
+              <a:rPr lang="en-US" dirty="0"/>
               <a:t>No missing data</a:t>
             </a:r>
           </a:p>
           <a:p>
             <a:r>
-              <a:rPr lang="en-US" dirty="0" smtClean="0"/>
+              <a:rPr lang="en-US" dirty="0"/>
               <a:t>Duplicates inapplicable</a:t>
             </a:r>
           </a:p>
           <a:p>
             <a:r>
-              <a:rPr lang="en-US" dirty="0" smtClean="0"/>
+              <a:rPr lang="en-US" dirty="0"/>
               <a:t>Outliers did not make much sense moving up the ranks just pushed the previous one into mild and then an </a:t>
             </a:r>
             <a:r>
-              <a:rPr lang="en-US" smtClean="0"/>
+              <a:rPr lang="en-US"/>
               <a:t>extreme outlier </a:t>
             </a:r>
-            <a:endParaRPr lang="en-US" dirty="0" smtClean="0"/>
-          </a:p>
-          <a:p>
-            <a:endParaRPr lang="en-US" dirty="0" smtClean="0"/>
+            <a:endParaRPr lang="en-US" dirty="0"/>
+          </a:p>
+          <a:p>
+            <a:endParaRPr lang="en-US" dirty="0"/>
           </a:p>
           <a:p>
             <a:endParaRPr lang="en-US" dirty="0"/>
@@ -12827,7 +13024,13 @@
       </p:grpSpPr>
       <p:sp>
         <p:nvSpPr>
-          <p:cNvPr id="2" name="Title 1"/>
+          <p:cNvPr id="2" name="Title 1">
+            <a:extLst>
+              <a:ext uri="{FF2B5EF4-FFF2-40B4-BE49-F238E27FC236}">
+                <a16:creationId xmlns:a16="http://schemas.microsoft.com/office/drawing/2014/main" id="{570BCAFD-132D-8B9E-4731-19F517E26D7D}"/>
+              </a:ext>
+            </a:extLst>
+          </p:cNvPr>
           <p:cNvSpPr>
             <a:spLocks noGrp="1"/>
           </p:cNvSpPr>
@@ -12842,53 +13045,25 @@
           <a:p>
             <a:r>
               <a:rPr lang="en-US" dirty="0"/>
-              <a:t>3</a:t>
-            </a:r>
-            <a:r>
-              <a:rPr lang="en-US" dirty="0" smtClean="0"/>
-              <a:t> MODEL THEORY</a:t>
-            </a:r>
-            <a:endParaRPr lang="en-US" dirty="0"/>
+              <a:t>GOAL</a:t>
+            </a:r>
           </a:p>
         </p:txBody>
       </p:sp>
       <p:sp>
         <p:nvSpPr>
-          <p:cNvPr id="4" name="Text Placeholder 3"/>
+          <p:cNvPr id="3" name="Content Placeholder 2">
+            <a:extLst>
+              <a:ext uri="{FF2B5EF4-FFF2-40B4-BE49-F238E27FC236}">
+                <a16:creationId xmlns:a16="http://schemas.microsoft.com/office/drawing/2014/main" id="{E7CFCDDA-ABA0-F4B3-0B90-C85039CB38C3}"/>
+              </a:ext>
+            </a:extLst>
+          </p:cNvPr>
           <p:cNvSpPr>
             <a:spLocks noGrp="1"/>
           </p:cNvSpPr>
           <p:nvPr>
-            <p:ph type="body" idx="1"/>
-          </p:nvPr>
-        </p:nvSpPr>
-        <p:spPr>
-          <a:xfrm>
-            <a:off x="1141411" y="2249486"/>
-            <a:ext cx="4878392" cy="823912"/>
-          </a:xfrm>
-        </p:spPr>
-        <p:txBody>
-          <a:bodyPr anchor="ctr"/>
-          <a:lstStyle/>
-          <a:p>
-            <a:pPr algn="ctr"/>
-            <a:r>
-              <a:rPr lang="en-US" dirty="0" smtClean="0"/>
-              <a:t>MODEL 1</a:t>
-            </a:r>
-            <a:endParaRPr lang="en-US" dirty="0"/>
-          </a:p>
-        </p:txBody>
-      </p:sp>
-      <p:sp>
-        <p:nvSpPr>
-          <p:cNvPr id="5" name="Content Placeholder 4"/>
-          <p:cNvSpPr>
-            <a:spLocks noGrp="1"/>
-          </p:cNvSpPr>
-          <p:nvPr>
-            <p:ph sz="half" idx="2"/>
+            <p:ph idx="1"/>
           </p:nvPr>
         </p:nvSpPr>
         <p:spPr/>
@@ -12898,62 +13073,20 @@
           </a:bodyPr>
           <a:lstStyle/>
           <a:p>
-            <a:endParaRPr lang="en-US" sz="2000" dirty="0"/>
-          </a:p>
-        </p:txBody>
-      </p:sp>
-      <p:sp>
-        <p:nvSpPr>
-          <p:cNvPr id="6" name="Text Placeholder 5"/>
-          <p:cNvSpPr>
-            <a:spLocks noGrp="1"/>
-          </p:cNvSpPr>
-          <p:nvPr>
-            <p:ph type="body" sz="quarter" idx="3"/>
-          </p:nvPr>
-        </p:nvSpPr>
-        <p:spPr>
-          <a:xfrm>
-            <a:off x="6172200" y="2249485"/>
-            <a:ext cx="4875210" cy="823912"/>
-          </a:xfrm>
-        </p:spPr>
-        <p:txBody>
-          <a:bodyPr anchor="ctr"/>
-          <a:lstStyle/>
-          <a:p>
-            <a:pPr algn="ctr"/>
-            <a:r>
-              <a:rPr lang="en-US" dirty="0" smtClean="0"/>
-              <a:t>MODEL 2</a:t>
-            </a:r>
-            <a:endParaRPr lang="en-US" dirty="0"/>
-          </a:p>
-        </p:txBody>
-      </p:sp>
-      <p:sp>
-        <p:nvSpPr>
-          <p:cNvPr id="7" name="Content Placeholder 6"/>
-          <p:cNvSpPr>
-            <a:spLocks noGrp="1"/>
-          </p:cNvSpPr>
-          <p:nvPr>
-            <p:ph sz="quarter" idx="4"/>
-          </p:nvPr>
-        </p:nvSpPr>
-        <p:spPr/>
-        <p:txBody>
-          <a:bodyPr/>
-          <a:lstStyle/>
-          <a:p>
-            <a:endParaRPr lang="en-US"/>
+            <a:pPr marL="0" indent="0" algn="ctr">
+              <a:buNone/>
+            </a:pPr>
+            <a:r>
+              <a:rPr lang="en-US" sz="4000" dirty="0"/>
+              <a:t>Our goal wasn’t to get 100% accurate model but more to determine how feature selection plays an important role in regression.</a:t>
+            </a:r>
           </a:p>
         </p:txBody>
       </p:sp>
     </p:spTree>
     <p:extLst>
       <p:ext uri="{BB962C8B-B14F-4D97-AF65-F5344CB8AC3E}">
-        <p14:creationId xmlns:p14="http://schemas.microsoft.com/office/powerpoint/2010/main" val="297822939"/>
+        <p14:creationId xmlns:p14="http://schemas.microsoft.com/office/powerpoint/2010/main" val="3806798485"/>
       </p:ext>
     </p:extLst>
   </p:cSld>
@@ -12997,122 +13130,89 @@
           <a:p>
             <a:r>
               <a:rPr lang="en-US" dirty="0"/>
-              <a:t>3</a:t>
-            </a:r>
-            <a:r>
-              <a:rPr lang="en-US" dirty="0" smtClean="0"/>
-              <a:t> MODEL THEORY</a:t>
-            </a:r>
-            <a:endParaRPr lang="en-US" dirty="0"/>
+              <a:t>Challenges</a:t>
+            </a:r>
           </a:p>
         </p:txBody>
       </p:sp>
       <p:sp>
         <p:nvSpPr>
-          <p:cNvPr id="4" name="Text Placeholder 3"/>
+          <p:cNvPr id="3" name="Content Placeholder 2"/>
           <p:cNvSpPr>
             <a:spLocks noGrp="1"/>
           </p:cNvSpPr>
           <p:nvPr>
-            <p:ph type="body" idx="1"/>
-          </p:nvPr>
-        </p:nvSpPr>
-        <p:spPr>
-          <a:xfrm>
-            <a:off x="1141411" y="2249486"/>
-            <a:ext cx="4878392" cy="823912"/>
-          </a:xfrm>
-        </p:spPr>
-        <p:txBody>
-          <a:bodyPr anchor="ctr"/>
-          <a:lstStyle/>
-          <a:p>
-            <a:pPr algn="ctr"/>
-            <a:r>
-              <a:rPr lang="en-US" dirty="0" smtClean="0"/>
-              <a:t>MODEL </a:t>
-            </a:r>
-            <a:r>
-              <a:rPr lang="en-US" dirty="0" smtClean="0"/>
-              <a:t>3</a:t>
-            </a:r>
-            <a:endParaRPr lang="en-US" dirty="0"/>
-          </a:p>
-        </p:txBody>
-      </p:sp>
-      <p:sp>
-        <p:nvSpPr>
-          <p:cNvPr id="5" name="Content Placeholder 4"/>
-          <p:cNvSpPr>
-            <a:spLocks noGrp="1"/>
-          </p:cNvSpPr>
-          <p:nvPr>
-            <p:ph sz="half" idx="2"/>
+            <p:ph idx="1"/>
           </p:nvPr>
         </p:nvSpPr>
         <p:spPr/>
         <p:txBody>
           <a:bodyPr>
-            <a:normAutofit/>
+            <a:normAutofit fontScale="92500" lnSpcReduction="10000"/>
           </a:bodyPr>
           <a:lstStyle/>
           <a:p>
-            <a:endParaRPr lang="en-US" sz="2000" dirty="0"/>
-          </a:p>
-        </p:txBody>
-      </p:sp>
-      <p:sp>
-        <p:nvSpPr>
-          <p:cNvPr id="6" name="Text Placeholder 5"/>
-          <p:cNvSpPr>
-            <a:spLocks noGrp="1"/>
-          </p:cNvSpPr>
-          <p:nvPr>
-            <p:ph type="body" sz="quarter" idx="3"/>
-          </p:nvPr>
-        </p:nvSpPr>
-        <p:spPr>
-          <a:xfrm>
-            <a:off x="6172200" y="2249485"/>
-            <a:ext cx="4875210" cy="823912"/>
-          </a:xfrm>
-        </p:spPr>
-        <p:txBody>
-          <a:bodyPr anchor="ctr"/>
-          <a:lstStyle/>
-          <a:p>
-            <a:pPr algn="ctr"/>
-            <a:r>
-              <a:rPr lang="en-US" dirty="0" err="1" smtClean="0"/>
-              <a:t>SUmmary</a:t>
-            </a:r>
+            <a:r>
+              <a:rPr lang="en-US" dirty="0"/>
+              <a:t>86 Categorical variables</a:t>
+            </a:r>
+          </a:p>
+          <a:p>
+            <a:r>
+              <a:rPr lang="en-US" dirty="0"/>
+              <a:t>Class </a:t>
+            </a:r>
+            <a:r>
+              <a:rPr lang="en-US" dirty="0" err="1"/>
+              <a:t>Im</a:t>
+            </a:r>
+            <a:r>
+              <a:rPr lang="en-US" dirty="0"/>
+              <a:t> balance problem (Oversampling)</a:t>
+            </a:r>
+          </a:p>
+          <a:p>
+            <a:r>
+              <a:rPr lang="en-US" dirty="0"/>
+              <a:t>Levels of factors different in testing and training data</a:t>
+            </a:r>
+          </a:p>
+          <a:p>
+            <a:r>
+              <a:rPr lang="en-US" dirty="0"/>
+              <a:t>Dimension reduction</a:t>
+            </a:r>
+          </a:p>
+          <a:p>
+            <a:r>
+              <a:rPr lang="en-US" dirty="0"/>
+              <a:t>Feature selection</a:t>
+            </a:r>
+          </a:p>
+          <a:p>
+            <a:r>
+              <a:rPr lang="en-US" dirty="0"/>
+              <a:t>Cost of stepwise regression</a:t>
+            </a:r>
+          </a:p>
+          <a:p>
+            <a:r>
+              <a:rPr lang="en-US" dirty="0"/>
+              <a:t>Data Categorization</a:t>
+            </a:r>
+          </a:p>
+          <a:p>
             <a:endParaRPr lang="en-US" dirty="0"/>
           </a:p>
-        </p:txBody>
-      </p:sp>
-      <p:sp>
-        <p:nvSpPr>
-          <p:cNvPr id="7" name="Content Placeholder 6"/>
-          <p:cNvSpPr>
-            <a:spLocks noGrp="1"/>
-          </p:cNvSpPr>
-          <p:nvPr>
-            <p:ph sz="quarter" idx="4"/>
-          </p:nvPr>
-        </p:nvSpPr>
-        <p:spPr/>
-        <p:txBody>
-          <a:bodyPr/>
-          <a:lstStyle/>
-          <a:p>
-            <a:endParaRPr lang="en-US"/>
+          <a:p>
+            <a:endParaRPr lang="en-US" dirty="0"/>
           </a:p>
         </p:txBody>
       </p:sp>
     </p:spTree>
     <p:extLst>
       <p:ext uri="{BB962C8B-B14F-4D97-AF65-F5344CB8AC3E}">
-        <p14:creationId xmlns:p14="http://schemas.microsoft.com/office/powerpoint/2010/main" val="851387314"/>
+        <p14:creationId xmlns:p14="http://schemas.microsoft.com/office/powerpoint/2010/main" val="1768902051"/>
       </p:ext>
     </p:extLst>
   </p:cSld>
@@ -13141,7 +13241,13 @@
       </p:grpSpPr>
       <p:sp>
         <p:nvSpPr>
-          <p:cNvPr id="7" name="Title 6"/>
+          <p:cNvPr id="2" name="Title 1">
+            <a:extLst>
+              <a:ext uri="{FF2B5EF4-FFF2-40B4-BE49-F238E27FC236}">
+                <a16:creationId xmlns:a16="http://schemas.microsoft.com/office/drawing/2014/main" id="{A6BC269E-3A83-2FA9-430B-C8BEDB5ED1FD}"/>
+              </a:ext>
+            </a:extLst>
+          </p:cNvPr>
           <p:cNvSpPr>
             <a:spLocks noGrp="1"/>
           </p:cNvSpPr>
@@ -13155,12 +13261,8 @@
           <a:lstStyle/>
           <a:p>
             <a:r>
-              <a:rPr lang="en-US" dirty="0" smtClean="0"/>
-              <a:t>MODEL 3 </a:t>
-            </a:r>
-            <a:r>
-              <a:rPr lang="en-US" dirty="0" err="1" smtClean="0"/>
-              <a:t>REsults</a:t>
+              <a:rPr lang="en-US" dirty="0" err="1"/>
+              <a:t>Charactertics</a:t>
             </a:r>
             <a:endParaRPr lang="en-US" dirty="0"/>
           </a:p>
@@ -13168,7 +13270,13 @@
       </p:sp>
       <p:sp>
         <p:nvSpPr>
-          <p:cNvPr id="8" name="Content Placeholder 7"/>
+          <p:cNvPr id="3" name="Content Placeholder 2">
+            <a:extLst>
+              <a:ext uri="{FF2B5EF4-FFF2-40B4-BE49-F238E27FC236}">
+                <a16:creationId xmlns:a16="http://schemas.microsoft.com/office/drawing/2014/main" id="{ACBCDDB5-65F0-FFE4-9B0F-42D99933CED6}"/>
+              </a:ext>
+            </a:extLst>
+          </p:cNvPr>
           <p:cNvSpPr>
             <a:spLocks noGrp="1"/>
           </p:cNvSpPr>
@@ -13181,14 +13289,41 @@
           <a:bodyPr/>
           <a:lstStyle/>
           <a:p>
-            <a:endParaRPr lang="en-US"/>
+            <a:r>
+              <a:rPr lang="en-US" dirty="0"/>
+              <a:t> Customer having 3 house hold</a:t>
+            </a:r>
+          </a:p>
+          <a:p>
+            <a:r>
+              <a:rPr lang="en-US" dirty="0"/>
+              <a:t> Customer have one house</a:t>
+            </a:r>
+          </a:p>
+          <a:p>
+            <a:r>
+              <a:rPr lang="en-US" dirty="0"/>
+              <a:t> Age of customer is between 40 to 50</a:t>
+            </a:r>
+          </a:p>
+          <a:p>
+            <a:r>
+              <a:rPr lang="en-US" dirty="0"/>
+              <a:t> Customer are Driven Growers</a:t>
+            </a:r>
+          </a:p>
+          <a:p>
+            <a:r>
+              <a:rPr lang="en-US" dirty="0"/>
+              <a:t> Customer belongs to Lower class large families</a:t>
+            </a:r>
           </a:p>
         </p:txBody>
       </p:sp>
     </p:spTree>
     <p:extLst>
       <p:ext uri="{BB962C8B-B14F-4D97-AF65-F5344CB8AC3E}">
-        <p14:creationId xmlns:p14="http://schemas.microsoft.com/office/powerpoint/2010/main" val="1389293436"/>
+        <p14:creationId xmlns:p14="http://schemas.microsoft.com/office/powerpoint/2010/main" val="3031816636"/>
       </p:ext>
     </p:extLst>
   </p:cSld>
@@ -13217,7 +13352,13 @@
       </p:grpSpPr>
       <p:sp>
         <p:nvSpPr>
-          <p:cNvPr id="2" name="Title 1"/>
+          <p:cNvPr id="2" name="Title 1">
+            <a:extLst>
+              <a:ext uri="{FF2B5EF4-FFF2-40B4-BE49-F238E27FC236}">
+                <a16:creationId xmlns:a16="http://schemas.microsoft.com/office/drawing/2014/main" id="{12F8596A-9D6B-9609-2CA3-295D61B4C792}"/>
+              </a:ext>
+            </a:extLst>
+          </p:cNvPr>
           <p:cNvSpPr>
             <a:spLocks noGrp="1"/>
           </p:cNvSpPr>
@@ -13231,16 +13372,21 @@
           <a:lstStyle/>
           <a:p>
             <a:r>
-              <a:rPr lang="en-US" smtClean="0"/>
-              <a:t>K-NN</a:t>
-            </a:r>
-            <a:endParaRPr lang="en-US" dirty="0"/>
+              <a:rPr lang="en-US" dirty="0"/>
+              <a:t>Models</a:t>
+            </a:r>
           </a:p>
         </p:txBody>
       </p:sp>
       <p:sp>
         <p:nvSpPr>
-          <p:cNvPr id="3" name="Content Placeholder 2"/>
+          <p:cNvPr id="3" name="Content Placeholder 2">
+            <a:extLst>
+              <a:ext uri="{FF2B5EF4-FFF2-40B4-BE49-F238E27FC236}">
+                <a16:creationId xmlns:a16="http://schemas.microsoft.com/office/drawing/2014/main" id="{525374C1-F273-306E-013D-EE0DB4C988C6}"/>
+              </a:ext>
+            </a:extLst>
+          </p:cNvPr>
           <p:cNvSpPr>
             <a:spLocks noGrp="1"/>
           </p:cNvSpPr>
@@ -13253,14 +13399,260 @@
           <a:bodyPr/>
           <a:lstStyle/>
           <a:p>
-            <a:endParaRPr lang="en-US"/>
+            <a:r>
+              <a:rPr lang="en-US" dirty="0"/>
+              <a:t>Mixture of categorical and numerical variables</a:t>
+            </a:r>
+          </a:p>
+          <a:p>
+            <a:r>
+              <a:rPr lang="en-US" dirty="0"/>
+              <a:t>Dimension reduction using correlation analysis and stepwise forward regression</a:t>
+            </a:r>
+          </a:p>
+          <a:p>
+            <a:r>
+              <a:rPr lang="en-US" dirty="0"/>
+              <a:t>Domain knowledge.</a:t>
+            </a:r>
           </a:p>
         </p:txBody>
       </p:sp>
     </p:spTree>
     <p:extLst>
       <p:ext uri="{BB962C8B-B14F-4D97-AF65-F5344CB8AC3E}">
-        <p14:creationId xmlns:p14="http://schemas.microsoft.com/office/powerpoint/2010/main" val="1768902051"/>
+        <p14:creationId xmlns:p14="http://schemas.microsoft.com/office/powerpoint/2010/main" val="1362923887"/>
+      </p:ext>
+    </p:extLst>
+  </p:cSld>
+  <p:clrMapOvr>
+    <a:masterClrMapping/>
+  </p:clrMapOvr>
+</p:sld>
+</file>
+
+<file path=ppt/slides/slide8.xml><?xml version="1.0" encoding="utf-8"?>
+<p:sld xmlns:a="http://schemas.openxmlformats.org/drawingml/2006/main" xmlns:r="http://schemas.openxmlformats.org/officeDocument/2006/relationships" xmlns:p="http://schemas.openxmlformats.org/presentationml/2006/main">
+  <p:cSld>
+    <p:spTree>
+      <p:nvGrpSpPr>
+        <p:cNvPr id="1" name=""/>
+        <p:cNvGrpSpPr/>
+        <p:nvPr/>
+      </p:nvGrpSpPr>
+      <p:grpSpPr>
+        <a:xfrm>
+          <a:off x="0" y="0"/>
+          <a:ext cx="0" cy="0"/>
+          <a:chOff x="0" y="0"/>
+          <a:chExt cx="0" cy="0"/>
+        </a:xfrm>
+      </p:grpSpPr>
+      <p:sp>
+        <p:nvSpPr>
+          <p:cNvPr id="2" name="Title 1">
+            <a:extLst>
+              <a:ext uri="{FF2B5EF4-FFF2-40B4-BE49-F238E27FC236}">
+                <a16:creationId xmlns:a16="http://schemas.microsoft.com/office/drawing/2014/main" id="{C089C84A-C703-4464-3211-F31D555DCEE9}"/>
+              </a:ext>
+            </a:extLst>
+          </p:cNvPr>
+          <p:cNvSpPr>
+            <a:spLocks noGrp="1"/>
+          </p:cNvSpPr>
+          <p:nvPr>
+            <p:ph type="title"/>
+          </p:nvPr>
+        </p:nvSpPr>
+        <p:spPr/>
+        <p:txBody>
+          <a:bodyPr/>
+          <a:lstStyle/>
+          <a:p>
+            <a:r>
+              <a:rPr lang="en-US" dirty="0"/>
+              <a:t>Model 1</a:t>
+            </a:r>
+          </a:p>
+        </p:txBody>
+      </p:sp>
+      <p:sp>
+        <p:nvSpPr>
+          <p:cNvPr id="3" name="Content Placeholder 2">
+            <a:extLst>
+              <a:ext uri="{FF2B5EF4-FFF2-40B4-BE49-F238E27FC236}">
+                <a16:creationId xmlns:a16="http://schemas.microsoft.com/office/drawing/2014/main" id="{A0DBCE43-3229-4A13-9880-2851E0830470}"/>
+              </a:ext>
+            </a:extLst>
+          </p:cNvPr>
+          <p:cNvSpPr>
+            <a:spLocks noGrp="1"/>
+          </p:cNvSpPr>
+          <p:nvPr>
+            <p:ph idx="1"/>
+          </p:nvPr>
+        </p:nvSpPr>
+        <p:spPr/>
+        <p:txBody>
+          <a:bodyPr/>
+          <a:lstStyle/>
+          <a:p>
+            <a:r>
+              <a:rPr lang="en-US" dirty="0"/>
+              <a:t>Customer Sub type, Average house hold size, one house, Average income (numerical), Average Age (numerical)</a:t>
+            </a:r>
+          </a:p>
+          <a:p>
+            <a:r>
+              <a:rPr lang="en-US" dirty="0"/>
+              <a:t>Accuracy 21%, Sensitivity 92% and Specificity16% at Cutoff level 0.5</a:t>
+            </a:r>
+          </a:p>
+          <a:p>
+            <a:pPr marL="0" indent="0">
+              <a:buNone/>
+            </a:pPr>
+            <a:endParaRPr lang="en-US" dirty="0"/>
+          </a:p>
+          <a:p>
+            <a:endParaRPr lang="en-US" dirty="0"/>
+          </a:p>
+        </p:txBody>
+      </p:sp>
+    </p:spTree>
+    <p:extLst>
+      <p:ext uri="{BB962C8B-B14F-4D97-AF65-F5344CB8AC3E}">
+        <p14:creationId xmlns:p14="http://schemas.microsoft.com/office/powerpoint/2010/main" val="1804224986"/>
+      </p:ext>
+    </p:extLst>
+  </p:cSld>
+  <p:clrMapOvr>
+    <a:masterClrMapping/>
+  </p:clrMapOvr>
+</p:sld>
+</file>
+
+<file path=ppt/slides/slide9.xml><?xml version="1.0" encoding="utf-8"?>
+<p:sld xmlns:a="http://schemas.openxmlformats.org/drawingml/2006/main" xmlns:r="http://schemas.openxmlformats.org/officeDocument/2006/relationships" xmlns:p="http://schemas.openxmlformats.org/presentationml/2006/main">
+  <p:cSld>
+    <p:spTree>
+      <p:nvGrpSpPr>
+        <p:cNvPr id="1" name=""/>
+        <p:cNvGrpSpPr/>
+        <p:nvPr/>
+      </p:nvGrpSpPr>
+      <p:grpSpPr>
+        <a:xfrm>
+          <a:off x="0" y="0"/>
+          <a:ext cx="0" cy="0"/>
+          <a:chOff x="0" y="0"/>
+          <a:chExt cx="0" cy="0"/>
+        </a:xfrm>
+      </p:grpSpPr>
+      <p:sp>
+        <p:nvSpPr>
+          <p:cNvPr id="2" name="Title 1">
+            <a:extLst>
+              <a:ext uri="{FF2B5EF4-FFF2-40B4-BE49-F238E27FC236}">
+                <a16:creationId xmlns:a16="http://schemas.microsoft.com/office/drawing/2014/main" id="{974465E6-146E-2ABB-9F8B-6E74DD02E3E7}"/>
+              </a:ext>
+            </a:extLst>
+          </p:cNvPr>
+          <p:cNvSpPr>
+            <a:spLocks noGrp="1"/>
+          </p:cNvSpPr>
+          <p:nvPr>
+            <p:ph type="title"/>
+          </p:nvPr>
+        </p:nvSpPr>
+        <p:spPr/>
+        <p:txBody>
+          <a:bodyPr/>
+          <a:lstStyle/>
+          <a:p>
+            <a:r>
+              <a:rPr lang="en-US" dirty="0"/>
+              <a:t>Model 2</a:t>
+            </a:r>
+          </a:p>
+        </p:txBody>
+      </p:sp>
+      <p:sp>
+        <p:nvSpPr>
+          <p:cNvPr id="3" name="Content Placeholder 2">
+            <a:extLst>
+              <a:ext uri="{FF2B5EF4-FFF2-40B4-BE49-F238E27FC236}">
+                <a16:creationId xmlns:a16="http://schemas.microsoft.com/office/drawing/2014/main" id="{503B1EF0-E2A9-23B9-16C4-0984DA0F6BC1}"/>
+              </a:ext>
+            </a:extLst>
+          </p:cNvPr>
+          <p:cNvSpPr>
+            <a:spLocks noGrp="1"/>
+          </p:cNvSpPr>
+          <p:nvPr>
+            <p:ph idx="1"/>
+          </p:nvPr>
+        </p:nvSpPr>
+        <p:spPr/>
+        <p:txBody>
+          <a:bodyPr>
+            <a:normAutofit fontScale="92500" lnSpcReduction="10000"/>
+          </a:bodyPr>
+          <a:lstStyle/>
+          <a:p>
+            <a:r>
+              <a:rPr lang="en-US" dirty="0"/>
+              <a:t>Max and Min correlation 1 and -0.99</a:t>
+            </a:r>
+          </a:p>
+          <a:p>
+            <a:r>
+              <a:rPr lang="en-US" dirty="0"/>
+              <a:t>Exclude correlated independent variables at 0.75 cutoff (33)</a:t>
+            </a:r>
+          </a:p>
+          <a:p>
+            <a:r>
+              <a:rPr lang="en-US" dirty="0"/>
+              <a:t>Exclude variables included in model 1.</a:t>
+            </a:r>
+          </a:p>
+          <a:p>
+            <a:r>
+              <a:rPr lang="en-US" dirty="0"/>
+              <a:t>Assessing correlation with response variable.</a:t>
+            </a:r>
+          </a:p>
+          <a:p>
+            <a:r>
+              <a:rPr lang="en-US" dirty="0"/>
+              <a:t>Perform GLM on 53 variables</a:t>
+            </a:r>
+          </a:p>
+          <a:p>
+            <a:r>
+              <a:rPr lang="en-US" dirty="0"/>
+              <a:t>Perform forward stepwise on GLM model. Why not backwards?</a:t>
+            </a:r>
+          </a:p>
+          <a:p>
+            <a:r>
+              <a:rPr lang="en-US" dirty="0"/>
+              <a:t>Accuracy 60% Sensitivity 43% Specificity 60%</a:t>
+            </a:r>
+          </a:p>
+          <a:p>
+            <a:pPr marL="0" indent="0">
+              <a:buNone/>
+            </a:pPr>
+            <a:endParaRPr lang="en-US" dirty="0"/>
+          </a:p>
+        </p:txBody>
+      </p:sp>
+    </p:spTree>
+    <p:extLst>
+      <p:ext uri="{BB962C8B-B14F-4D97-AF65-F5344CB8AC3E}">
+        <p14:creationId xmlns:p14="http://schemas.microsoft.com/office/powerpoint/2010/main" val="2347304196"/>
       </p:ext>
     </p:extLst>
   </p:cSld>

--- a/Caravan.pptx
+++ b/Caravan.pptx
@@ -179,7 +179,7 @@
           <a:noFill/>
           <a:extLst>
             <a:ext uri="{909E8E84-426E-40dd-AFC4-6F175D3DCCD1}">
-              <a14:hiddenFill xmlns:a14="http://schemas.microsoft.com/office/drawing/2010/main" xmlns="">
+              <a14:hiddenFill xmlns="" xmlns:a14="http://schemas.microsoft.com/office/drawing/2010/main">
                 <a:solidFill>
                   <a:srgbClr val="FFFFFF"/>
                 </a:solidFill>
@@ -238,7 +238,7 @@
             </a:ln>
             <a:extLst>
               <a:ext uri="{91240B29-F687-4f45-9708-019B960494DF}">
-                <a14:hiddenLine xmlns:a14="http://schemas.microsoft.com/office/drawing/2010/main" xmlns="" w="9525">
+                <a14:hiddenLine xmlns="" xmlns:a14="http://schemas.microsoft.com/office/drawing/2010/main" w="9525">
                   <a:solidFill>
                     <a:srgbClr val="000000"/>
                   </a:solidFill>
@@ -328,7 +328,7 @@
             </a:ln>
             <a:extLst>
               <a:ext uri="{91240B29-F687-4f45-9708-019B960494DF}">
-                <a14:hiddenLine xmlns:a14="http://schemas.microsoft.com/office/drawing/2010/main" xmlns="" w="9525">
+                <a14:hiddenLine xmlns="" xmlns:a14="http://schemas.microsoft.com/office/drawing/2010/main" w="9525">
                   <a:solidFill>
                     <a:srgbClr val="000000"/>
                   </a:solidFill>
@@ -418,7 +418,7 @@
             </a:ln>
             <a:extLst>
               <a:ext uri="{91240B29-F687-4f45-9708-019B960494DF}">
-                <a14:hiddenLine xmlns:a14="http://schemas.microsoft.com/office/drawing/2010/main" xmlns="" w="9525">
+                <a14:hiddenLine xmlns="" xmlns:a14="http://schemas.microsoft.com/office/drawing/2010/main" w="9525">
                   <a:solidFill>
                     <a:srgbClr val="000000"/>
                   </a:solidFill>
@@ -452,7 +452,7 @@
             </a:ln>
             <a:extLst>
               <a:ext uri="{91240B29-F687-4f45-9708-019B960494DF}">
-                <a14:hiddenLine xmlns:a14="http://schemas.microsoft.com/office/drawing/2010/main" xmlns="" w="9525">
+                <a14:hiddenLine xmlns="" xmlns:a14="http://schemas.microsoft.com/office/drawing/2010/main" w="9525">
                   <a:solidFill>
                     <a:srgbClr val="000000"/>
                   </a:solidFill>
@@ -542,7 +542,7 @@
             </a:ln>
             <a:extLst>
               <a:ext uri="{91240B29-F687-4f45-9708-019B960494DF}">
-                <a14:hiddenLine xmlns:a14="http://schemas.microsoft.com/office/drawing/2010/main" xmlns="" w="9525">
+                <a14:hiddenLine xmlns="" xmlns:a14="http://schemas.microsoft.com/office/drawing/2010/main" w="9525">
                   <a:solidFill>
                     <a:srgbClr val="000000"/>
                   </a:solidFill>
@@ -604,7 +604,7 @@
             </a:ln>
             <a:extLst>
               <a:ext uri="{91240B29-F687-4f45-9708-019B960494DF}">
-                <a14:hiddenLine xmlns:a14="http://schemas.microsoft.com/office/drawing/2010/main" xmlns="" w="9525">
+                <a14:hiddenLine xmlns="" xmlns:a14="http://schemas.microsoft.com/office/drawing/2010/main" w="9525">
                   <a:solidFill>
                     <a:srgbClr val="000000"/>
                   </a:solidFill>
@@ -666,7 +666,7 @@
             </a:ln>
             <a:extLst>
               <a:ext uri="{91240B29-F687-4f45-9708-019B960494DF}">
-                <a14:hiddenLine xmlns:a14="http://schemas.microsoft.com/office/drawing/2010/main" xmlns="" w="9525">
+                <a14:hiddenLine xmlns="" xmlns:a14="http://schemas.microsoft.com/office/drawing/2010/main" w="9525">
                   <a:solidFill>
                     <a:srgbClr val="000000"/>
                   </a:solidFill>
@@ -756,7 +756,7 @@
             </a:ln>
             <a:extLst>
               <a:ext uri="{91240B29-F687-4f45-9708-019B960494DF}">
-                <a14:hiddenLine xmlns:a14="http://schemas.microsoft.com/office/drawing/2010/main" xmlns="" w="9525">
+                <a14:hiddenLine xmlns="" xmlns:a14="http://schemas.microsoft.com/office/drawing/2010/main" w="9525">
                   <a:solidFill>
                     <a:srgbClr val="000000"/>
                   </a:solidFill>
@@ -818,7 +818,7 @@
             </a:ln>
             <a:extLst>
               <a:ext uri="{91240B29-F687-4f45-9708-019B960494DF}">
-                <a14:hiddenLine xmlns:a14="http://schemas.microsoft.com/office/drawing/2010/main" xmlns="" w="9525">
+                <a14:hiddenLine xmlns="" xmlns:a14="http://schemas.microsoft.com/office/drawing/2010/main" w="9525">
                   <a:solidFill>
                     <a:srgbClr val="000000"/>
                   </a:solidFill>
@@ -880,7 +880,7 @@
             </a:ln>
             <a:extLst>
               <a:ext uri="{91240B29-F687-4f45-9708-019B960494DF}">
-                <a14:hiddenLine xmlns:a14="http://schemas.microsoft.com/office/drawing/2010/main" xmlns="" w="9525">
+                <a14:hiddenLine xmlns="" xmlns:a14="http://schemas.microsoft.com/office/drawing/2010/main" w="9525">
                   <a:solidFill>
                     <a:srgbClr val="000000"/>
                   </a:solidFill>
@@ -970,7 +970,7 @@
             </a:ln>
             <a:extLst>
               <a:ext uri="{91240B29-F687-4f45-9708-019B960494DF}">
-                <a14:hiddenLine xmlns:a14="http://schemas.microsoft.com/office/drawing/2010/main" xmlns="" w="9525">
+                <a14:hiddenLine xmlns="" xmlns:a14="http://schemas.microsoft.com/office/drawing/2010/main" w="9525">
                   <a:solidFill>
                     <a:srgbClr val="000000"/>
                   </a:solidFill>
@@ -1060,7 +1060,7 @@
             </a:ln>
             <a:extLst>
               <a:ext uri="{91240B29-F687-4f45-9708-019B960494DF}">
-                <a14:hiddenLine xmlns:a14="http://schemas.microsoft.com/office/drawing/2010/main" xmlns="" w="9525">
+                <a14:hiddenLine xmlns="" xmlns:a14="http://schemas.microsoft.com/office/drawing/2010/main" w="9525">
                   <a:solidFill>
                     <a:srgbClr val="000000"/>
                   </a:solidFill>
@@ -1122,7 +1122,7 @@
             </a:ln>
             <a:extLst>
               <a:ext uri="{91240B29-F687-4f45-9708-019B960494DF}">
-                <a14:hiddenLine xmlns:a14="http://schemas.microsoft.com/office/drawing/2010/main" xmlns="" w="9525">
+                <a14:hiddenLine xmlns="" xmlns:a14="http://schemas.microsoft.com/office/drawing/2010/main" w="9525">
                   <a:solidFill>
                     <a:srgbClr val="000000"/>
                   </a:solidFill>
@@ -1232,7 +1232,7 @@
             </a:ln>
             <a:extLst>
               <a:ext uri="{91240B29-F687-4f45-9708-019B960494DF}">
-                <a14:hiddenLine xmlns:a14="http://schemas.microsoft.com/office/drawing/2010/main" xmlns="" w="9525">
+                <a14:hiddenLine xmlns="" xmlns:a14="http://schemas.microsoft.com/office/drawing/2010/main" w="9525">
                   <a:solidFill>
                     <a:srgbClr val="000000"/>
                   </a:solidFill>
@@ -1294,7 +1294,7 @@
             </a:ln>
             <a:extLst>
               <a:ext uri="{91240B29-F687-4f45-9708-019B960494DF}">
-                <a14:hiddenLine xmlns:a14="http://schemas.microsoft.com/office/drawing/2010/main" xmlns="" w="9525">
+                <a14:hiddenLine xmlns="" xmlns:a14="http://schemas.microsoft.com/office/drawing/2010/main" w="9525">
                   <a:solidFill>
                     <a:srgbClr val="000000"/>
                   </a:solidFill>
@@ -1384,7 +1384,7 @@
             </a:ln>
             <a:extLst>
               <a:ext uri="{91240B29-F687-4f45-9708-019B960494DF}">
-                <a14:hiddenLine xmlns:a14="http://schemas.microsoft.com/office/drawing/2010/main" xmlns="" w="9525">
+                <a14:hiddenLine xmlns="" xmlns:a14="http://schemas.microsoft.com/office/drawing/2010/main" w="9525">
                   <a:solidFill>
                     <a:srgbClr val="000000"/>
                   </a:solidFill>
@@ -1474,7 +1474,7 @@
             </a:ln>
             <a:extLst>
               <a:ext uri="{91240B29-F687-4f45-9708-019B960494DF}">
-                <a14:hiddenLine xmlns:a14="http://schemas.microsoft.com/office/drawing/2010/main" xmlns="" w="9525">
+                <a14:hiddenLine xmlns="" xmlns:a14="http://schemas.microsoft.com/office/drawing/2010/main" w="9525">
                   <a:solidFill>
                     <a:srgbClr val="000000"/>
                   </a:solidFill>
@@ -1536,7 +1536,7 @@
             </a:ln>
             <a:extLst>
               <a:ext uri="{91240B29-F687-4f45-9708-019B960494DF}">
-                <a14:hiddenLine xmlns:a14="http://schemas.microsoft.com/office/drawing/2010/main" xmlns="" w="9525">
+                <a14:hiddenLine xmlns="" xmlns:a14="http://schemas.microsoft.com/office/drawing/2010/main" w="9525">
                   <a:solidFill>
                     <a:srgbClr val="000000"/>
                   </a:solidFill>
@@ -1626,7 +1626,7 @@
             </a:ln>
             <a:extLst>
               <a:ext uri="{91240B29-F687-4f45-9708-019B960494DF}">
-                <a14:hiddenLine xmlns:a14="http://schemas.microsoft.com/office/drawing/2010/main" xmlns="" w="9525">
+                <a14:hiddenLine xmlns="" xmlns:a14="http://schemas.microsoft.com/office/drawing/2010/main" w="9525">
                   <a:solidFill>
                     <a:srgbClr val="000000"/>
                   </a:solidFill>
@@ -1716,7 +1716,7 @@
             </a:ln>
             <a:extLst>
               <a:ext uri="{91240B29-F687-4f45-9708-019B960494DF}">
-                <a14:hiddenLine xmlns:a14="http://schemas.microsoft.com/office/drawing/2010/main" xmlns="" w="9525">
+                <a14:hiddenLine xmlns="" xmlns:a14="http://schemas.microsoft.com/office/drawing/2010/main" w="9525">
                   <a:solidFill>
                     <a:srgbClr val="000000"/>
                   </a:solidFill>
@@ -1772,7 +1772,7 @@
             </a:ln>
             <a:extLst>
               <a:ext uri="{91240B29-F687-4f45-9708-019B960494DF}">
-                <a14:hiddenLine xmlns:a14="http://schemas.microsoft.com/office/drawing/2010/main" xmlns="" w="9525">
+                <a14:hiddenLine xmlns="" xmlns:a14="http://schemas.microsoft.com/office/drawing/2010/main" w="9525">
                   <a:solidFill>
                     <a:srgbClr val="000000"/>
                   </a:solidFill>
@@ -1862,7 +1862,7 @@
             </a:ln>
             <a:extLst>
               <a:ext uri="{91240B29-F687-4f45-9708-019B960494DF}">
-                <a14:hiddenLine xmlns:a14="http://schemas.microsoft.com/office/drawing/2010/main" xmlns="" w="9525">
+                <a14:hiddenLine xmlns="" xmlns:a14="http://schemas.microsoft.com/office/drawing/2010/main" w="9525">
                   <a:solidFill>
                     <a:srgbClr val="000000"/>
                   </a:solidFill>
@@ -1918,7 +1918,7 @@
             </a:ln>
             <a:extLst>
               <a:ext uri="{91240B29-F687-4f45-9708-019B960494DF}">
-                <a14:hiddenLine xmlns:a14="http://schemas.microsoft.com/office/drawing/2010/main" xmlns="" w="9525">
+                <a14:hiddenLine xmlns="" xmlns:a14="http://schemas.microsoft.com/office/drawing/2010/main" w="9525">
                   <a:solidFill>
                     <a:srgbClr val="000000"/>
                   </a:solidFill>
@@ -2008,7 +2008,7 @@
             </a:ln>
             <a:extLst>
               <a:ext uri="{91240B29-F687-4f45-9708-019B960494DF}">
-                <a14:hiddenLine xmlns:a14="http://schemas.microsoft.com/office/drawing/2010/main" xmlns="" w="9525">
+                <a14:hiddenLine xmlns="" xmlns:a14="http://schemas.microsoft.com/office/drawing/2010/main" w="9525">
                   <a:solidFill>
                     <a:srgbClr val="000000"/>
                   </a:solidFill>
@@ -2076,7 +2076,7 @@
             </a:ln>
             <a:extLst>
               <a:ext uri="{91240B29-F687-4f45-9708-019B960494DF}">
-                <a14:hiddenLine xmlns:a14="http://schemas.microsoft.com/office/drawing/2010/main" xmlns="" w="9525">
+                <a14:hiddenLine xmlns="" xmlns:a14="http://schemas.microsoft.com/office/drawing/2010/main" w="9525">
                   <a:solidFill>
                     <a:srgbClr val="000000"/>
                   </a:solidFill>
@@ -2166,7 +2166,7 @@
             </a:ln>
             <a:extLst>
               <a:ext uri="{91240B29-F687-4f45-9708-019B960494DF}">
-                <a14:hiddenLine xmlns:a14="http://schemas.microsoft.com/office/drawing/2010/main" xmlns="" w="9525">
+                <a14:hiddenLine xmlns="" xmlns:a14="http://schemas.microsoft.com/office/drawing/2010/main" w="9525">
                   <a:solidFill>
                     <a:srgbClr val="000000"/>
                   </a:solidFill>
@@ -2234,7 +2234,7 @@
             </a:ln>
             <a:extLst>
               <a:ext uri="{91240B29-F687-4f45-9708-019B960494DF}">
-                <a14:hiddenLine xmlns:a14="http://schemas.microsoft.com/office/drawing/2010/main" xmlns="" w="9525">
+                <a14:hiddenLine xmlns="" xmlns:a14="http://schemas.microsoft.com/office/drawing/2010/main" w="9525">
                   <a:solidFill>
                     <a:srgbClr val="000000"/>
                   </a:solidFill>
@@ -2324,7 +2324,7 @@
             </a:ln>
             <a:extLst>
               <a:ext uri="{91240B29-F687-4f45-9708-019B960494DF}">
-                <a14:hiddenLine xmlns:a14="http://schemas.microsoft.com/office/drawing/2010/main" xmlns="" w="9525">
+                <a14:hiddenLine xmlns="" xmlns:a14="http://schemas.microsoft.com/office/drawing/2010/main" w="9525">
                   <a:solidFill>
                     <a:srgbClr val="000000"/>
                   </a:solidFill>
@@ -2358,7 +2358,7 @@
             </a:ln>
             <a:extLst>
               <a:ext uri="{91240B29-F687-4f45-9708-019B960494DF}">
-                <a14:hiddenLine xmlns:a14="http://schemas.microsoft.com/office/drawing/2010/main" xmlns="" w="9525">
+                <a14:hiddenLine xmlns="" xmlns:a14="http://schemas.microsoft.com/office/drawing/2010/main" w="9525">
                   <a:solidFill>
                     <a:srgbClr val="000000"/>
                   </a:solidFill>
@@ -2448,7 +2448,7 @@
             </a:ln>
             <a:extLst>
               <a:ext uri="{91240B29-F687-4f45-9708-019B960494DF}">
-                <a14:hiddenLine xmlns:a14="http://schemas.microsoft.com/office/drawing/2010/main" xmlns="" w="9525">
+                <a14:hiddenLine xmlns="" xmlns:a14="http://schemas.microsoft.com/office/drawing/2010/main" w="9525">
                   <a:solidFill>
                     <a:srgbClr val="000000"/>
                   </a:solidFill>
@@ -2510,7 +2510,7 @@
             </a:ln>
             <a:extLst>
               <a:ext uri="{91240B29-F687-4f45-9708-019B960494DF}">
-                <a14:hiddenLine xmlns:a14="http://schemas.microsoft.com/office/drawing/2010/main" xmlns="" w="9525">
+                <a14:hiddenLine xmlns="" xmlns:a14="http://schemas.microsoft.com/office/drawing/2010/main" w="9525">
                   <a:solidFill>
                     <a:srgbClr val="000000"/>
                   </a:solidFill>
@@ -2572,7 +2572,7 @@
             </a:ln>
             <a:extLst>
               <a:ext uri="{91240B29-F687-4f45-9708-019B960494DF}">
-                <a14:hiddenLine xmlns:a14="http://schemas.microsoft.com/office/drawing/2010/main" xmlns="" w="9525">
+                <a14:hiddenLine xmlns="" xmlns:a14="http://schemas.microsoft.com/office/drawing/2010/main" w="9525">
                   <a:solidFill>
                     <a:srgbClr val="000000"/>
                   </a:solidFill>
@@ -2662,7 +2662,7 @@
             </a:ln>
             <a:extLst>
               <a:ext uri="{91240B29-F687-4f45-9708-019B960494DF}">
-                <a14:hiddenLine xmlns:a14="http://schemas.microsoft.com/office/drawing/2010/main" xmlns="" w="9525">
+                <a14:hiddenLine xmlns="" xmlns:a14="http://schemas.microsoft.com/office/drawing/2010/main" w="9525">
                   <a:solidFill>
                     <a:srgbClr val="000000"/>
                   </a:solidFill>
@@ -2730,7 +2730,7 @@
             </a:ln>
             <a:extLst>
               <a:ext uri="{91240B29-F687-4f45-9708-019B960494DF}">
-                <a14:hiddenLine xmlns:a14="http://schemas.microsoft.com/office/drawing/2010/main" xmlns="" w="9525">
+                <a14:hiddenLine xmlns="" xmlns:a14="http://schemas.microsoft.com/office/drawing/2010/main" w="9525">
                   <a:solidFill>
                     <a:srgbClr val="000000"/>
                   </a:solidFill>
@@ -2792,7 +2792,7 @@
             </a:ln>
             <a:extLst>
               <a:ext uri="{91240B29-F687-4f45-9708-019B960494DF}">
-                <a14:hiddenLine xmlns:a14="http://schemas.microsoft.com/office/drawing/2010/main" xmlns="" w="9525">
+                <a14:hiddenLine xmlns="" xmlns:a14="http://schemas.microsoft.com/office/drawing/2010/main" w="9525">
                   <a:solidFill>
                     <a:srgbClr val="000000"/>
                   </a:solidFill>
@@ -2882,7 +2882,7 @@
             </a:ln>
             <a:extLst>
               <a:ext uri="{91240B29-F687-4f45-9708-019B960494DF}">
-                <a14:hiddenLine xmlns:a14="http://schemas.microsoft.com/office/drawing/2010/main" xmlns="" w="9525">
+                <a14:hiddenLine xmlns="" xmlns:a14="http://schemas.microsoft.com/office/drawing/2010/main" w="9525">
                   <a:solidFill>
                     <a:srgbClr val="000000"/>
                   </a:solidFill>
@@ -2944,7 +2944,7 @@
             </a:ln>
             <a:extLst>
               <a:ext uri="{91240B29-F687-4f45-9708-019B960494DF}">
-                <a14:hiddenLine xmlns:a14="http://schemas.microsoft.com/office/drawing/2010/main" xmlns="" w="9525">
+                <a14:hiddenLine xmlns="" xmlns:a14="http://schemas.microsoft.com/office/drawing/2010/main" w="9525">
                   <a:solidFill>
                     <a:srgbClr val="000000"/>
                   </a:solidFill>
@@ -3034,7 +3034,7 @@
             </a:ln>
             <a:extLst>
               <a:ext uri="{91240B29-F687-4f45-9708-019B960494DF}">
-                <a14:hiddenLine xmlns:a14="http://schemas.microsoft.com/office/drawing/2010/main" xmlns="" w="9525">
+                <a14:hiddenLine xmlns="" xmlns:a14="http://schemas.microsoft.com/office/drawing/2010/main" w="9525">
                   <a:solidFill>
                     <a:srgbClr val="000000"/>
                   </a:solidFill>
@@ -3096,7 +3096,7 @@
             </a:ln>
             <a:extLst>
               <a:ext uri="{91240B29-F687-4f45-9708-019B960494DF}">
-                <a14:hiddenLine xmlns:a14="http://schemas.microsoft.com/office/drawing/2010/main" xmlns="" w="9525">
+                <a14:hiddenLine xmlns="" xmlns:a14="http://schemas.microsoft.com/office/drawing/2010/main" w="9525">
                   <a:solidFill>
                     <a:srgbClr val="000000"/>
                   </a:solidFill>
@@ -3186,7 +3186,7 @@
             </a:ln>
             <a:extLst>
               <a:ext uri="{91240B29-F687-4f45-9708-019B960494DF}">
-                <a14:hiddenLine xmlns:a14="http://schemas.microsoft.com/office/drawing/2010/main" xmlns="" w="9525">
+                <a14:hiddenLine xmlns="" xmlns:a14="http://schemas.microsoft.com/office/drawing/2010/main" w="9525">
                   <a:solidFill>
                     <a:srgbClr val="000000"/>
                   </a:solidFill>
@@ -3220,7 +3220,7 @@
             </a:ln>
             <a:extLst>
               <a:ext uri="{91240B29-F687-4f45-9708-019B960494DF}">
-                <a14:hiddenLine xmlns:a14="http://schemas.microsoft.com/office/drawing/2010/main" xmlns="" w="9525">
+                <a14:hiddenLine xmlns="" xmlns:a14="http://schemas.microsoft.com/office/drawing/2010/main" w="9525">
                   <a:solidFill>
                     <a:srgbClr val="000000"/>
                   </a:solidFill>
@@ -3285,7 +3285,7 @@
             </a:ln>
             <a:extLst>
               <a:ext uri="{91240B29-F687-4f45-9708-019B960494DF}">
-                <a14:hiddenLine xmlns:a14="http://schemas.microsoft.com/office/drawing/2010/main" xmlns="" w="9525">
+                <a14:hiddenLine xmlns="" xmlns:a14="http://schemas.microsoft.com/office/drawing/2010/main" w="9525">
                   <a:solidFill>
                     <a:srgbClr val="000000"/>
                   </a:solidFill>
@@ -3375,7 +3375,7 @@
             </a:ln>
             <a:extLst>
               <a:ext uri="{91240B29-F687-4f45-9708-019B960494DF}">
-                <a14:hiddenLine xmlns:a14="http://schemas.microsoft.com/office/drawing/2010/main" xmlns="" w="9525">
+                <a14:hiddenLine xmlns="" xmlns:a14="http://schemas.microsoft.com/office/drawing/2010/main" w="9525">
                   <a:solidFill>
                     <a:srgbClr val="000000"/>
                   </a:solidFill>
@@ -3437,7 +3437,7 @@
             </a:ln>
             <a:extLst>
               <a:ext uri="{91240B29-F687-4f45-9708-019B960494DF}">
-                <a14:hiddenLine xmlns:a14="http://schemas.microsoft.com/office/drawing/2010/main" xmlns="" w="9525">
+                <a14:hiddenLine xmlns="" xmlns:a14="http://schemas.microsoft.com/office/drawing/2010/main" w="9525">
                   <a:solidFill>
                     <a:srgbClr val="000000"/>
                   </a:solidFill>
@@ -3527,7 +3527,7 @@
             </a:ln>
             <a:extLst>
               <a:ext uri="{91240B29-F687-4f45-9708-019B960494DF}">
-                <a14:hiddenLine xmlns:a14="http://schemas.microsoft.com/office/drawing/2010/main" xmlns="" w="9525">
+                <a14:hiddenLine xmlns="" xmlns:a14="http://schemas.microsoft.com/office/drawing/2010/main" w="9525">
                   <a:solidFill>
                     <a:srgbClr val="000000"/>
                   </a:solidFill>
@@ -3617,7 +3617,7 @@
             </a:ln>
             <a:extLst>
               <a:ext uri="{91240B29-F687-4f45-9708-019B960494DF}">
-                <a14:hiddenLine xmlns:a14="http://schemas.microsoft.com/office/drawing/2010/main" xmlns="" w="9525">
+                <a14:hiddenLine xmlns="" xmlns:a14="http://schemas.microsoft.com/office/drawing/2010/main" w="9525">
                   <a:solidFill>
                     <a:srgbClr val="000000"/>
                   </a:solidFill>
@@ -3682,7 +3682,7 @@
             </a:ln>
             <a:extLst>
               <a:ext uri="{91240B29-F687-4f45-9708-019B960494DF}">
-                <a14:hiddenLine xmlns:a14="http://schemas.microsoft.com/office/drawing/2010/main" xmlns="" w="9525">
+                <a14:hiddenLine xmlns="" xmlns:a14="http://schemas.microsoft.com/office/drawing/2010/main" w="9525">
                   <a:solidFill>
                     <a:srgbClr val="000000"/>
                   </a:solidFill>
@@ -3744,7 +3744,7 @@
             </a:ln>
             <a:extLst>
               <a:ext uri="{91240B29-F687-4f45-9708-019B960494DF}">
-                <a14:hiddenLine xmlns:a14="http://schemas.microsoft.com/office/drawing/2010/main" xmlns="" w="9525">
+                <a14:hiddenLine xmlns="" xmlns:a14="http://schemas.microsoft.com/office/drawing/2010/main" w="9525">
                   <a:solidFill>
                     <a:srgbClr val="000000"/>
                   </a:solidFill>
@@ -3834,7 +3834,7 @@
             </a:ln>
             <a:extLst>
               <a:ext uri="{91240B29-F687-4f45-9708-019B960494DF}">
-                <a14:hiddenLine xmlns:a14="http://schemas.microsoft.com/office/drawing/2010/main" xmlns="" w="9525">
+                <a14:hiddenLine xmlns="" xmlns:a14="http://schemas.microsoft.com/office/drawing/2010/main" w="9525">
                   <a:solidFill>
                     <a:srgbClr val="000000"/>
                   </a:solidFill>
@@ -3924,7 +3924,7 @@
             </a:ln>
             <a:extLst>
               <a:ext uri="{91240B29-F687-4f45-9708-019B960494DF}">
-                <a14:hiddenLine xmlns:a14="http://schemas.microsoft.com/office/drawing/2010/main" xmlns="" w="9525">
+                <a14:hiddenLine xmlns="" xmlns:a14="http://schemas.microsoft.com/office/drawing/2010/main" w="9525">
                   <a:solidFill>
                     <a:srgbClr val="000000"/>
                   </a:solidFill>
@@ -3986,7 +3986,7 @@
             </a:ln>
             <a:extLst>
               <a:ext uri="{91240B29-F687-4f45-9708-019B960494DF}">
-                <a14:hiddenLine xmlns:a14="http://schemas.microsoft.com/office/drawing/2010/main" xmlns="" w="9525">
+                <a14:hiddenLine xmlns="" xmlns:a14="http://schemas.microsoft.com/office/drawing/2010/main" w="9525">
                   <a:solidFill>
                     <a:srgbClr val="000000"/>
                   </a:solidFill>
@@ -4106,7 +4106,7 @@
             </a:ln>
             <a:extLst>
               <a:ext uri="{91240B29-F687-4f45-9708-019B960494DF}">
-                <a14:hiddenLine xmlns:a14="http://schemas.microsoft.com/office/drawing/2010/main" xmlns="" w="9525">
+                <a14:hiddenLine xmlns="" xmlns:a14="http://schemas.microsoft.com/office/drawing/2010/main" w="9525">
                   <a:solidFill>
                     <a:srgbClr val="000000"/>
                   </a:solidFill>
@@ -4174,7 +4174,7 @@
             </a:ln>
             <a:extLst>
               <a:ext uri="{91240B29-F687-4f45-9708-019B960494DF}">
-                <a14:hiddenLine xmlns:a14="http://schemas.microsoft.com/office/drawing/2010/main" xmlns="" w="9525">
+                <a14:hiddenLine xmlns="" xmlns:a14="http://schemas.microsoft.com/office/drawing/2010/main" w="9525">
                   <a:solidFill>
                     <a:srgbClr val="000000"/>
                   </a:solidFill>
@@ -4264,7 +4264,7 @@
             </a:ln>
             <a:extLst>
               <a:ext uri="{91240B29-F687-4f45-9708-019B960494DF}">
-                <a14:hiddenLine xmlns:a14="http://schemas.microsoft.com/office/drawing/2010/main" xmlns="" w="9525">
+                <a14:hiddenLine xmlns="" xmlns:a14="http://schemas.microsoft.com/office/drawing/2010/main" w="9525">
                   <a:solidFill>
                     <a:srgbClr val="000000"/>
                   </a:solidFill>
@@ -9078,7 +9078,7 @@
           <a:noFill/>
           <a:extLst>
             <a:ext uri="{909E8E84-426E-40dd-AFC4-6F175D3DCCD1}">
-              <a14:hiddenFill xmlns:a14="http://schemas.microsoft.com/office/drawing/2010/main" xmlns="">
+              <a14:hiddenFill xmlns="" xmlns:a14="http://schemas.microsoft.com/office/drawing/2010/main">
                 <a:solidFill>
                   <a:srgbClr val="FFFFFF"/>
                 </a:solidFill>
@@ -9152,7 +9152,7 @@
               </a:ln>
               <a:extLst>
                 <a:ext uri="{91240B29-F687-4f45-9708-019B960494DF}">
-                  <a14:hiddenLine xmlns:a14="http://schemas.microsoft.com/office/drawing/2010/main" xmlns="" w="9525">
+                  <a14:hiddenLine xmlns="" xmlns:a14="http://schemas.microsoft.com/office/drawing/2010/main" w="9525">
                     <a:solidFill>
                       <a:srgbClr val="000000"/>
                     </a:solidFill>
@@ -9242,7 +9242,7 @@
               </a:ln>
               <a:extLst>
                 <a:ext uri="{91240B29-F687-4f45-9708-019B960494DF}">
-                  <a14:hiddenLine xmlns:a14="http://schemas.microsoft.com/office/drawing/2010/main" xmlns="" w="9525">
+                  <a14:hiddenLine xmlns="" xmlns:a14="http://schemas.microsoft.com/office/drawing/2010/main" w="9525">
                     <a:solidFill>
                       <a:srgbClr val="000000"/>
                     </a:solidFill>
@@ -9332,7 +9332,7 @@
               </a:ln>
               <a:extLst>
                 <a:ext uri="{91240B29-F687-4f45-9708-019B960494DF}">
-                  <a14:hiddenLine xmlns:a14="http://schemas.microsoft.com/office/drawing/2010/main" xmlns="" w="9525">
+                  <a14:hiddenLine xmlns="" xmlns:a14="http://schemas.microsoft.com/office/drawing/2010/main" w="9525">
                     <a:solidFill>
                       <a:srgbClr val="000000"/>
                     </a:solidFill>
@@ -9394,7 +9394,7 @@
               </a:ln>
               <a:extLst>
                 <a:ext uri="{91240B29-F687-4f45-9708-019B960494DF}">
-                  <a14:hiddenLine xmlns:a14="http://schemas.microsoft.com/office/drawing/2010/main" xmlns="" w="9525">
+                  <a14:hiddenLine xmlns="" xmlns:a14="http://schemas.microsoft.com/office/drawing/2010/main" w="9525">
                     <a:solidFill>
                       <a:srgbClr val="000000"/>
                     </a:solidFill>
@@ -9484,7 +9484,7 @@
               </a:ln>
               <a:extLst>
                 <a:ext uri="{91240B29-F687-4f45-9708-019B960494DF}">
-                  <a14:hiddenLine xmlns:a14="http://schemas.microsoft.com/office/drawing/2010/main" xmlns="" w="9525">
+                  <a14:hiddenLine xmlns="" xmlns:a14="http://schemas.microsoft.com/office/drawing/2010/main" w="9525">
                     <a:solidFill>
                       <a:srgbClr val="000000"/>
                     </a:solidFill>
@@ -9546,7 +9546,7 @@
               </a:ln>
               <a:extLst>
                 <a:ext uri="{91240B29-F687-4f45-9708-019B960494DF}">
-                  <a14:hiddenLine xmlns:a14="http://schemas.microsoft.com/office/drawing/2010/main" xmlns="" w="9525">
+                  <a14:hiddenLine xmlns="" xmlns:a14="http://schemas.microsoft.com/office/drawing/2010/main" w="9525">
                     <a:solidFill>
                       <a:srgbClr val="000000"/>
                     </a:solidFill>
@@ -9608,7 +9608,7 @@
               </a:ln>
               <a:extLst>
                 <a:ext uri="{91240B29-F687-4f45-9708-019B960494DF}">
-                  <a14:hiddenLine xmlns:a14="http://schemas.microsoft.com/office/drawing/2010/main" xmlns="" w="9525">
+                  <a14:hiddenLine xmlns="" xmlns:a14="http://schemas.microsoft.com/office/drawing/2010/main" w="9525">
                     <a:solidFill>
                       <a:srgbClr val="000000"/>
                     </a:solidFill>
@@ -9698,7 +9698,7 @@
               </a:ln>
               <a:extLst>
                 <a:ext uri="{91240B29-F687-4f45-9708-019B960494DF}">
-                  <a14:hiddenLine xmlns:a14="http://schemas.microsoft.com/office/drawing/2010/main" xmlns="" w="9525">
+                  <a14:hiddenLine xmlns="" xmlns:a14="http://schemas.microsoft.com/office/drawing/2010/main" w="9525">
                     <a:solidFill>
                       <a:srgbClr val="000000"/>
                     </a:solidFill>
@@ -9788,7 +9788,7 @@
               </a:ln>
               <a:extLst>
                 <a:ext uri="{91240B29-F687-4f45-9708-019B960494DF}">
-                  <a14:hiddenLine xmlns:a14="http://schemas.microsoft.com/office/drawing/2010/main" xmlns="" w="9525">
+                  <a14:hiddenLine xmlns="" xmlns:a14="http://schemas.microsoft.com/office/drawing/2010/main" w="9525">
                     <a:solidFill>
                       <a:srgbClr val="000000"/>
                     </a:solidFill>
@@ -9850,7 +9850,7 @@
               </a:ln>
               <a:extLst>
                 <a:ext uri="{91240B29-F687-4f45-9708-019B960494DF}">
-                  <a14:hiddenLine xmlns:a14="http://schemas.microsoft.com/office/drawing/2010/main" xmlns="" w="9525">
+                  <a14:hiddenLine xmlns="" xmlns:a14="http://schemas.microsoft.com/office/drawing/2010/main" w="9525">
                     <a:solidFill>
                       <a:srgbClr val="000000"/>
                     </a:solidFill>
@@ -9960,7 +9960,7 @@
               </a:ln>
               <a:extLst>
                 <a:ext uri="{91240B29-F687-4f45-9708-019B960494DF}">
-                  <a14:hiddenLine xmlns:a14="http://schemas.microsoft.com/office/drawing/2010/main" xmlns="" w="9525">
+                  <a14:hiddenLine xmlns="" xmlns:a14="http://schemas.microsoft.com/office/drawing/2010/main" w="9525">
                     <a:solidFill>
                       <a:srgbClr val="000000"/>
                     </a:solidFill>
@@ -10044,7 +10044,7 @@
               </a:ln>
               <a:extLst>
                 <a:ext uri="{91240B29-F687-4f45-9708-019B960494DF}">
-                  <a14:hiddenLine xmlns:a14="http://schemas.microsoft.com/office/drawing/2010/main" xmlns="" w="9525">
+                  <a14:hiddenLine xmlns="" xmlns:a14="http://schemas.microsoft.com/office/drawing/2010/main" w="9525">
                     <a:solidFill>
                       <a:srgbClr val="000000"/>
                     </a:solidFill>
@@ -10106,7 +10106,7 @@
               </a:ln>
               <a:extLst>
                 <a:ext uri="{91240B29-F687-4f45-9708-019B960494DF}">
-                  <a14:hiddenLine xmlns:a14="http://schemas.microsoft.com/office/drawing/2010/main" xmlns="" w="9525">
+                  <a14:hiddenLine xmlns="" xmlns:a14="http://schemas.microsoft.com/office/drawing/2010/main" w="9525">
                     <a:solidFill>
                       <a:srgbClr val="000000"/>
                     </a:solidFill>
@@ -10168,7 +10168,7 @@
               </a:ln>
               <a:extLst>
                 <a:ext uri="{91240B29-F687-4f45-9708-019B960494DF}">
-                  <a14:hiddenLine xmlns:a14="http://schemas.microsoft.com/office/drawing/2010/main" xmlns="" w="9525">
+                  <a14:hiddenLine xmlns="" xmlns:a14="http://schemas.microsoft.com/office/drawing/2010/main" w="9525">
                     <a:solidFill>
                       <a:srgbClr val="000000"/>
                     </a:solidFill>
@@ -10258,7 +10258,7 @@
               </a:ln>
               <a:extLst>
                 <a:ext uri="{91240B29-F687-4f45-9708-019B960494DF}">
-                  <a14:hiddenLine xmlns:a14="http://schemas.microsoft.com/office/drawing/2010/main" xmlns="" w="9525">
+                  <a14:hiddenLine xmlns="" xmlns:a14="http://schemas.microsoft.com/office/drawing/2010/main" w="9525">
                     <a:solidFill>
                       <a:srgbClr val="000000"/>
                     </a:solidFill>
@@ -10292,7 +10292,7 @@
               </a:ln>
               <a:extLst>
                 <a:ext uri="{91240B29-F687-4f45-9708-019B960494DF}">
-                  <a14:hiddenLine xmlns:a14="http://schemas.microsoft.com/office/drawing/2010/main" xmlns="" w="9525">
+                  <a14:hiddenLine xmlns="" xmlns:a14="http://schemas.microsoft.com/office/drawing/2010/main" w="9525">
                     <a:solidFill>
                       <a:srgbClr val="000000"/>
                     </a:solidFill>
@@ -10357,7 +10357,7 @@
               </a:ln>
               <a:extLst>
                 <a:ext uri="{91240B29-F687-4f45-9708-019B960494DF}">
-                  <a14:hiddenLine xmlns:a14="http://schemas.microsoft.com/office/drawing/2010/main" xmlns="" w="9525">
+                  <a14:hiddenLine xmlns="" xmlns:a14="http://schemas.microsoft.com/office/drawing/2010/main" w="9525">
                     <a:solidFill>
                       <a:srgbClr val="000000"/>
                     </a:solidFill>
@@ -10447,7 +10447,7 @@
               </a:ln>
               <a:extLst>
                 <a:ext uri="{91240B29-F687-4f45-9708-019B960494DF}">
-                  <a14:hiddenLine xmlns:a14="http://schemas.microsoft.com/office/drawing/2010/main" xmlns="" w="9525">
+                  <a14:hiddenLine xmlns="" xmlns:a14="http://schemas.microsoft.com/office/drawing/2010/main" w="9525">
                     <a:solidFill>
                       <a:srgbClr val="000000"/>
                     </a:solidFill>
@@ -10509,7 +10509,7 @@
               </a:ln>
               <a:extLst>
                 <a:ext uri="{91240B29-F687-4f45-9708-019B960494DF}">
-                  <a14:hiddenLine xmlns:a14="http://schemas.microsoft.com/office/drawing/2010/main" xmlns="" w="9525">
+                  <a14:hiddenLine xmlns="" xmlns:a14="http://schemas.microsoft.com/office/drawing/2010/main" w="9525">
                     <a:solidFill>
                       <a:srgbClr val="000000"/>
                     </a:solidFill>
@@ -10599,7 +10599,7 @@
               </a:ln>
               <a:extLst>
                 <a:ext uri="{91240B29-F687-4f45-9708-019B960494DF}">
-                  <a14:hiddenLine xmlns:a14="http://schemas.microsoft.com/office/drawing/2010/main" xmlns="" w="9525">
+                  <a14:hiddenLine xmlns="" xmlns:a14="http://schemas.microsoft.com/office/drawing/2010/main" w="9525">
                     <a:solidFill>
                       <a:srgbClr val="000000"/>
                     </a:solidFill>
@@ -10664,7 +10664,7 @@
               </a:ln>
               <a:extLst>
                 <a:ext uri="{91240B29-F687-4f45-9708-019B960494DF}">
-                  <a14:hiddenLine xmlns:a14="http://schemas.microsoft.com/office/drawing/2010/main" xmlns="" w="9525">
+                  <a14:hiddenLine xmlns="" xmlns:a14="http://schemas.microsoft.com/office/drawing/2010/main" w="9525">
                     <a:solidFill>
                       <a:srgbClr val="000000"/>
                     </a:solidFill>
@@ -10726,7 +10726,7 @@
               </a:ln>
               <a:extLst>
                 <a:ext uri="{91240B29-F687-4f45-9708-019B960494DF}">
-                  <a14:hiddenLine xmlns:a14="http://schemas.microsoft.com/office/drawing/2010/main" xmlns="" w="9525">
+                  <a14:hiddenLine xmlns="" xmlns:a14="http://schemas.microsoft.com/office/drawing/2010/main" w="9525">
                     <a:solidFill>
                       <a:srgbClr val="000000"/>
                     </a:solidFill>
@@ -10816,7 +10816,7 @@
               </a:ln>
               <a:extLst>
                 <a:ext uri="{91240B29-F687-4f45-9708-019B960494DF}">
-                  <a14:hiddenLine xmlns:a14="http://schemas.microsoft.com/office/drawing/2010/main" xmlns="" w="9525">
+                  <a14:hiddenLine xmlns="" xmlns:a14="http://schemas.microsoft.com/office/drawing/2010/main" w="9525">
                     <a:solidFill>
                       <a:srgbClr val="000000"/>
                     </a:solidFill>
@@ -10906,7 +10906,7 @@
               </a:ln>
               <a:extLst>
                 <a:ext uri="{91240B29-F687-4f45-9708-019B960494DF}">
-                  <a14:hiddenLine xmlns:a14="http://schemas.microsoft.com/office/drawing/2010/main" xmlns="" w="9525">
+                  <a14:hiddenLine xmlns="" xmlns:a14="http://schemas.microsoft.com/office/drawing/2010/main" w="9525">
                     <a:solidFill>
                       <a:srgbClr val="000000"/>
                     </a:solidFill>
@@ -10971,7 +10971,7 @@
               </a:ln>
               <a:extLst>
                 <a:ext uri="{91240B29-F687-4f45-9708-019B960494DF}">
-                  <a14:hiddenLine xmlns:a14="http://schemas.microsoft.com/office/drawing/2010/main" xmlns="" w="9525">
+                  <a14:hiddenLine xmlns="" xmlns:a14="http://schemas.microsoft.com/office/drawing/2010/main" w="9525">
                     <a:solidFill>
                       <a:srgbClr val="000000"/>
                     </a:solidFill>
@@ -11091,7 +11091,7 @@
               </a:ln>
               <a:extLst>
                 <a:ext uri="{91240B29-F687-4f45-9708-019B960494DF}">
-                  <a14:hiddenLine xmlns:a14="http://schemas.microsoft.com/office/drawing/2010/main" xmlns="" w="9525">
+                  <a14:hiddenLine xmlns="" xmlns:a14="http://schemas.microsoft.com/office/drawing/2010/main" w="9525">
                     <a:solidFill>
                       <a:srgbClr val="000000"/>
                     </a:solidFill>
@@ -11172,7 +11172,7 @@
               </a:ln>
               <a:extLst>
                 <a:ext uri="{91240B29-F687-4f45-9708-019B960494DF}">
-                  <a14:hiddenLine xmlns:a14="http://schemas.microsoft.com/office/drawing/2010/main" xmlns="" w="9525">
+                  <a14:hiddenLine xmlns="" xmlns:a14="http://schemas.microsoft.com/office/drawing/2010/main" w="9525">
                     <a:solidFill>
                       <a:srgbClr val="000000"/>
                     </a:solidFill>
@@ -11287,7 +11287,7 @@
               </a:ln>
               <a:extLst>
                 <a:ext uri="{91240B29-F687-4f45-9708-019B960494DF}">
-                  <a14:hiddenLine xmlns:a14="http://schemas.microsoft.com/office/drawing/2010/main" xmlns="" w="9525">
+                  <a14:hiddenLine xmlns="" xmlns:a14="http://schemas.microsoft.com/office/drawing/2010/main" w="9525">
                     <a:solidFill>
                       <a:srgbClr val="000000"/>
                     </a:solidFill>
@@ -11377,7 +11377,7 @@
               </a:ln>
               <a:extLst>
                 <a:ext uri="{91240B29-F687-4f45-9708-019B960494DF}">
-                  <a14:hiddenLine xmlns:a14="http://schemas.microsoft.com/office/drawing/2010/main" xmlns="" w="9525">
+                  <a14:hiddenLine xmlns="" xmlns:a14="http://schemas.microsoft.com/office/drawing/2010/main" w="9525">
                     <a:solidFill>
                       <a:srgbClr val="000000"/>
                     </a:solidFill>
@@ -11442,7 +11442,7 @@
               </a:ln>
               <a:extLst>
                 <a:ext uri="{91240B29-F687-4f45-9708-019B960494DF}">
-                  <a14:hiddenLine xmlns:a14="http://schemas.microsoft.com/office/drawing/2010/main" xmlns="" w="9525">
+                  <a14:hiddenLine xmlns="" xmlns:a14="http://schemas.microsoft.com/office/drawing/2010/main" w="9525">
                     <a:solidFill>
                       <a:srgbClr val="000000"/>
                     </a:solidFill>
@@ -11532,7 +11532,7 @@
               </a:ln>
               <a:extLst>
                 <a:ext uri="{91240B29-F687-4f45-9708-019B960494DF}">
-                  <a14:hiddenLine xmlns:a14="http://schemas.microsoft.com/office/drawing/2010/main" xmlns="" w="9525">
+                  <a14:hiddenLine xmlns="" xmlns:a14="http://schemas.microsoft.com/office/drawing/2010/main" w="9525">
                     <a:solidFill>
                       <a:srgbClr val="000000"/>
                     </a:solidFill>
@@ -11600,7 +11600,7 @@
               </a:ln>
               <a:extLst>
                 <a:ext uri="{91240B29-F687-4f45-9708-019B960494DF}">
-                  <a14:hiddenLine xmlns:a14="http://schemas.microsoft.com/office/drawing/2010/main" xmlns="" w="9525">
+                  <a14:hiddenLine xmlns="" xmlns:a14="http://schemas.microsoft.com/office/drawing/2010/main" w="9525">
                     <a:solidFill>
                       <a:srgbClr val="000000"/>
                     </a:solidFill>
@@ -11690,7 +11690,7 @@
               </a:ln>
               <a:extLst>
                 <a:ext uri="{91240B29-F687-4f45-9708-019B960494DF}">
-                  <a14:hiddenLine xmlns:a14="http://schemas.microsoft.com/office/drawing/2010/main" xmlns="" w="9525">
+                  <a14:hiddenLine xmlns="" xmlns:a14="http://schemas.microsoft.com/office/drawing/2010/main" w="9525">
                     <a:solidFill>
                       <a:srgbClr val="000000"/>
                     </a:solidFill>
@@ -11758,7 +11758,7 @@
               </a:ln>
               <a:extLst>
                 <a:ext uri="{91240B29-F687-4f45-9708-019B960494DF}">
-                  <a14:hiddenLine xmlns:a14="http://schemas.microsoft.com/office/drawing/2010/main" xmlns="" w="9525">
+                  <a14:hiddenLine xmlns="" xmlns:a14="http://schemas.microsoft.com/office/drawing/2010/main" w="9525">
                     <a:solidFill>
                       <a:srgbClr val="000000"/>
                     </a:solidFill>
@@ -11848,7 +11848,7 @@
               </a:ln>
               <a:extLst>
                 <a:ext uri="{91240B29-F687-4f45-9708-019B960494DF}">
-                  <a14:hiddenLine xmlns:a14="http://schemas.microsoft.com/office/drawing/2010/main" xmlns="" w="9525">
+                  <a14:hiddenLine xmlns="" xmlns:a14="http://schemas.microsoft.com/office/drawing/2010/main" w="9525">
                     <a:solidFill>
                       <a:srgbClr val="000000"/>
                     </a:solidFill>
@@ -11882,7 +11882,7 @@
               </a:ln>
               <a:extLst>
                 <a:ext uri="{91240B29-F687-4f45-9708-019B960494DF}">
-                  <a14:hiddenLine xmlns:a14="http://schemas.microsoft.com/office/drawing/2010/main" xmlns="" w="9525">
+                  <a14:hiddenLine xmlns="" xmlns:a14="http://schemas.microsoft.com/office/drawing/2010/main" w="9525">
                     <a:solidFill>
                       <a:srgbClr val="000000"/>
                     </a:solidFill>
@@ -13401,7 +13401,15 @@
           <a:p>
             <a:r>
               <a:rPr lang="en-US" dirty="0"/>
-              <a:t>Mixture of categorical and numerical variables</a:t>
+              <a:t>Mixture of categorical and numerical variables ( </a:t>
+            </a:r>
+            <a:r>
+              <a:rPr lang="en-US" dirty="0" err="1"/>
+              <a:t>charactertics</a:t>
+            </a:r>
+            <a:r>
+              <a:rPr lang="en-US" dirty="0"/>
+              <a:t> </a:t>
             </a:r>
           </a:p>
           <a:p>
@@ -13608,7 +13616,15 @@
           <a:p>
             <a:r>
               <a:rPr lang="en-US" dirty="0"/>
-              <a:t>Exclude correlated independent variables at 0.75 cutoff (33)</a:t>
+              <a:t>Exclude </a:t>
+            </a:r>
+            <a:r>
+              <a:rPr lang="en-US"/>
+              <a:t>correlated predictors at </a:t>
+            </a:r>
+            <a:r>
+              <a:rPr lang="en-US" dirty="0"/>
+              <a:t>0.75 cutoff (33)</a:t>
             </a:r>
           </a:p>
           <a:p>

--- a/Caravan.pptx
+++ b/Caravan.pptx
@@ -10,12 +10,13 @@
     <p:sldId id="259" r:id="rId4"/>
     <p:sldId id="263" r:id="rId5"/>
     <p:sldId id="262" r:id="rId6"/>
-    <p:sldId id="269" r:id="rId7"/>
-    <p:sldId id="264" r:id="rId8"/>
-    <p:sldId id="265" r:id="rId9"/>
-    <p:sldId id="266" r:id="rId10"/>
-    <p:sldId id="267" r:id="rId11"/>
-    <p:sldId id="268" r:id="rId12"/>
+    <p:sldId id="270" r:id="rId7"/>
+    <p:sldId id="269" r:id="rId8"/>
+    <p:sldId id="264" r:id="rId9"/>
+    <p:sldId id="265" r:id="rId10"/>
+    <p:sldId id="266" r:id="rId11"/>
+    <p:sldId id="267" r:id="rId12"/>
+    <p:sldId id="268" r:id="rId13"/>
   </p:sldIdLst>
   <p:sldSz cx="12192000" cy="6858000"/>
   <p:notesSz cx="6858000" cy="9144000"/>
@@ -12548,6 +12549,136 @@
           <p:cNvPr id="2" name="Title 1">
             <a:extLst>
               <a:ext uri="{FF2B5EF4-FFF2-40B4-BE49-F238E27FC236}">
+                <a16:creationId xmlns:a16="http://schemas.microsoft.com/office/drawing/2014/main" id="{974465E6-146E-2ABB-9F8B-6E74DD02E3E7}"/>
+              </a:ext>
+            </a:extLst>
+          </p:cNvPr>
+          <p:cNvSpPr>
+            <a:spLocks noGrp="1"/>
+          </p:cNvSpPr>
+          <p:nvPr>
+            <p:ph type="title"/>
+          </p:nvPr>
+        </p:nvSpPr>
+        <p:spPr/>
+        <p:txBody>
+          <a:bodyPr/>
+          <a:lstStyle/>
+          <a:p>
+            <a:r>
+              <a:rPr lang="en-US" dirty="0"/>
+              <a:t>Model 2</a:t>
+            </a:r>
+          </a:p>
+        </p:txBody>
+      </p:sp>
+      <p:sp>
+        <p:nvSpPr>
+          <p:cNvPr id="3" name="Content Placeholder 2">
+            <a:extLst>
+              <a:ext uri="{FF2B5EF4-FFF2-40B4-BE49-F238E27FC236}">
+                <a16:creationId xmlns:a16="http://schemas.microsoft.com/office/drawing/2014/main" id="{503B1EF0-E2A9-23B9-16C4-0984DA0F6BC1}"/>
+              </a:ext>
+            </a:extLst>
+          </p:cNvPr>
+          <p:cNvSpPr>
+            <a:spLocks noGrp="1"/>
+          </p:cNvSpPr>
+          <p:nvPr>
+            <p:ph idx="1"/>
+          </p:nvPr>
+        </p:nvSpPr>
+        <p:spPr/>
+        <p:txBody>
+          <a:bodyPr>
+            <a:normAutofit fontScale="92500" lnSpcReduction="10000"/>
+          </a:bodyPr>
+          <a:lstStyle/>
+          <a:p>
+            <a:r>
+              <a:rPr lang="en-US" dirty="0"/>
+              <a:t>Max and Min correlation 1 and -0.99</a:t>
+            </a:r>
+          </a:p>
+          <a:p>
+            <a:r>
+              <a:rPr lang="en-US" dirty="0"/>
+              <a:t>Exclude correlated predictors at 0.75 cutoff (33)</a:t>
+            </a:r>
+          </a:p>
+          <a:p>
+            <a:r>
+              <a:rPr lang="en-US" dirty="0"/>
+              <a:t>Exclude variables included in model 1.</a:t>
+            </a:r>
+          </a:p>
+          <a:p>
+            <a:r>
+              <a:rPr lang="en-US" dirty="0"/>
+              <a:t>Assessing correlation with response variable.</a:t>
+            </a:r>
+          </a:p>
+          <a:p>
+            <a:r>
+              <a:rPr lang="en-US" dirty="0"/>
+              <a:t>Perform GLM on 53 variables</a:t>
+            </a:r>
+          </a:p>
+          <a:p>
+            <a:r>
+              <a:rPr lang="en-US" dirty="0"/>
+              <a:t>Perform forward stepwise on GLM model. Why not backwards?</a:t>
+            </a:r>
+          </a:p>
+          <a:p>
+            <a:r>
+              <a:rPr lang="en-US" dirty="0"/>
+              <a:t>Accuracy 60% Sensitivity 43% Specificity 60%</a:t>
+            </a:r>
+          </a:p>
+          <a:p>
+            <a:pPr marL="0" indent="0">
+              <a:buNone/>
+            </a:pPr>
+            <a:endParaRPr lang="en-US" dirty="0"/>
+          </a:p>
+        </p:txBody>
+      </p:sp>
+    </p:spTree>
+    <p:extLst>
+      <p:ext uri="{BB962C8B-B14F-4D97-AF65-F5344CB8AC3E}">
+        <p14:creationId xmlns:p14="http://schemas.microsoft.com/office/powerpoint/2010/main" val="2347304196"/>
+      </p:ext>
+    </p:extLst>
+  </p:cSld>
+  <p:clrMapOvr>
+    <a:masterClrMapping/>
+  </p:clrMapOvr>
+</p:sld>
+</file>
+
+<file path=ppt/slides/slide11.xml><?xml version="1.0" encoding="utf-8"?>
+<p:sld xmlns:a="http://schemas.openxmlformats.org/drawingml/2006/main" xmlns:r="http://schemas.openxmlformats.org/officeDocument/2006/relationships" xmlns:p="http://schemas.openxmlformats.org/presentationml/2006/main">
+  <p:cSld>
+    <p:spTree>
+      <p:nvGrpSpPr>
+        <p:cNvPr id="1" name=""/>
+        <p:cNvGrpSpPr/>
+        <p:nvPr/>
+      </p:nvGrpSpPr>
+      <p:grpSpPr>
+        <a:xfrm>
+          <a:off x="0" y="0"/>
+          <a:ext cx="0" cy="0"/>
+          <a:chOff x="0" y="0"/>
+          <a:chExt cx="0" cy="0"/>
+        </a:xfrm>
+      </p:grpSpPr>
+      <p:sp>
+        <p:nvSpPr>
+          <p:cNvPr id="2" name="Title 1">
+            <a:extLst>
+              <a:ext uri="{FF2B5EF4-FFF2-40B4-BE49-F238E27FC236}">
                 <a16:creationId xmlns:a16="http://schemas.microsoft.com/office/drawing/2014/main" id="{80651573-152D-CA44-50EA-E138C8520DA8}"/>
               </a:ext>
             </a:extLst>
@@ -12624,7 +12755,7 @@
 </p:sld>
 </file>
 
-<file path=ppt/slides/slide11.xml><?xml version="1.0" encoding="utf-8"?>
+<file path=ppt/slides/slide12.xml><?xml version="1.0" encoding="utf-8"?>
 <p:sld xmlns:a="http://schemas.openxmlformats.org/drawingml/2006/main" xmlns:r="http://schemas.openxmlformats.org/officeDocument/2006/relationships" xmlns:p="http://schemas.openxmlformats.org/presentationml/2006/main">
   <p:cSld>
     <p:spTree>
@@ -12663,10 +12794,9 @@
           <a:lstStyle/>
           <a:p>
             <a:r>
-              <a:rPr lang="en-US" dirty="0" err="1"/>
-              <a:t>Recomendations</a:t>
-            </a:r>
-            <a:endParaRPr lang="en-US" dirty="0"/>
+              <a:rPr lang="en-US" dirty="0"/>
+              <a:t>Recommendations</a:t>
+            </a:r>
           </a:p>
         </p:txBody>
       </p:sp>
@@ -13244,6 +13374,112 @@
           <p:cNvPr id="2" name="Title 1">
             <a:extLst>
               <a:ext uri="{FF2B5EF4-FFF2-40B4-BE49-F238E27FC236}">
+                <a16:creationId xmlns:a16="http://schemas.microsoft.com/office/drawing/2014/main" id="{0E954F0B-5C2C-36C3-7D84-E561FE41057D}"/>
+              </a:ext>
+            </a:extLst>
+          </p:cNvPr>
+          <p:cNvSpPr>
+            <a:spLocks noGrp="1"/>
+          </p:cNvSpPr>
+          <p:nvPr>
+            <p:ph type="title"/>
+          </p:nvPr>
+        </p:nvSpPr>
+        <p:spPr/>
+        <p:txBody>
+          <a:bodyPr/>
+          <a:lstStyle/>
+          <a:p>
+            <a:r>
+              <a:rPr lang="en-US" dirty="0"/>
+              <a:t>over coming challenges</a:t>
+            </a:r>
+          </a:p>
+        </p:txBody>
+      </p:sp>
+      <p:sp>
+        <p:nvSpPr>
+          <p:cNvPr id="3" name="Content Placeholder 2">
+            <a:extLst>
+              <a:ext uri="{FF2B5EF4-FFF2-40B4-BE49-F238E27FC236}">
+                <a16:creationId xmlns:a16="http://schemas.microsoft.com/office/drawing/2014/main" id="{8BE3B133-D378-A818-8F95-B769D6429649}"/>
+              </a:ext>
+            </a:extLst>
+          </p:cNvPr>
+          <p:cNvSpPr>
+            <a:spLocks noGrp="1"/>
+          </p:cNvSpPr>
+          <p:nvPr>
+            <p:ph idx="1"/>
+          </p:nvPr>
+        </p:nvSpPr>
+        <p:spPr/>
+        <p:txBody>
+          <a:bodyPr/>
+          <a:lstStyle/>
+          <a:p>
+            <a:r>
+              <a:rPr lang="en-US" dirty="0"/>
+              <a:t>Selecting variables that matter (Why </a:t>
+            </a:r>
+            <a:r>
+              <a:rPr lang="en-US"/>
+              <a:t>dimension reduction &amp; not PCA?)</a:t>
+            </a:r>
+            <a:endParaRPr lang="en-US" dirty="0"/>
+          </a:p>
+          <a:p>
+            <a:r>
+              <a:rPr lang="en-US" dirty="0"/>
+              <a:t>Partitioning data using ROSE library to resolve unbalanced distribution of data</a:t>
+            </a:r>
+          </a:p>
+          <a:p>
+            <a:endParaRPr lang="en-US" dirty="0"/>
+          </a:p>
+          <a:p>
+            <a:endParaRPr lang="en-US" dirty="0"/>
+          </a:p>
+          <a:p>
+            <a:endParaRPr lang="en-US" dirty="0"/>
+          </a:p>
+        </p:txBody>
+      </p:sp>
+    </p:spTree>
+    <p:extLst>
+      <p:ext uri="{BB962C8B-B14F-4D97-AF65-F5344CB8AC3E}">
+        <p14:creationId xmlns:p14="http://schemas.microsoft.com/office/powerpoint/2010/main" val="2915125662"/>
+      </p:ext>
+    </p:extLst>
+  </p:cSld>
+  <p:clrMapOvr>
+    <a:masterClrMapping/>
+  </p:clrMapOvr>
+</p:sld>
+</file>
+
+<file path=ppt/slides/slide7.xml><?xml version="1.0" encoding="utf-8"?>
+<p:sld xmlns:a="http://schemas.openxmlformats.org/drawingml/2006/main" xmlns:r="http://schemas.openxmlformats.org/officeDocument/2006/relationships" xmlns:p="http://schemas.openxmlformats.org/presentationml/2006/main">
+  <p:cSld>
+    <p:spTree>
+      <p:nvGrpSpPr>
+        <p:cNvPr id="1" name=""/>
+        <p:cNvGrpSpPr/>
+        <p:nvPr/>
+      </p:nvGrpSpPr>
+      <p:grpSpPr>
+        <a:xfrm>
+          <a:off x="0" y="0"/>
+          <a:ext cx="0" cy="0"/>
+          <a:chOff x="0" y="0"/>
+          <a:chExt cx="0" cy="0"/>
+        </a:xfrm>
+      </p:grpSpPr>
+      <p:sp>
+        <p:nvSpPr>
+          <p:cNvPr id="2" name="Title 1">
+            <a:extLst>
+              <a:ext uri="{FF2B5EF4-FFF2-40B4-BE49-F238E27FC236}">
                 <a16:creationId xmlns:a16="http://schemas.microsoft.com/office/drawing/2014/main" id="{A6BC269E-3A83-2FA9-430B-C8BEDB5ED1FD}"/>
               </a:ext>
             </a:extLst>
@@ -13261,10 +13497,9 @@
           <a:lstStyle/>
           <a:p>
             <a:r>
-              <a:rPr lang="en-US" dirty="0" err="1"/>
-              <a:t>Charactertics</a:t>
-            </a:r>
-            <a:endParaRPr lang="en-US" dirty="0"/>
+              <a:rPr lang="en-US" dirty="0"/>
+              <a:t>Initial exploration</a:t>
+            </a:r>
           </a:p>
         </p:txBody>
       </p:sp>
@@ -13286,37 +13521,74 @@
         </p:nvSpPr>
         <p:spPr/>
         <p:txBody>
-          <a:bodyPr/>
+          <a:bodyPr>
+            <a:normAutofit lnSpcReduction="10000"/>
+          </a:bodyPr>
           <a:lstStyle/>
           <a:p>
             <a:r>
               <a:rPr lang="en-US" dirty="0"/>
-              <a:t> Customer having 3 house hold</a:t>
-            </a:r>
-          </a:p>
-          <a:p>
+              <a:t>Division of data based on customer main type and customer sub-type(pivot table)</a:t>
+            </a:r>
+          </a:p>
+          <a:p>
+            <a:r>
+              <a:rPr lang="en-US" dirty="0"/>
+              <a:t>Following are the initial observations we made:</a:t>
+            </a:r>
+          </a:p>
+          <a:p>
+            <a:pPr lvl="1">
+              <a:buFont typeface="Courier New" panose="02070309020205020404" pitchFamily="49" charset="0"/>
+              <a:buChar char="o"/>
+            </a:pPr>
+            <a:r>
+              <a:rPr lang="en-US" dirty="0"/>
+              <a:t>Age of customer is between 40 to 50</a:t>
+            </a:r>
+          </a:p>
+          <a:p>
+            <a:pPr lvl="1">
+              <a:buFont typeface="Courier New" panose="02070309020205020404" pitchFamily="49" charset="0"/>
+              <a:buChar char="o"/>
+            </a:pPr>
+            <a:r>
+              <a:rPr lang="en-US" dirty="0"/>
+              <a:t> Customer are Driven Growers [Main customer type]</a:t>
+            </a:r>
+          </a:p>
+          <a:p>
+            <a:pPr lvl="1">
+              <a:buFont typeface="Courier New" panose="02070309020205020404" pitchFamily="49" charset="0"/>
+              <a:buChar char="o"/>
+            </a:pPr>
+            <a:r>
+              <a:rPr lang="en-US" dirty="0"/>
+              <a:t> Customer belongs to Lower class large families</a:t>
+            </a:r>
+          </a:p>
+          <a:p>
+            <a:pPr lvl="1">
+              <a:buFont typeface="Courier New" panose="02070309020205020404" pitchFamily="49" charset="0"/>
+              <a:buChar char="o"/>
+            </a:pPr>
+            <a:r>
+              <a:rPr lang="en-US" dirty="0"/>
+              <a:t>Customer having 3 household</a:t>
+            </a:r>
+          </a:p>
+          <a:p>
+            <a:pPr lvl="1">
+              <a:buFont typeface="Courier New" panose="02070309020205020404" pitchFamily="49" charset="0"/>
+              <a:buChar char="o"/>
+            </a:pPr>
             <a:r>
               <a:rPr lang="en-US" dirty="0"/>
               <a:t> Customer have one house</a:t>
             </a:r>
           </a:p>
           <a:p>
-            <a:r>
-              <a:rPr lang="en-US" dirty="0"/>
-              <a:t> Age of customer is between 40 to 50</a:t>
-            </a:r>
-          </a:p>
-          <a:p>
-            <a:r>
-              <a:rPr lang="en-US" dirty="0"/>
-              <a:t> Customer are Driven Growers</a:t>
-            </a:r>
-          </a:p>
-          <a:p>
-            <a:r>
-              <a:rPr lang="en-US" dirty="0"/>
-              <a:t> Customer belongs to Lower class large families</a:t>
-            </a:r>
+            <a:endParaRPr lang="en-US" dirty="0"/>
           </a:p>
         </p:txBody>
       </p:sp>
@@ -13333,7 +13605,7 @@
 </p:sld>
 </file>
 
-<file path=ppt/slides/slide7.xml><?xml version="1.0" encoding="utf-8"?>
+<file path=ppt/slides/slide8.xml><?xml version="1.0" encoding="utf-8"?>
 <p:sld xmlns:a="http://schemas.openxmlformats.org/drawingml/2006/main" xmlns:r="http://schemas.openxmlformats.org/officeDocument/2006/relationships" xmlns:p="http://schemas.openxmlformats.org/presentationml/2006/main">
   <p:cSld>
     <p:spTree>
@@ -13439,7 +13711,7 @@
 </p:sld>
 </file>
 
-<file path=ppt/slides/slide8.xml><?xml version="1.0" encoding="utf-8"?>
+<file path=ppt/slides/slide9.xml><?xml version="1.0" encoding="utf-8"?>
 <p:sld xmlns:a="http://schemas.openxmlformats.org/drawingml/2006/main" xmlns:r="http://schemas.openxmlformats.org/officeDocument/2006/relationships" xmlns:p="http://schemas.openxmlformats.org/presentationml/2006/main">
   <p:cSld>
     <p:spTree>
@@ -13531,144 +13803,6 @@
     <p:extLst>
       <p:ext uri="{BB962C8B-B14F-4D97-AF65-F5344CB8AC3E}">
         <p14:creationId xmlns:p14="http://schemas.microsoft.com/office/powerpoint/2010/main" val="1804224986"/>
-      </p:ext>
-    </p:extLst>
-  </p:cSld>
-  <p:clrMapOvr>
-    <a:masterClrMapping/>
-  </p:clrMapOvr>
-</p:sld>
-</file>
-
-<file path=ppt/slides/slide9.xml><?xml version="1.0" encoding="utf-8"?>
-<p:sld xmlns:a="http://schemas.openxmlformats.org/drawingml/2006/main" xmlns:r="http://schemas.openxmlformats.org/officeDocument/2006/relationships" xmlns:p="http://schemas.openxmlformats.org/presentationml/2006/main">
-  <p:cSld>
-    <p:spTree>
-      <p:nvGrpSpPr>
-        <p:cNvPr id="1" name=""/>
-        <p:cNvGrpSpPr/>
-        <p:nvPr/>
-      </p:nvGrpSpPr>
-      <p:grpSpPr>
-        <a:xfrm>
-          <a:off x="0" y="0"/>
-          <a:ext cx="0" cy="0"/>
-          <a:chOff x="0" y="0"/>
-          <a:chExt cx="0" cy="0"/>
-        </a:xfrm>
-      </p:grpSpPr>
-      <p:sp>
-        <p:nvSpPr>
-          <p:cNvPr id="2" name="Title 1">
-            <a:extLst>
-              <a:ext uri="{FF2B5EF4-FFF2-40B4-BE49-F238E27FC236}">
-                <a16:creationId xmlns:a16="http://schemas.microsoft.com/office/drawing/2014/main" id="{974465E6-146E-2ABB-9F8B-6E74DD02E3E7}"/>
-              </a:ext>
-            </a:extLst>
-          </p:cNvPr>
-          <p:cNvSpPr>
-            <a:spLocks noGrp="1"/>
-          </p:cNvSpPr>
-          <p:nvPr>
-            <p:ph type="title"/>
-          </p:nvPr>
-        </p:nvSpPr>
-        <p:spPr/>
-        <p:txBody>
-          <a:bodyPr/>
-          <a:lstStyle/>
-          <a:p>
-            <a:r>
-              <a:rPr lang="en-US" dirty="0"/>
-              <a:t>Model 2</a:t>
-            </a:r>
-          </a:p>
-        </p:txBody>
-      </p:sp>
-      <p:sp>
-        <p:nvSpPr>
-          <p:cNvPr id="3" name="Content Placeholder 2">
-            <a:extLst>
-              <a:ext uri="{FF2B5EF4-FFF2-40B4-BE49-F238E27FC236}">
-                <a16:creationId xmlns:a16="http://schemas.microsoft.com/office/drawing/2014/main" id="{503B1EF0-E2A9-23B9-16C4-0984DA0F6BC1}"/>
-              </a:ext>
-            </a:extLst>
-          </p:cNvPr>
-          <p:cNvSpPr>
-            <a:spLocks noGrp="1"/>
-          </p:cNvSpPr>
-          <p:nvPr>
-            <p:ph idx="1"/>
-          </p:nvPr>
-        </p:nvSpPr>
-        <p:spPr/>
-        <p:txBody>
-          <a:bodyPr>
-            <a:normAutofit fontScale="92500" lnSpcReduction="10000"/>
-          </a:bodyPr>
-          <a:lstStyle/>
-          <a:p>
-            <a:r>
-              <a:rPr lang="en-US" dirty="0"/>
-              <a:t>Max and Min correlation 1 and -0.99</a:t>
-            </a:r>
-          </a:p>
-          <a:p>
-            <a:r>
-              <a:rPr lang="en-US" dirty="0"/>
-              <a:t>Exclude </a:t>
-            </a:r>
-            <a:r>
-              <a:rPr lang="en-US"/>
-              <a:t>correlated predictors at </a:t>
-            </a:r>
-            <a:r>
-              <a:rPr lang="en-US" dirty="0"/>
-              <a:t>0.75 cutoff (33)</a:t>
-            </a:r>
-          </a:p>
-          <a:p>
-            <a:r>
-              <a:rPr lang="en-US" dirty="0"/>
-              <a:t>Exclude variables included in model 1.</a:t>
-            </a:r>
-          </a:p>
-          <a:p>
-            <a:r>
-              <a:rPr lang="en-US" dirty="0"/>
-              <a:t>Assessing correlation with response variable.</a:t>
-            </a:r>
-          </a:p>
-          <a:p>
-            <a:r>
-              <a:rPr lang="en-US" dirty="0"/>
-              <a:t>Perform GLM on 53 variables</a:t>
-            </a:r>
-          </a:p>
-          <a:p>
-            <a:r>
-              <a:rPr lang="en-US" dirty="0"/>
-              <a:t>Perform forward stepwise on GLM model. Why not backwards?</a:t>
-            </a:r>
-          </a:p>
-          <a:p>
-            <a:r>
-              <a:rPr lang="en-US" dirty="0"/>
-              <a:t>Accuracy 60% Sensitivity 43% Specificity 60%</a:t>
-            </a:r>
-          </a:p>
-          <a:p>
-            <a:pPr marL="0" indent="0">
-              <a:buNone/>
-            </a:pPr>
-            <a:endParaRPr lang="en-US" dirty="0"/>
-          </a:p>
-        </p:txBody>
-      </p:sp>
-    </p:spTree>
-    <p:extLst>
-      <p:ext uri="{BB962C8B-B14F-4D97-AF65-F5344CB8AC3E}">
-        <p14:creationId xmlns:p14="http://schemas.microsoft.com/office/powerpoint/2010/main" val="2347304196"/>
       </p:ext>
     </p:extLst>
   </p:cSld>

--- a/Caravan.pptx
+++ b/Caravan.pptx
@@ -16,7 +16,8 @@
     <p:sldId id="265" r:id="rId10"/>
     <p:sldId id="266" r:id="rId11"/>
     <p:sldId id="267" r:id="rId12"/>
-    <p:sldId id="268" r:id="rId13"/>
+    <p:sldId id="271" r:id="rId13"/>
+    <p:sldId id="268" r:id="rId14"/>
   </p:sldIdLst>
   <p:sldSz cx="12192000" cy="6858000"/>
   <p:notesSz cx="6858000" cy="9144000"/>
@@ -180,7 +181,7 @@
           <a:noFill/>
           <a:extLst>
             <a:ext uri="{909E8E84-426E-40dd-AFC4-6F175D3DCCD1}">
-              <a14:hiddenFill xmlns="" xmlns:a14="http://schemas.microsoft.com/office/drawing/2010/main">
+              <a14:hiddenFill xmlns:a14="http://schemas.microsoft.com/office/drawing/2010/main" xmlns="">
                 <a:solidFill>
                   <a:srgbClr val="FFFFFF"/>
                 </a:solidFill>
@@ -239,7 +240,7 @@
             </a:ln>
             <a:extLst>
               <a:ext uri="{91240B29-F687-4f45-9708-019B960494DF}">
-                <a14:hiddenLine xmlns="" xmlns:a14="http://schemas.microsoft.com/office/drawing/2010/main" w="9525">
+                <a14:hiddenLine xmlns:a14="http://schemas.microsoft.com/office/drawing/2010/main" xmlns="" w="9525">
                   <a:solidFill>
                     <a:srgbClr val="000000"/>
                   </a:solidFill>
@@ -329,7 +330,7 @@
             </a:ln>
             <a:extLst>
               <a:ext uri="{91240B29-F687-4f45-9708-019B960494DF}">
-                <a14:hiddenLine xmlns="" xmlns:a14="http://schemas.microsoft.com/office/drawing/2010/main" w="9525">
+                <a14:hiddenLine xmlns:a14="http://schemas.microsoft.com/office/drawing/2010/main" xmlns="" w="9525">
                   <a:solidFill>
                     <a:srgbClr val="000000"/>
                   </a:solidFill>
@@ -419,7 +420,7 @@
             </a:ln>
             <a:extLst>
               <a:ext uri="{91240B29-F687-4f45-9708-019B960494DF}">
-                <a14:hiddenLine xmlns="" xmlns:a14="http://schemas.microsoft.com/office/drawing/2010/main" w="9525">
+                <a14:hiddenLine xmlns:a14="http://schemas.microsoft.com/office/drawing/2010/main" xmlns="" w="9525">
                   <a:solidFill>
                     <a:srgbClr val="000000"/>
                   </a:solidFill>
@@ -453,7 +454,7 @@
             </a:ln>
             <a:extLst>
               <a:ext uri="{91240B29-F687-4f45-9708-019B960494DF}">
-                <a14:hiddenLine xmlns="" xmlns:a14="http://schemas.microsoft.com/office/drawing/2010/main" w="9525">
+                <a14:hiddenLine xmlns:a14="http://schemas.microsoft.com/office/drawing/2010/main" xmlns="" w="9525">
                   <a:solidFill>
                     <a:srgbClr val="000000"/>
                   </a:solidFill>
@@ -543,7 +544,7 @@
             </a:ln>
             <a:extLst>
               <a:ext uri="{91240B29-F687-4f45-9708-019B960494DF}">
-                <a14:hiddenLine xmlns="" xmlns:a14="http://schemas.microsoft.com/office/drawing/2010/main" w="9525">
+                <a14:hiddenLine xmlns:a14="http://schemas.microsoft.com/office/drawing/2010/main" xmlns="" w="9525">
                   <a:solidFill>
                     <a:srgbClr val="000000"/>
                   </a:solidFill>
@@ -605,7 +606,7 @@
             </a:ln>
             <a:extLst>
               <a:ext uri="{91240B29-F687-4f45-9708-019B960494DF}">
-                <a14:hiddenLine xmlns="" xmlns:a14="http://schemas.microsoft.com/office/drawing/2010/main" w="9525">
+                <a14:hiddenLine xmlns:a14="http://schemas.microsoft.com/office/drawing/2010/main" xmlns="" w="9525">
                   <a:solidFill>
                     <a:srgbClr val="000000"/>
                   </a:solidFill>
@@ -667,7 +668,7 @@
             </a:ln>
             <a:extLst>
               <a:ext uri="{91240B29-F687-4f45-9708-019B960494DF}">
-                <a14:hiddenLine xmlns="" xmlns:a14="http://schemas.microsoft.com/office/drawing/2010/main" w="9525">
+                <a14:hiddenLine xmlns:a14="http://schemas.microsoft.com/office/drawing/2010/main" xmlns="" w="9525">
                   <a:solidFill>
                     <a:srgbClr val="000000"/>
                   </a:solidFill>
@@ -757,7 +758,7 @@
             </a:ln>
             <a:extLst>
               <a:ext uri="{91240B29-F687-4f45-9708-019B960494DF}">
-                <a14:hiddenLine xmlns="" xmlns:a14="http://schemas.microsoft.com/office/drawing/2010/main" w="9525">
+                <a14:hiddenLine xmlns:a14="http://schemas.microsoft.com/office/drawing/2010/main" xmlns="" w="9525">
                   <a:solidFill>
                     <a:srgbClr val="000000"/>
                   </a:solidFill>
@@ -819,7 +820,7 @@
             </a:ln>
             <a:extLst>
               <a:ext uri="{91240B29-F687-4f45-9708-019B960494DF}">
-                <a14:hiddenLine xmlns="" xmlns:a14="http://schemas.microsoft.com/office/drawing/2010/main" w="9525">
+                <a14:hiddenLine xmlns:a14="http://schemas.microsoft.com/office/drawing/2010/main" xmlns="" w="9525">
                   <a:solidFill>
                     <a:srgbClr val="000000"/>
                   </a:solidFill>
@@ -881,7 +882,7 @@
             </a:ln>
             <a:extLst>
               <a:ext uri="{91240B29-F687-4f45-9708-019B960494DF}">
-                <a14:hiddenLine xmlns="" xmlns:a14="http://schemas.microsoft.com/office/drawing/2010/main" w="9525">
+                <a14:hiddenLine xmlns:a14="http://schemas.microsoft.com/office/drawing/2010/main" xmlns="" w="9525">
                   <a:solidFill>
                     <a:srgbClr val="000000"/>
                   </a:solidFill>
@@ -971,7 +972,7 @@
             </a:ln>
             <a:extLst>
               <a:ext uri="{91240B29-F687-4f45-9708-019B960494DF}">
-                <a14:hiddenLine xmlns="" xmlns:a14="http://schemas.microsoft.com/office/drawing/2010/main" w="9525">
+                <a14:hiddenLine xmlns:a14="http://schemas.microsoft.com/office/drawing/2010/main" xmlns="" w="9525">
                   <a:solidFill>
                     <a:srgbClr val="000000"/>
                   </a:solidFill>
@@ -1061,7 +1062,7 @@
             </a:ln>
             <a:extLst>
               <a:ext uri="{91240B29-F687-4f45-9708-019B960494DF}">
-                <a14:hiddenLine xmlns="" xmlns:a14="http://schemas.microsoft.com/office/drawing/2010/main" w="9525">
+                <a14:hiddenLine xmlns:a14="http://schemas.microsoft.com/office/drawing/2010/main" xmlns="" w="9525">
                   <a:solidFill>
                     <a:srgbClr val="000000"/>
                   </a:solidFill>
@@ -1123,7 +1124,7 @@
             </a:ln>
             <a:extLst>
               <a:ext uri="{91240B29-F687-4f45-9708-019B960494DF}">
-                <a14:hiddenLine xmlns="" xmlns:a14="http://schemas.microsoft.com/office/drawing/2010/main" w="9525">
+                <a14:hiddenLine xmlns:a14="http://schemas.microsoft.com/office/drawing/2010/main" xmlns="" w="9525">
                   <a:solidFill>
                     <a:srgbClr val="000000"/>
                   </a:solidFill>
@@ -1233,7 +1234,7 @@
             </a:ln>
             <a:extLst>
               <a:ext uri="{91240B29-F687-4f45-9708-019B960494DF}">
-                <a14:hiddenLine xmlns="" xmlns:a14="http://schemas.microsoft.com/office/drawing/2010/main" w="9525">
+                <a14:hiddenLine xmlns:a14="http://schemas.microsoft.com/office/drawing/2010/main" xmlns="" w="9525">
                   <a:solidFill>
                     <a:srgbClr val="000000"/>
                   </a:solidFill>
@@ -1295,7 +1296,7 @@
             </a:ln>
             <a:extLst>
               <a:ext uri="{91240B29-F687-4f45-9708-019B960494DF}">
-                <a14:hiddenLine xmlns="" xmlns:a14="http://schemas.microsoft.com/office/drawing/2010/main" w="9525">
+                <a14:hiddenLine xmlns:a14="http://schemas.microsoft.com/office/drawing/2010/main" xmlns="" w="9525">
                   <a:solidFill>
                     <a:srgbClr val="000000"/>
                   </a:solidFill>
@@ -1385,7 +1386,7 @@
             </a:ln>
             <a:extLst>
               <a:ext uri="{91240B29-F687-4f45-9708-019B960494DF}">
-                <a14:hiddenLine xmlns="" xmlns:a14="http://schemas.microsoft.com/office/drawing/2010/main" w="9525">
+                <a14:hiddenLine xmlns:a14="http://schemas.microsoft.com/office/drawing/2010/main" xmlns="" w="9525">
                   <a:solidFill>
                     <a:srgbClr val="000000"/>
                   </a:solidFill>
@@ -1475,7 +1476,7 @@
             </a:ln>
             <a:extLst>
               <a:ext uri="{91240B29-F687-4f45-9708-019B960494DF}">
-                <a14:hiddenLine xmlns="" xmlns:a14="http://schemas.microsoft.com/office/drawing/2010/main" w="9525">
+                <a14:hiddenLine xmlns:a14="http://schemas.microsoft.com/office/drawing/2010/main" xmlns="" w="9525">
                   <a:solidFill>
                     <a:srgbClr val="000000"/>
                   </a:solidFill>
@@ -1537,7 +1538,7 @@
             </a:ln>
             <a:extLst>
               <a:ext uri="{91240B29-F687-4f45-9708-019B960494DF}">
-                <a14:hiddenLine xmlns="" xmlns:a14="http://schemas.microsoft.com/office/drawing/2010/main" w="9525">
+                <a14:hiddenLine xmlns:a14="http://schemas.microsoft.com/office/drawing/2010/main" xmlns="" w="9525">
                   <a:solidFill>
                     <a:srgbClr val="000000"/>
                   </a:solidFill>
@@ -1627,7 +1628,7 @@
             </a:ln>
             <a:extLst>
               <a:ext uri="{91240B29-F687-4f45-9708-019B960494DF}">
-                <a14:hiddenLine xmlns="" xmlns:a14="http://schemas.microsoft.com/office/drawing/2010/main" w="9525">
+                <a14:hiddenLine xmlns:a14="http://schemas.microsoft.com/office/drawing/2010/main" xmlns="" w="9525">
                   <a:solidFill>
                     <a:srgbClr val="000000"/>
                   </a:solidFill>
@@ -1717,7 +1718,7 @@
             </a:ln>
             <a:extLst>
               <a:ext uri="{91240B29-F687-4f45-9708-019B960494DF}">
-                <a14:hiddenLine xmlns="" xmlns:a14="http://schemas.microsoft.com/office/drawing/2010/main" w="9525">
+                <a14:hiddenLine xmlns:a14="http://schemas.microsoft.com/office/drawing/2010/main" xmlns="" w="9525">
                   <a:solidFill>
                     <a:srgbClr val="000000"/>
                   </a:solidFill>
@@ -1773,7 +1774,7 @@
             </a:ln>
             <a:extLst>
               <a:ext uri="{91240B29-F687-4f45-9708-019B960494DF}">
-                <a14:hiddenLine xmlns="" xmlns:a14="http://schemas.microsoft.com/office/drawing/2010/main" w="9525">
+                <a14:hiddenLine xmlns:a14="http://schemas.microsoft.com/office/drawing/2010/main" xmlns="" w="9525">
                   <a:solidFill>
                     <a:srgbClr val="000000"/>
                   </a:solidFill>
@@ -1863,7 +1864,7 @@
             </a:ln>
             <a:extLst>
               <a:ext uri="{91240B29-F687-4f45-9708-019B960494DF}">
-                <a14:hiddenLine xmlns="" xmlns:a14="http://schemas.microsoft.com/office/drawing/2010/main" w="9525">
+                <a14:hiddenLine xmlns:a14="http://schemas.microsoft.com/office/drawing/2010/main" xmlns="" w="9525">
                   <a:solidFill>
                     <a:srgbClr val="000000"/>
                   </a:solidFill>
@@ -1919,7 +1920,7 @@
             </a:ln>
             <a:extLst>
               <a:ext uri="{91240B29-F687-4f45-9708-019B960494DF}">
-                <a14:hiddenLine xmlns="" xmlns:a14="http://schemas.microsoft.com/office/drawing/2010/main" w="9525">
+                <a14:hiddenLine xmlns:a14="http://schemas.microsoft.com/office/drawing/2010/main" xmlns="" w="9525">
                   <a:solidFill>
                     <a:srgbClr val="000000"/>
                   </a:solidFill>
@@ -2009,7 +2010,7 @@
             </a:ln>
             <a:extLst>
               <a:ext uri="{91240B29-F687-4f45-9708-019B960494DF}">
-                <a14:hiddenLine xmlns="" xmlns:a14="http://schemas.microsoft.com/office/drawing/2010/main" w="9525">
+                <a14:hiddenLine xmlns:a14="http://schemas.microsoft.com/office/drawing/2010/main" xmlns="" w="9525">
                   <a:solidFill>
                     <a:srgbClr val="000000"/>
                   </a:solidFill>
@@ -2077,7 +2078,7 @@
             </a:ln>
             <a:extLst>
               <a:ext uri="{91240B29-F687-4f45-9708-019B960494DF}">
-                <a14:hiddenLine xmlns="" xmlns:a14="http://schemas.microsoft.com/office/drawing/2010/main" w="9525">
+                <a14:hiddenLine xmlns:a14="http://schemas.microsoft.com/office/drawing/2010/main" xmlns="" w="9525">
                   <a:solidFill>
                     <a:srgbClr val="000000"/>
                   </a:solidFill>
@@ -2167,7 +2168,7 @@
             </a:ln>
             <a:extLst>
               <a:ext uri="{91240B29-F687-4f45-9708-019B960494DF}">
-                <a14:hiddenLine xmlns="" xmlns:a14="http://schemas.microsoft.com/office/drawing/2010/main" w="9525">
+                <a14:hiddenLine xmlns:a14="http://schemas.microsoft.com/office/drawing/2010/main" xmlns="" w="9525">
                   <a:solidFill>
                     <a:srgbClr val="000000"/>
                   </a:solidFill>
@@ -2235,7 +2236,7 @@
             </a:ln>
             <a:extLst>
               <a:ext uri="{91240B29-F687-4f45-9708-019B960494DF}">
-                <a14:hiddenLine xmlns="" xmlns:a14="http://schemas.microsoft.com/office/drawing/2010/main" w="9525">
+                <a14:hiddenLine xmlns:a14="http://schemas.microsoft.com/office/drawing/2010/main" xmlns="" w="9525">
                   <a:solidFill>
                     <a:srgbClr val="000000"/>
                   </a:solidFill>
@@ -2325,7 +2326,7 @@
             </a:ln>
             <a:extLst>
               <a:ext uri="{91240B29-F687-4f45-9708-019B960494DF}">
-                <a14:hiddenLine xmlns="" xmlns:a14="http://schemas.microsoft.com/office/drawing/2010/main" w="9525">
+                <a14:hiddenLine xmlns:a14="http://schemas.microsoft.com/office/drawing/2010/main" xmlns="" w="9525">
                   <a:solidFill>
                     <a:srgbClr val="000000"/>
                   </a:solidFill>
@@ -2359,7 +2360,7 @@
             </a:ln>
             <a:extLst>
               <a:ext uri="{91240B29-F687-4f45-9708-019B960494DF}">
-                <a14:hiddenLine xmlns="" xmlns:a14="http://schemas.microsoft.com/office/drawing/2010/main" w="9525">
+                <a14:hiddenLine xmlns:a14="http://schemas.microsoft.com/office/drawing/2010/main" xmlns="" w="9525">
                   <a:solidFill>
                     <a:srgbClr val="000000"/>
                   </a:solidFill>
@@ -2449,7 +2450,7 @@
             </a:ln>
             <a:extLst>
               <a:ext uri="{91240B29-F687-4f45-9708-019B960494DF}">
-                <a14:hiddenLine xmlns="" xmlns:a14="http://schemas.microsoft.com/office/drawing/2010/main" w="9525">
+                <a14:hiddenLine xmlns:a14="http://schemas.microsoft.com/office/drawing/2010/main" xmlns="" w="9525">
                   <a:solidFill>
                     <a:srgbClr val="000000"/>
                   </a:solidFill>
@@ -2511,7 +2512,7 @@
             </a:ln>
             <a:extLst>
               <a:ext uri="{91240B29-F687-4f45-9708-019B960494DF}">
-                <a14:hiddenLine xmlns="" xmlns:a14="http://schemas.microsoft.com/office/drawing/2010/main" w="9525">
+                <a14:hiddenLine xmlns:a14="http://schemas.microsoft.com/office/drawing/2010/main" xmlns="" w="9525">
                   <a:solidFill>
                     <a:srgbClr val="000000"/>
                   </a:solidFill>
@@ -2573,7 +2574,7 @@
             </a:ln>
             <a:extLst>
               <a:ext uri="{91240B29-F687-4f45-9708-019B960494DF}">
-                <a14:hiddenLine xmlns="" xmlns:a14="http://schemas.microsoft.com/office/drawing/2010/main" w="9525">
+                <a14:hiddenLine xmlns:a14="http://schemas.microsoft.com/office/drawing/2010/main" xmlns="" w="9525">
                   <a:solidFill>
                     <a:srgbClr val="000000"/>
                   </a:solidFill>
@@ -2663,7 +2664,7 @@
             </a:ln>
             <a:extLst>
               <a:ext uri="{91240B29-F687-4f45-9708-019B960494DF}">
-                <a14:hiddenLine xmlns="" xmlns:a14="http://schemas.microsoft.com/office/drawing/2010/main" w="9525">
+                <a14:hiddenLine xmlns:a14="http://schemas.microsoft.com/office/drawing/2010/main" xmlns="" w="9525">
                   <a:solidFill>
                     <a:srgbClr val="000000"/>
                   </a:solidFill>
@@ -2731,7 +2732,7 @@
             </a:ln>
             <a:extLst>
               <a:ext uri="{91240B29-F687-4f45-9708-019B960494DF}">
-                <a14:hiddenLine xmlns="" xmlns:a14="http://schemas.microsoft.com/office/drawing/2010/main" w="9525">
+                <a14:hiddenLine xmlns:a14="http://schemas.microsoft.com/office/drawing/2010/main" xmlns="" w="9525">
                   <a:solidFill>
                     <a:srgbClr val="000000"/>
                   </a:solidFill>
@@ -2793,7 +2794,7 @@
             </a:ln>
             <a:extLst>
               <a:ext uri="{91240B29-F687-4f45-9708-019B960494DF}">
-                <a14:hiddenLine xmlns="" xmlns:a14="http://schemas.microsoft.com/office/drawing/2010/main" w="9525">
+                <a14:hiddenLine xmlns:a14="http://schemas.microsoft.com/office/drawing/2010/main" xmlns="" w="9525">
                   <a:solidFill>
                     <a:srgbClr val="000000"/>
                   </a:solidFill>
@@ -2883,7 +2884,7 @@
             </a:ln>
             <a:extLst>
               <a:ext uri="{91240B29-F687-4f45-9708-019B960494DF}">
-                <a14:hiddenLine xmlns="" xmlns:a14="http://schemas.microsoft.com/office/drawing/2010/main" w="9525">
+                <a14:hiddenLine xmlns:a14="http://schemas.microsoft.com/office/drawing/2010/main" xmlns="" w="9525">
                   <a:solidFill>
                     <a:srgbClr val="000000"/>
                   </a:solidFill>
@@ -2945,7 +2946,7 @@
             </a:ln>
             <a:extLst>
               <a:ext uri="{91240B29-F687-4f45-9708-019B960494DF}">
-                <a14:hiddenLine xmlns="" xmlns:a14="http://schemas.microsoft.com/office/drawing/2010/main" w="9525">
+                <a14:hiddenLine xmlns:a14="http://schemas.microsoft.com/office/drawing/2010/main" xmlns="" w="9525">
                   <a:solidFill>
                     <a:srgbClr val="000000"/>
                   </a:solidFill>
@@ -3035,7 +3036,7 @@
             </a:ln>
             <a:extLst>
               <a:ext uri="{91240B29-F687-4f45-9708-019B960494DF}">
-                <a14:hiddenLine xmlns="" xmlns:a14="http://schemas.microsoft.com/office/drawing/2010/main" w="9525">
+                <a14:hiddenLine xmlns:a14="http://schemas.microsoft.com/office/drawing/2010/main" xmlns="" w="9525">
                   <a:solidFill>
                     <a:srgbClr val="000000"/>
                   </a:solidFill>
@@ -3097,7 +3098,7 @@
             </a:ln>
             <a:extLst>
               <a:ext uri="{91240B29-F687-4f45-9708-019B960494DF}">
-                <a14:hiddenLine xmlns="" xmlns:a14="http://schemas.microsoft.com/office/drawing/2010/main" w="9525">
+                <a14:hiddenLine xmlns:a14="http://schemas.microsoft.com/office/drawing/2010/main" xmlns="" w="9525">
                   <a:solidFill>
                     <a:srgbClr val="000000"/>
                   </a:solidFill>
@@ -3187,7 +3188,7 @@
             </a:ln>
             <a:extLst>
               <a:ext uri="{91240B29-F687-4f45-9708-019B960494DF}">
-                <a14:hiddenLine xmlns="" xmlns:a14="http://schemas.microsoft.com/office/drawing/2010/main" w="9525">
+                <a14:hiddenLine xmlns:a14="http://schemas.microsoft.com/office/drawing/2010/main" xmlns="" w="9525">
                   <a:solidFill>
                     <a:srgbClr val="000000"/>
                   </a:solidFill>
@@ -3221,7 +3222,7 @@
             </a:ln>
             <a:extLst>
               <a:ext uri="{91240B29-F687-4f45-9708-019B960494DF}">
-                <a14:hiddenLine xmlns="" xmlns:a14="http://schemas.microsoft.com/office/drawing/2010/main" w="9525">
+                <a14:hiddenLine xmlns:a14="http://schemas.microsoft.com/office/drawing/2010/main" xmlns="" w="9525">
                   <a:solidFill>
                     <a:srgbClr val="000000"/>
                   </a:solidFill>
@@ -3286,7 +3287,7 @@
             </a:ln>
             <a:extLst>
               <a:ext uri="{91240B29-F687-4f45-9708-019B960494DF}">
-                <a14:hiddenLine xmlns="" xmlns:a14="http://schemas.microsoft.com/office/drawing/2010/main" w="9525">
+                <a14:hiddenLine xmlns:a14="http://schemas.microsoft.com/office/drawing/2010/main" xmlns="" w="9525">
                   <a:solidFill>
                     <a:srgbClr val="000000"/>
                   </a:solidFill>
@@ -3376,7 +3377,7 @@
             </a:ln>
             <a:extLst>
               <a:ext uri="{91240B29-F687-4f45-9708-019B960494DF}">
-                <a14:hiddenLine xmlns="" xmlns:a14="http://schemas.microsoft.com/office/drawing/2010/main" w="9525">
+                <a14:hiddenLine xmlns:a14="http://schemas.microsoft.com/office/drawing/2010/main" xmlns="" w="9525">
                   <a:solidFill>
                     <a:srgbClr val="000000"/>
                   </a:solidFill>
@@ -3438,7 +3439,7 @@
             </a:ln>
             <a:extLst>
               <a:ext uri="{91240B29-F687-4f45-9708-019B960494DF}">
-                <a14:hiddenLine xmlns="" xmlns:a14="http://schemas.microsoft.com/office/drawing/2010/main" w="9525">
+                <a14:hiddenLine xmlns:a14="http://schemas.microsoft.com/office/drawing/2010/main" xmlns="" w="9525">
                   <a:solidFill>
                     <a:srgbClr val="000000"/>
                   </a:solidFill>
@@ -3528,7 +3529,7 @@
             </a:ln>
             <a:extLst>
               <a:ext uri="{91240B29-F687-4f45-9708-019B960494DF}">
-                <a14:hiddenLine xmlns="" xmlns:a14="http://schemas.microsoft.com/office/drawing/2010/main" w="9525">
+                <a14:hiddenLine xmlns:a14="http://schemas.microsoft.com/office/drawing/2010/main" xmlns="" w="9525">
                   <a:solidFill>
                     <a:srgbClr val="000000"/>
                   </a:solidFill>
@@ -3618,7 +3619,7 @@
             </a:ln>
             <a:extLst>
               <a:ext uri="{91240B29-F687-4f45-9708-019B960494DF}">
-                <a14:hiddenLine xmlns="" xmlns:a14="http://schemas.microsoft.com/office/drawing/2010/main" w="9525">
+                <a14:hiddenLine xmlns:a14="http://schemas.microsoft.com/office/drawing/2010/main" xmlns="" w="9525">
                   <a:solidFill>
                     <a:srgbClr val="000000"/>
                   </a:solidFill>
@@ -3683,7 +3684,7 @@
             </a:ln>
             <a:extLst>
               <a:ext uri="{91240B29-F687-4f45-9708-019B960494DF}">
-                <a14:hiddenLine xmlns="" xmlns:a14="http://schemas.microsoft.com/office/drawing/2010/main" w="9525">
+                <a14:hiddenLine xmlns:a14="http://schemas.microsoft.com/office/drawing/2010/main" xmlns="" w="9525">
                   <a:solidFill>
                     <a:srgbClr val="000000"/>
                   </a:solidFill>
@@ -3745,7 +3746,7 @@
             </a:ln>
             <a:extLst>
               <a:ext uri="{91240B29-F687-4f45-9708-019B960494DF}">
-                <a14:hiddenLine xmlns="" xmlns:a14="http://schemas.microsoft.com/office/drawing/2010/main" w="9525">
+                <a14:hiddenLine xmlns:a14="http://schemas.microsoft.com/office/drawing/2010/main" xmlns="" w="9525">
                   <a:solidFill>
                     <a:srgbClr val="000000"/>
                   </a:solidFill>
@@ -3835,7 +3836,7 @@
             </a:ln>
             <a:extLst>
               <a:ext uri="{91240B29-F687-4f45-9708-019B960494DF}">
-                <a14:hiddenLine xmlns="" xmlns:a14="http://schemas.microsoft.com/office/drawing/2010/main" w="9525">
+                <a14:hiddenLine xmlns:a14="http://schemas.microsoft.com/office/drawing/2010/main" xmlns="" w="9525">
                   <a:solidFill>
                     <a:srgbClr val="000000"/>
                   </a:solidFill>
@@ -3925,7 +3926,7 @@
             </a:ln>
             <a:extLst>
               <a:ext uri="{91240B29-F687-4f45-9708-019B960494DF}">
-                <a14:hiddenLine xmlns="" xmlns:a14="http://schemas.microsoft.com/office/drawing/2010/main" w="9525">
+                <a14:hiddenLine xmlns:a14="http://schemas.microsoft.com/office/drawing/2010/main" xmlns="" w="9525">
                   <a:solidFill>
                     <a:srgbClr val="000000"/>
                   </a:solidFill>
@@ -3987,7 +3988,7 @@
             </a:ln>
             <a:extLst>
               <a:ext uri="{91240B29-F687-4f45-9708-019B960494DF}">
-                <a14:hiddenLine xmlns="" xmlns:a14="http://schemas.microsoft.com/office/drawing/2010/main" w="9525">
+                <a14:hiddenLine xmlns:a14="http://schemas.microsoft.com/office/drawing/2010/main" xmlns="" w="9525">
                   <a:solidFill>
                     <a:srgbClr val="000000"/>
                   </a:solidFill>
@@ -4107,7 +4108,7 @@
             </a:ln>
             <a:extLst>
               <a:ext uri="{91240B29-F687-4f45-9708-019B960494DF}">
-                <a14:hiddenLine xmlns="" xmlns:a14="http://schemas.microsoft.com/office/drawing/2010/main" w="9525">
+                <a14:hiddenLine xmlns:a14="http://schemas.microsoft.com/office/drawing/2010/main" xmlns="" w="9525">
                   <a:solidFill>
                     <a:srgbClr val="000000"/>
                   </a:solidFill>
@@ -4175,7 +4176,7 @@
             </a:ln>
             <a:extLst>
               <a:ext uri="{91240B29-F687-4f45-9708-019B960494DF}">
-                <a14:hiddenLine xmlns="" xmlns:a14="http://schemas.microsoft.com/office/drawing/2010/main" w="9525">
+                <a14:hiddenLine xmlns:a14="http://schemas.microsoft.com/office/drawing/2010/main" xmlns="" w="9525">
                   <a:solidFill>
                     <a:srgbClr val="000000"/>
                   </a:solidFill>
@@ -4265,7 +4266,7 @@
             </a:ln>
             <a:extLst>
               <a:ext uri="{91240B29-F687-4f45-9708-019B960494DF}">
-                <a14:hiddenLine xmlns="" xmlns:a14="http://schemas.microsoft.com/office/drawing/2010/main" w="9525">
+                <a14:hiddenLine xmlns:a14="http://schemas.microsoft.com/office/drawing/2010/main" xmlns="" w="9525">
                   <a:solidFill>
                     <a:srgbClr val="000000"/>
                   </a:solidFill>
@@ -4405,7 +4406,7 @@
           <a:p>
             <a:fld id="{7E17CA91-2BE7-4231-A290-C311F451C0C9}" type="datetimeFigureOut">
               <a:rPr lang="en-US" smtClean="0"/>
-              <a:t>12/6/22</a:t>
+              <a:t>12/8/22</a:t>
             </a:fld>
             <a:endParaRPr lang="en-US"/>
           </a:p>
@@ -4672,7 +4673,7 @@
           <a:p>
             <a:fld id="{7E17CA91-2BE7-4231-A290-C311F451C0C9}" type="datetimeFigureOut">
               <a:rPr lang="en-US" smtClean="0"/>
-              <a:t>12/6/22</a:t>
+              <a:t>12/8/22</a:t>
             </a:fld>
             <a:endParaRPr lang="en-US"/>
           </a:p>
@@ -4868,7 +4869,7 @@
           <a:p>
             <a:fld id="{7E17CA91-2BE7-4231-A290-C311F451C0C9}" type="datetimeFigureOut">
               <a:rPr lang="en-US" smtClean="0"/>
-              <a:t>12/6/22</a:t>
+              <a:t>12/8/22</a:t>
             </a:fld>
             <a:endParaRPr lang="en-US"/>
           </a:p>
@@ -5131,7 +5132,7 @@
           <a:p>
             <a:fld id="{7E17CA91-2BE7-4231-A290-C311F451C0C9}" type="datetimeFigureOut">
               <a:rPr lang="en-US" smtClean="0"/>
-              <a:t>12/6/22</a:t>
+              <a:t>12/8/22</a:t>
             </a:fld>
             <a:endParaRPr lang="en-US"/>
           </a:p>
@@ -5565,7 +5566,7 @@
           <a:p>
             <a:fld id="{7E17CA91-2BE7-4231-A290-C311F451C0C9}" type="datetimeFigureOut">
               <a:rPr lang="en-US" smtClean="0"/>
-              <a:t>12/6/22</a:t>
+              <a:t>12/8/22</a:t>
             </a:fld>
             <a:endParaRPr lang="en-US"/>
           </a:p>
@@ -6111,7 +6112,7 @@
           <a:p>
             <a:fld id="{7E17CA91-2BE7-4231-A290-C311F451C0C9}" type="datetimeFigureOut">
               <a:rPr lang="en-US" smtClean="0"/>
-              <a:t>12/6/22</a:t>
+              <a:t>12/8/22</a:t>
             </a:fld>
             <a:endParaRPr lang="en-US"/>
           </a:p>
@@ -6831,7 +6832,7 @@
           <a:p>
             <a:fld id="{7E17CA91-2BE7-4231-A290-C311F451C0C9}" type="datetimeFigureOut">
               <a:rPr lang="en-US" smtClean="0"/>
-              <a:t>12/6/22</a:t>
+              <a:t>12/8/22</a:t>
             </a:fld>
             <a:endParaRPr lang="en-US"/>
           </a:p>
@@ -7001,7 +7002,7 @@
           <a:p>
             <a:fld id="{7E17CA91-2BE7-4231-A290-C311F451C0C9}" type="datetimeFigureOut">
               <a:rPr lang="en-US" smtClean="0"/>
-              <a:t>12/6/22</a:t>
+              <a:t>12/8/22</a:t>
             </a:fld>
             <a:endParaRPr lang="en-US"/>
           </a:p>
@@ -7181,7 +7182,7 @@
           <a:p>
             <a:fld id="{7E17CA91-2BE7-4231-A290-C311F451C0C9}" type="datetimeFigureOut">
               <a:rPr lang="en-US" smtClean="0"/>
-              <a:t>12/6/22</a:t>
+              <a:t>12/8/22</a:t>
             </a:fld>
             <a:endParaRPr lang="en-US"/>
           </a:p>
@@ -7351,7 +7352,7 @@
           <a:p>
             <a:fld id="{7E17CA91-2BE7-4231-A290-C311F451C0C9}" type="datetimeFigureOut">
               <a:rPr lang="en-US" smtClean="0"/>
-              <a:t>12/6/22</a:t>
+              <a:t>12/8/22</a:t>
             </a:fld>
             <a:endParaRPr lang="en-US"/>
           </a:p>
@@ -7601,7 +7602,7 @@
           <a:p>
             <a:fld id="{7E17CA91-2BE7-4231-A290-C311F451C0C9}" type="datetimeFigureOut">
               <a:rPr lang="en-US" smtClean="0"/>
-              <a:t>12/6/22</a:t>
+              <a:t>12/8/22</a:t>
             </a:fld>
             <a:endParaRPr lang="en-US"/>
           </a:p>
@@ -7833,7 +7834,7 @@
           <a:p>
             <a:fld id="{7E17CA91-2BE7-4231-A290-C311F451C0C9}" type="datetimeFigureOut">
               <a:rPr lang="en-US" smtClean="0"/>
-              <a:t>12/6/22</a:t>
+              <a:t>12/8/22</a:t>
             </a:fld>
             <a:endParaRPr lang="en-US"/>
           </a:p>
@@ -8214,7 +8215,7 @@
           <a:p>
             <a:fld id="{7E17CA91-2BE7-4231-A290-C311F451C0C9}" type="datetimeFigureOut">
               <a:rPr lang="en-US" smtClean="0"/>
-              <a:t>12/6/22</a:t>
+              <a:t>12/8/22</a:t>
             </a:fld>
             <a:endParaRPr lang="en-US"/>
           </a:p>
@@ -8332,7 +8333,7 @@
           <a:p>
             <a:fld id="{7E17CA91-2BE7-4231-A290-C311F451C0C9}" type="datetimeFigureOut">
               <a:rPr lang="en-US" smtClean="0"/>
-              <a:t>12/6/22</a:t>
+              <a:t>12/8/22</a:t>
             </a:fld>
             <a:endParaRPr lang="en-US"/>
           </a:p>
@@ -8427,7 +8428,7 @@
           <a:p>
             <a:fld id="{7E17CA91-2BE7-4231-A290-C311F451C0C9}" type="datetimeFigureOut">
               <a:rPr lang="en-US" smtClean="0"/>
-              <a:t>12/6/22</a:t>
+              <a:t>12/8/22</a:t>
             </a:fld>
             <a:endParaRPr lang="en-US"/>
           </a:p>
@@ -8676,7 +8677,7 @@
           <a:p>
             <a:fld id="{7E17CA91-2BE7-4231-A290-C311F451C0C9}" type="datetimeFigureOut">
               <a:rPr lang="en-US" smtClean="0"/>
-              <a:t>12/6/22</a:t>
+              <a:t>12/8/22</a:t>
             </a:fld>
             <a:endParaRPr lang="en-US"/>
           </a:p>
@@ -8956,7 +8957,7 @@
           <a:p>
             <a:fld id="{7E17CA91-2BE7-4231-A290-C311F451C0C9}" type="datetimeFigureOut">
               <a:rPr lang="en-US" smtClean="0"/>
-              <a:t>12/6/22</a:t>
+              <a:t>12/8/22</a:t>
             </a:fld>
             <a:endParaRPr lang="en-US"/>
           </a:p>
@@ -9079,7 +9080,7 @@
           <a:noFill/>
           <a:extLst>
             <a:ext uri="{909E8E84-426E-40dd-AFC4-6F175D3DCCD1}">
-              <a14:hiddenFill xmlns="" xmlns:a14="http://schemas.microsoft.com/office/drawing/2010/main">
+              <a14:hiddenFill xmlns:a14="http://schemas.microsoft.com/office/drawing/2010/main" xmlns="">
                 <a:solidFill>
                   <a:srgbClr val="FFFFFF"/>
                 </a:solidFill>
@@ -9153,7 +9154,7 @@
               </a:ln>
               <a:extLst>
                 <a:ext uri="{91240B29-F687-4f45-9708-019B960494DF}">
-                  <a14:hiddenLine xmlns="" xmlns:a14="http://schemas.microsoft.com/office/drawing/2010/main" w="9525">
+                  <a14:hiddenLine xmlns:a14="http://schemas.microsoft.com/office/drawing/2010/main" xmlns="" w="9525">
                     <a:solidFill>
                       <a:srgbClr val="000000"/>
                     </a:solidFill>
@@ -9243,7 +9244,7 @@
               </a:ln>
               <a:extLst>
                 <a:ext uri="{91240B29-F687-4f45-9708-019B960494DF}">
-                  <a14:hiddenLine xmlns="" xmlns:a14="http://schemas.microsoft.com/office/drawing/2010/main" w="9525">
+                  <a14:hiddenLine xmlns:a14="http://schemas.microsoft.com/office/drawing/2010/main" xmlns="" w="9525">
                     <a:solidFill>
                       <a:srgbClr val="000000"/>
                     </a:solidFill>
@@ -9333,7 +9334,7 @@
               </a:ln>
               <a:extLst>
                 <a:ext uri="{91240B29-F687-4f45-9708-019B960494DF}">
-                  <a14:hiddenLine xmlns="" xmlns:a14="http://schemas.microsoft.com/office/drawing/2010/main" w="9525">
+                  <a14:hiddenLine xmlns:a14="http://schemas.microsoft.com/office/drawing/2010/main" xmlns="" w="9525">
                     <a:solidFill>
                       <a:srgbClr val="000000"/>
                     </a:solidFill>
@@ -9395,7 +9396,7 @@
               </a:ln>
               <a:extLst>
                 <a:ext uri="{91240B29-F687-4f45-9708-019B960494DF}">
-                  <a14:hiddenLine xmlns="" xmlns:a14="http://schemas.microsoft.com/office/drawing/2010/main" w="9525">
+                  <a14:hiddenLine xmlns:a14="http://schemas.microsoft.com/office/drawing/2010/main" xmlns="" w="9525">
                     <a:solidFill>
                       <a:srgbClr val="000000"/>
                     </a:solidFill>
@@ -9485,7 +9486,7 @@
               </a:ln>
               <a:extLst>
                 <a:ext uri="{91240B29-F687-4f45-9708-019B960494DF}">
-                  <a14:hiddenLine xmlns="" xmlns:a14="http://schemas.microsoft.com/office/drawing/2010/main" w="9525">
+                  <a14:hiddenLine xmlns:a14="http://schemas.microsoft.com/office/drawing/2010/main" xmlns="" w="9525">
                     <a:solidFill>
                       <a:srgbClr val="000000"/>
                     </a:solidFill>
@@ -9547,7 +9548,7 @@
               </a:ln>
               <a:extLst>
                 <a:ext uri="{91240B29-F687-4f45-9708-019B960494DF}">
-                  <a14:hiddenLine xmlns="" xmlns:a14="http://schemas.microsoft.com/office/drawing/2010/main" w="9525">
+                  <a14:hiddenLine xmlns:a14="http://schemas.microsoft.com/office/drawing/2010/main" xmlns="" w="9525">
                     <a:solidFill>
                       <a:srgbClr val="000000"/>
                     </a:solidFill>
@@ -9609,7 +9610,7 @@
               </a:ln>
               <a:extLst>
                 <a:ext uri="{91240B29-F687-4f45-9708-019B960494DF}">
-                  <a14:hiddenLine xmlns="" xmlns:a14="http://schemas.microsoft.com/office/drawing/2010/main" w="9525">
+                  <a14:hiddenLine xmlns:a14="http://schemas.microsoft.com/office/drawing/2010/main" xmlns="" w="9525">
                     <a:solidFill>
                       <a:srgbClr val="000000"/>
                     </a:solidFill>
@@ -9699,7 +9700,7 @@
               </a:ln>
               <a:extLst>
                 <a:ext uri="{91240B29-F687-4f45-9708-019B960494DF}">
-                  <a14:hiddenLine xmlns="" xmlns:a14="http://schemas.microsoft.com/office/drawing/2010/main" w="9525">
+                  <a14:hiddenLine xmlns:a14="http://schemas.microsoft.com/office/drawing/2010/main" xmlns="" w="9525">
                     <a:solidFill>
                       <a:srgbClr val="000000"/>
                     </a:solidFill>
@@ -9789,7 +9790,7 @@
               </a:ln>
               <a:extLst>
                 <a:ext uri="{91240B29-F687-4f45-9708-019B960494DF}">
-                  <a14:hiddenLine xmlns="" xmlns:a14="http://schemas.microsoft.com/office/drawing/2010/main" w="9525">
+                  <a14:hiddenLine xmlns:a14="http://schemas.microsoft.com/office/drawing/2010/main" xmlns="" w="9525">
                     <a:solidFill>
                       <a:srgbClr val="000000"/>
                     </a:solidFill>
@@ -9851,7 +9852,7 @@
               </a:ln>
               <a:extLst>
                 <a:ext uri="{91240B29-F687-4f45-9708-019B960494DF}">
-                  <a14:hiddenLine xmlns="" xmlns:a14="http://schemas.microsoft.com/office/drawing/2010/main" w="9525">
+                  <a14:hiddenLine xmlns:a14="http://schemas.microsoft.com/office/drawing/2010/main" xmlns="" w="9525">
                     <a:solidFill>
                       <a:srgbClr val="000000"/>
                     </a:solidFill>
@@ -9961,7 +9962,7 @@
               </a:ln>
               <a:extLst>
                 <a:ext uri="{91240B29-F687-4f45-9708-019B960494DF}">
-                  <a14:hiddenLine xmlns="" xmlns:a14="http://schemas.microsoft.com/office/drawing/2010/main" w="9525">
+                  <a14:hiddenLine xmlns:a14="http://schemas.microsoft.com/office/drawing/2010/main" xmlns="" w="9525">
                     <a:solidFill>
                       <a:srgbClr val="000000"/>
                     </a:solidFill>
@@ -10045,7 +10046,7 @@
               </a:ln>
               <a:extLst>
                 <a:ext uri="{91240B29-F687-4f45-9708-019B960494DF}">
-                  <a14:hiddenLine xmlns="" xmlns:a14="http://schemas.microsoft.com/office/drawing/2010/main" w="9525">
+                  <a14:hiddenLine xmlns:a14="http://schemas.microsoft.com/office/drawing/2010/main" xmlns="" w="9525">
                     <a:solidFill>
                       <a:srgbClr val="000000"/>
                     </a:solidFill>
@@ -10107,7 +10108,7 @@
               </a:ln>
               <a:extLst>
                 <a:ext uri="{91240B29-F687-4f45-9708-019B960494DF}">
-                  <a14:hiddenLine xmlns="" xmlns:a14="http://schemas.microsoft.com/office/drawing/2010/main" w="9525">
+                  <a14:hiddenLine xmlns:a14="http://schemas.microsoft.com/office/drawing/2010/main" xmlns="" w="9525">
                     <a:solidFill>
                       <a:srgbClr val="000000"/>
                     </a:solidFill>
@@ -10169,7 +10170,7 @@
               </a:ln>
               <a:extLst>
                 <a:ext uri="{91240B29-F687-4f45-9708-019B960494DF}">
-                  <a14:hiddenLine xmlns="" xmlns:a14="http://schemas.microsoft.com/office/drawing/2010/main" w="9525">
+                  <a14:hiddenLine xmlns:a14="http://schemas.microsoft.com/office/drawing/2010/main" xmlns="" w="9525">
                     <a:solidFill>
                       <a:srgbClr val="000000"/>
                     </a:solidFill>
@@ -10259,7 +10260,7 @@
               </a:ln>
               <a:extLst>
                 <a:ext uri="{91240B29-F687-4f45-9708-019B960494DF}">
-                  <a14:hiddenLine xmlns="" xmlns:a14="http://schemas.microsoft.com/office/drawing/2010/main" w="9525">
+                  <a14:hiddenLine xmlns:a14="http://schemas.microsoft.com/office/drawing/2010/main" xmlns="" w="9525">
                     <a:solidFill>
                       <a:srgbClr val="000000"/>
                     </a:solidFill>
@@ -10293,7 +10294,7 @@
               </a:ln>
               <a:extLst>
                 <a:ext uri="{91240B29-F687-4f45-9708-019B960494DF}">
-                  <a14:hiddenLine xmlns="" xmlns:a14="http://schemas.microsoft.com/office/drawing/2010/main" w="9525">
+                  <a14:hiddenLine xmlns:a14="http://schemas.microsoft.com/office/drawing/2010/main" xmlns="" w="9525">
                     <a:solidFill>
                       <a:srgbClr val="000000"/>
                     </a:solidFill>
@@ -10358,7 +10359,7 @@
               </a:ln>
               <a:extLst>
                 <a:ext uri="{91240B29-F687-4f45-9708-019B960494DF}">
-                  <a14:hiddenLine xmlns="" xmlns:a14="http://schemas.microsoft.com/office/drawing/2010/main" w="9525">
+                  <a14:hiddenLine xmlns:a14="http://schemas.microsoft.com/office/drawing/2010/main" xmlns="" w="9525">
                     <a:solidFill>
                       <a:srgbClr val="000000"/>
                     </a:solidFill>
@@ -10448,7 +10449,7 @@
               </a:ln>
               <a:extLst>
                 <a:ext uri="{91240B29-F687-4f45-9708-019B960494DF}">
-                  <a14:hiddenLine xmlns="" xmlns:a14="http://schemas.microsoft.com/office/drawing/2010/main" w="9525">
+                  <a14:hiddenLine xmlns:a14="http://schemas.microsoft.com/office/drawing/2010/main" xmlns="" w="9525">
                     <a:solidFill>
                       <a:srgbClr val="000000"/>
                     </a:solidFill>
@@ -10510,7 +10511,7 @@
               </a:ln>
               <a:extLst>
                 <a:ext uri="{91240B29-F687-4f45-9708-019B960494DF}">
-                  <a14:hiddenLine xmlns="" xmlns:a14="http://schemas.microsoft.com/office/drawing/2010/main" w="9525">
+                  <a14:hiddenLine xmlns:a14="http://schemas.microsoft.com/office/drawing/2010/main" xmlns="" w="9525">
                     <a:solidFill>
                       <a:srgbClr val="000000"/>
                     </a:solidFill>
@@ -10600,7 +10601,7 @@
               </a:ln>
               <a:extLst>
                 <a:ext uri="{91240B29-F687-4f45-9708-019B960494DF}">
-                  <a14:hiddenLine xmlns="" xmlns:a14="http://schemas.microsoft.com/office/drawing/2010/main" w="9525">
+                  <a14:hiddenLine xmlns:a14="http://schemas.microsoft.com/office/drawing/2010/main" xmlns="" w="9525">
                     <a:solidFill>
                       <a:srgbClr val="000000"/>
                     </a:solidFill>
@@ -10665,7 +10666,7 @@
               </a:ln>
               <a:extLst>
                 <a:ext uri="{91240B29-F687-4f45-9708-019B960494DF}">
-                  <a14:hiddenLine xmlns="" xmlns:a14="http://schemas.microsoft.com/office/drawing/2010/main" w="9525">
+                  <a14:hiddenLine xmlns:a14="http://schemas.microsoft.com/office/drawing/2010/main" xmlns="" w="9525">
                     <a:solidFill>
                       <a:srgbClr val="000000"/>
                     </a:solidFill>
@@ -10727,7 +10728,7 @@
               </a:ln>
               <a:extLst>
                 <a:ext uri="{91240B29-F687-4f45-9708-019B960494DF}">
-                  <a14:hiddenLine xmlns="" xmlns:a14="http://schemas.microsoft.com/office/drawing/2010/main" w="9525">
+                  <a14:hiddenLine xmlns:a14="http://schemas.microsoft.com/office/drawing/2010/main" xmlns="" w="9525">
                     <a:solidFill>
                       <a:srgbClr val="000000"/>
                     </a:solidFill>
@@ -10817,7 +10818,7 @@
               </a:ln>
               <a:extLst>
                 <a:ext uri="{91240B29-F687-4f45-9708-019B960494DF}">
-                  <a14:hiddenLine xmlns="" xmlns:a14="http://schemas.microsoft.com/office/drawing/2010/main" w="9525">
+                  <a14:hiddenLine xmlns:a14="http://schemas.microsoft.com/office/drawing/2010/main" xmlns="" w="9525">
                     <a:solidFill>
                       <a:srgbClr val="000000"/>
                     </a:solidFill>
@@ -10907,7 +10908,7 @@
               </a:ln>
               <a:extLst>
                 <a:ext uri="{91240B29-F687-4f45-9708-019B960494DF}">
-                  <a14:hiddenLine xmlns="" xmlns:a14="http://schemas.microsoft.com/office/drawing/2010/main" w="9525">
+                  <a14:hiddenLine xmlns:a14="http://schemas.microsoft.com/office/drawing/2010/main" xmlns="" w="9525">
                     <a:solidFill>
                       <a:srgbClr val="000000"/>
                     </a:solidFill>
@@ -10972,7 +10973,7 @@
               </a:ln>
               <a:extLst>
                 <a:ext uri="{91240B29-F687-4f45-9708-019B960494DF}">
-                  <a14:hiddenLine xmlns="" xmlns:a14="http://schemas.microsoft.com/office/drawing/2010/main" w="9525">
+                  <a14:hiddenLine xmlns:a14="http://schemas.microsoft.com/office/drawing/2010/main" xmlns="" w="9525">
                     <a:solidFill>
                       <a:srgbClr val="000000"/>
                     </a:solidFill>
@@ -11092,7 +11093,7 @@
               </a:ln>
               <a:extLst>
                 <a:ext uri="{91240B29-F687-4f45-9708-019B960494DF}">
-                  <a14:hiddenLine xmlns="" xmlns:a14="http://schemas.microsoft.com/office/drawing/2010/main" w="9525">
+                  <a14:hiddenLine xmlns:a14="http://schemas.microsoft.com/office/drawing/2010/main" xmlns="" w="9525">
                     <a:solidFill>
                       <a:srgbClr val="000000"/>
                     </a:solidFill>
@@ -11173,7 +11174,7 @@
               </a:ln>
               <a:extLst>
                 <a:ext uri="{91240B29-F687-4f45-9708-019B960494DF}">
-                  <a14:hiddenLine xmlns="" xmlns:a14="http://schemas.microsoft.com/office/drawing/2010/main" w="9525">
+                  <a14:hiddenLine xmlns:a14="http://schemas.microsoft.com/office/drawing/2010/main" xmlns="" w="9525">
                     <a:solidFill>
                       <a:srgbClr val="000000"/>
                     </a:solidFill>
@@ -11288,7 +11289,7 @@
               </a:ln>
               <a:extLst>
                 <a:ext uri="{91240B29-F687-4f45-9708-019B960494DF}">
-                  <a14:hiddenLine xmlns="" xmlns:a14="http://schemas.microsoft.com/office/drawing/2010/main" w="9525">
+                  <a14:hiddenLine xmlns:a14="http://schemas.microsoft.com/office/drawing/2010/main" xmlns="" w="9525">
                     <a:solidFill>
                       <a:srgbClr val="000000"/>
                     </a:solidFill>
@@ -11378,7 +11379,7 @@
               </a:ln>
               <a:extLst>
                 <a:ext uri="{91240B29-F687-4f45-9708-019B960494DF}">
-                  <a14:hiddenLine xmlns="" xmlns:a14="http://schemas.microsoft.com/office/drawing/2010/main" w="9525">
+                  <a14:hiddenLine xmlns:a14="http://schemas.microsoft.com/office/drawing/2010/main" xmlns="" w="9525">
                     <a:solidFill>
                       <a:srgbClr val="000000"/>
                     </a:solidFill>
@@ -11443,7 +11444,7 @@
               </a:ln>
               <a:extLst>
                 <a:ext uri="{91240B29-F687-4f45-9708-019B960494DF}">
-                  <a14:hiddenLine xmlns="" xmlns:a14="http://schemas.microsoft.com/office/drawing/2010/main" w="9525">
+                  <a14:hiddenLine xmlns:a14="http://schemas.microsoft.com/office/drawing/2010/main" xmlns="" w="9525">
                     <a:solidFill>
                       <a:srgbClr val="000000"/>
                     </a:solidFill>
@@ -11533,7 +11534,7 @@
               </a:ln>
               <a:extLst>
                 <a:ext uri="{91240B29-F687-4f45-9708-019B960494DF}">
-                  <a14:hiddenLine xmlns="" xmlns:a14="http://schemas.microsoft.com/office/drawing/2010/main" w="9525">
+                  <a14:hiddenLine xmlns:a14="http://schemas.microsoft.com/office/drawing/2010/main" xmlns="" w="9525">
                     <a:solidFill>
                       <a:srgbClr val="000000"/>
                     </a:solidFill>
@@ -11601,7 +11602,7 @@
               </a:ln>
               <a:extLst>
                 <a:ext uri="{91240B29-F687-4f45-9708-019B960494DF}">
-                  <a14:hiddenLine xmlns="" xmlns:a14="http://schemas.microsoft.com/office/drawing/2010/main" w="9525">
+                  <a14:hiddenLine xmlns:a14="http://schemas.microsoft.com/office/drawing/2010/main" xmlns="" w="9525">
                     <a:solidFill>
                       <a:srgbClr val="000000"/>
                     </a:solidFill>
@@ -11691,7 +11692,7 @@
               </a:ln>
               <a:extLst>
                 <a:ext uri="{91240B29-F687-4f45-9708-019B960494DF}">
-                  <a14:hiddenLine xmlns="" xmlns:a14="http://schemas.microsoft.com/office/drawing/2010/main" w="9525">
+                  <a14:hiddenLine xmlns:a14="http://schemas.microsoft.com/office/drawing/2010/main" xmlns="" w="9525">
                     <a:solidFill>
                       <a:srgbClr val="000000"/>
                     </a:solidFill>
@@ -11759,7 +11760,7 @@
               </a:ln>
               <a:extLst>
                 <a:ext uri="{91240B29-F687-4f45-9708-019B960494DF}">
-                  <a14:hiddenLine xmlns="" xmlns:a14="http://schemas.microsoft.com/office/drawing/2010/main" w="9525">
+                  <a14:hiddenLine xmlns:a14="http://schemas.microsoft.com/office/drawing/2010/main" xmlns="" w="9525">
                     <a:solidFill>
                       <a:srgbClr val="000000"/>
                     </a:solidFill>
@@ -11849,7 +11850,7 @@
               </a:ln>
               <a:extLst>
                 <a:ext uri="{91240B29-F687-4f45-9708-019B960494DF}">
-                  <a14:hiddenLine xmlns="" xmlns:a14="http://schemas.microsoft.com/office/drawing/2010/main" w="9525">
+                  <a14:hiddenLine xmlns:a14="http://schemas.microsoft.com/office/drawing/2010/main" xmlns="" w="9525">
                     <a:solidFill>
                       <a:srgbClr val="000000"/>
                     </a:solidFill>
@@ -11883,7 +11884,7 @@
               </a:ln>
               <a:extLst>
                 <a:ext uri="{91240B29-F687-4f45-9708-019B960494DF}">
-                  <a14:hiddenLine xmlns="" xmlns:a14="http://schemas.microsoft.com/office/drawing/2010/main" w="9525">
+                  <a14:hiddenLine xmlns:a14="http://schemas.microsoft.com/office/drawing/2010/main" xmlns="" w="9525">
                     <a:solidFill>
                       <a:srgbClr val="000000"/>
                     </a:solidFill>
@@ -12023,7 +12024,7 @@
           <a:p>
             <a:fld id="{7E17CA91-2BE7-4231-A290-C311F451C0C9}" type="datetimeFigureOut">
               <a:rPr lang="en-US" smtClean="0"/>
-              <a:t>12/6/22</a:t>
+              <a:t>12/8/22</a:t>
             </a:fld>
             <a:endParaRPr lang="en-US"/>
           </a:p>
@@ -12777,6 +12778,89 @@
           <p:cNvPr id="2" name="Title 1">
             <a:extLst>
               <a:ext uri="{FF2B5EF4-FFF2-40B4-BE49-F238E27FC236}">
+                <a16:creationId xmlns:a16="http://schemas.microsoft.com/office/drawing/2014/main" id="{800F84C6-9B52-B207-F581-379DCF90D07A}"/>
+              </a:ext>
+            </a:extLst>
+          </p:cNvPr>
+          <p:cNvSpPr>
+            <a:spLocks noGrp="1"/>
+          </p:cNvSpPr>
+          <p:nvPr>
+            <p:ph type="title"/>
+          </p:nvPr>
+        </p:nvSpPr>
+        <p:spPr/>
+        <p:txBody>
+          <a:bodyPr/>
+          <a:lstStyle/>
+          <a:p>
+            <a:r>
+              <a:rPr lang="en-US" dirty="0"/>
+              <a:t>Goodness of fit</a:t>
+            </a:r>
+          </a:p>
+        </p:txBody>
+      </p:sp>
+      <p:sp>
+        <p:nvSpPr>
+          <p:cNvPr id="3" name="Content Placeholder 2">
+            <a:extLst>
+              <a:ext uri="{FF2B5EF4-FFF2-40B4-BE49-F238E27FC236}">
+                <a16:creationId xmlns:a16="http://schemas.microsoft.com/office/drawing/2014/main" id="{271621AA-6ACA-68B2-D5AF-FCC3396DEA8E}"/>
+              </a:ext>
+            </a:extLst>
+          </p:cNvPr>
+          <p:cNvSpPr>
+            <a:spLocks noGrp="1"/>
+          </p:cNvSpPr>
+          <p:nvPr>
+            <p:ph idx="1"/>
+          </p:nvPr>
+        </p:nvSpPr>
+        <p:spPr/>
+        <p:txBody>
+          <a:bodyPr/>
+          <a:lstStyle/>
+          <a:p>
+            <a:endParaRPr lang="en-US"/>
+          </a:p>
+        </p:txBody>
+      </p:sp>
+    </p:spTree>
+    <p:extLst>
+      <p:ext uri="{BB962C8B-B14F-4D97-AF65-F5344CB8AC3E}">
+        <p14:creationId xmlns:p14="http://schemas.microsoft.com/office/powerpoint/2010/main" val="2030487793"/>
+      </p:ext>
+    </p:extLst>
+  </p:cSld>
+  <p:clrMapOvr>
+    <a:masterClrMapping/>
+  </p:clrMapOvr>
+</p:sld>
+</file>
+
+<file path=ppt/slides/slide13.xml><?xml version="1.0" encoding="utf-8"?>
+<p:sld xmlns:a="http://schemas.openxmlformats.org/drawingml/2006/main" xmlns:r="http://schemas.openxmlformats.org/officeDocument/2006/relationships" xmlns:p="http://schemas.openxmlformats.org/presentationml/2006/main">
+  <p:cSld>
+    <p:spTree>
+      <p:nvGrpSpPr>
+        <p:cNvPr id="1" name=""/>
+        <p:cNvGrpSpPr/>
+        <p:nvPr/>
+      </p:nvGrpSpPr>
+      <p:grpSpPr>
+        <a:xfrm>
+          <a:off x="0" y="0"/>
+          <a:ext cx="0" cy="0"/>
+          <a:chOff x="0" y="0"/>
+          <a:chExt cx="0" cy="0"/>
+        </a:xfrm>
+      </p:grpSpPr>
+      <p:sp>
+        <p:nvSpPr>
+          <p:cNvPr id="2" name="Title 1">
+            <a:extLst>
+              <a:ext uri="{FF2B5EF4-FFF2-40B4-BE49-F238E27FC236}">
                 <a16:creationId xmlns:a16="http://schemas.microsoft.com/office/drawing/2014/main" id="{5F04E85F-2A63-15D8-A7A6-EF24D53ECC50}"/>
               </a:ext>
             </a:extLst>
@@ -13392,7 +13476,7 @@
           <a:p>
             <a:r>
               <a:rPr lang="en-US" dirty="0"/>
-              <a:t>over coming challenges</a:t>
+              <a:t>Technique selection</a:t>
             </a:r>
           </a:p>
         </p:txBody>
@@ -13420,22 +13504,26 @@
           <a:p>
             <a:r>
               <a:rPr lang="en-US" dirty="0"/>
-              <a:t>Selecting variables that matter (Why </a:t>
-            </a:r>
-            <a:r>
-              <a:rPr lang="en-US"/>
-              <a:t>dimension reduction &amp; not PCA?)</a:t>
-            </a:r>
-            <a:endParaRPr lang="en-US" dirty="0"/>
+              <a:t>Why not PCA?</a:t>
+            </a:r>
           </a:p>
           <a:p>
             <a:r>
               <a:rPr lang="en-US" dirty="0"/>
-              <a:t>Partitioning data using ROSE library to resolve unbalanced distribution of data</a:t>
-            </a:r>
-          </a:p>
-          <a:p>
-            <a:endParaRPr lang="en-US" dirty="0"/>
+              <a:t>Why Dimension Reduction?</a:t>
+            </a:r>
+          </a:p>
+          <a:p>
+            <a:r>
+              <a:rPr lang="en-US" dirty="0"/>
+              <a:t>Why not linear regression?</a:t>
+            </a:r>
+          </a:p>
+          <a:p>
+            <a:r>
+              <a:rPr lang="en-US" dirty="0"/>
+              <a:t>Why we choose logistic regression not multi nominal regression?</a:t>
+            </a:r>
           </a:p>
           <a:p>
             <a:endParaRPr lang="en-US" dirty="0"/>
@@ -13681,19 +13769,30 @@
             </a:r>
             <a:r>
               <a:rPr lang="en-US" dirty="0"/>
-              <a:t> </a:t>
+              <a:t> )</a:t>
             </a:r>
           </a:p>
           <a:p>
             <a:r>
               <a:rPr lang="en-US" dirty="0"/>
-              <a:t>Dimension reduction using correlation analysis and stepwise forward regression</a:t>
-            </a:r>
+              <a:t>Dimension reduction using correlation analysis and stepwise forward regression. Why </a:t>
+            </a:r>
+            <a:r>
+              <a:rPr lang="en-US"/>
+              <a:t>not backwards?</a:t>
+            </a:r>
+            <a:endParaRPr lang="en-US" dirty="0"/>
           </a:p>
           <a:p>
             <a:r>
               <a:rPr lang="en-US" dirty="0"/>
               <a:t>Domain knowledge.</a:t>
+            </a:r>
+          </a:p>
+          <a:p>
+            <a:r>
+              <a:rPr lang="en-US" dirty="0"/>
+              <a:t>Classification tree</a:t>
             </a:r>
           </a:p>
         </p:txBody>

--- a/Caravan.pptx
+++ b/Caravan.pptx
@@ -17,7 +17,9 @@
     <p:sldId id="265" r:id="rId11"/>
     <p:sldId id="266" r:id="rId12"/>
     <p:sldId id="267" r:id="rId13"/>
-    <p:sldId id="268" r:id="rId14"/>
+    <p:sldId id="272" r:id="rId14"/>
+    <p:sldId id="268" r:id="rId15"/>
+    <p:sldId id="273" r:id="rId16"/>
   </p:sldIdLst>
   <p:sldSz cx="12192000" cy="6858000"/>
   <p:notesSz cx="6858000" cy="9144000"/>
@@ -30842,6 +30844,89 @@
 <file path=ppt/slides/slide13.xml><?xml version="1.0" encoding="utf-8"?>
 <p:sld xmlns:a="http://schemas.openxmlformats.org/drawingml/2006/main" xmlns:r="http://schemas.openxmlformats.org/officeDocument/2006/relationships" xmlns:p="http://schemas.openxmlformats.org/presentationml/2006/main">
   <p:cSld>
+    <p:spTree>
+      <p:nvGrpSpPr>
+        <p:cNvPr id="1" name=""/>
+        <p:cNvGrpSpPr/>
+        <p:nvPr/>
+      </p:nvGrpSpPr>
+      <p:grpSpPr>
+        <a:xfrm>
+          <a:off x="0" y="0"/>
+          <a:ext cx="0" cy="0"/>
+          <a:chOff x="0" y="0"/>
+          <a:chExt cx="0" cy="0"/>
+        </a:xfrm>
+      </p:grpSpPr>
+      <p:sp>
+        <p:nvSpPr>
+          <p:cNvPr id="2" name="Title 1">
+            <a:extLst>
+              <a:ext uri="{FF2B5EF4-FFF2-40B4-BE49-F238E27FC236}">
+                <a16:creationId xmlns:a16="http://schemas.microsoft.com/office/drawing/2014/main" id="{3ACD7453-083F-F798-6E77-B0420589E139}"/>
+              </a:ext>
+            </a:extLst>
+          </p:cNvPr>
+          <p:cNvSpPr>
+            <a:spLocks noGrp="1"/>
+          </p:cNvSpPr>
+          <p:nvPr>
+            <p:ph type="title"/>
+          </p:nvPr>
+        </p:nvSpPr>
+        <p:spPr/>
+        <p:txBody>
+          <a:bodyPr/>
+          <a:lstStyle/>
+          <a:p>
+            <a:r>
+              <a:rPr lang="en-US" dirty="0"/>
+              <a:t>Goodness of fit</a:t>
+            </a:r>
+          </a:p>
+        </p:txBody>
+      </p:sp>
+      <p:sp>
+        <p:nvSpPr>
+          <p:cNvPr id="3" name="Content Placeholder 2">
+            <a:extLst>
+              <a:ext uri="{FF2B5EF4-FFF2-40B4-BE49-F238E27FC236}">
+                <a16:creationId xmlns:a16="http://schemas.microsoft.com/office/drawing/2014/main" id="{D57E7FEC-BED4-4B21-27CC-1661424E0C69}"/>
+              </a:ext>
+            </a:extLst>
+          </p:cNvPr>
+          <p:cNvSpPr>
+            <a:spLocks noGrp="1"/>
+          </p:cNvSpPr>
+          <p:nvPr>
+            <p:ph idx="1"/>
+          </p:nvPr>
+        </p:nvSpPr>
+        <p:spPr/>
+        <p:txBody>
+          <a:bodyPr/>
+          <a:lstStyle/>
+          <a:p>
+            <a:endParaRPr lang="en-US"/>
+          </a:p>
+        </p:txBody>
+      </p:sp>
+    </p:spTree>
+    <p:extLst>
+      <p:ext uri="{BB962C8B-B14F-4D97-AF65-F5344CB8AC3E}">
+        <p14:creationId xmlns:p14="http://schemas.microsoft.com/office/powerpoint/2010/main" val="2399759010"/>
+      </p:ext>
+    </p:extLst>
+  </p:cSld>
+  <p:clrMapOvr>
+    <a:masterClrMapping/>
+  </p:clrMapOvr>
+</p:sld>
+</file>
+
+<file path=ppt/slides/slide14.xml><?xml version="1.0" encoding="utf-8"?>
+<p:sld xmlns:a="http://schemas.openxmlformats.org/drawingml/2006/main" xmlns:r="http://schemas.openxmlformats.org/officeDocument/2006/relationships" xmlns:p="http://schemas.openxmlformats.org/presentationml/2006/main">
+  <p:cSld>
     <p:bg>
       <p:bgPr>
         <a:gradFill rotWithShape="1">
@@ -31132,6 +31217,89 @@
     <p:extLst>
       <p:ext uri="{BB962C8B-B14F-4D97-AF65-F5344CB8AC3E}">
         <p14:creationId xmlns:p14="http://schemas.microsoft.com/office/powerpoint/2010/main" val="2202554057"/>
+      </p:ext>
+    </p:extLst>
+  </p:cSld>
+  <p:clrMapOvr>
+    <a:masterClrMapping/>
+  </p:clrMapOvr>
+</p:sld>
+</file>
+
+<file path=ppt/slides/slide15.xml><?xml version="1.0" encoding="utf-8"?>
+<p:sld xmlns:a="http://schemas.openxmlformats.org/drawingml/2006/main" xmlns:r="http://schemas.openxmlformats.org/officeDocument/2006/relationships" xmlns:p="http://schemas.openxmlformats.org/presentationml/2006/main">
+  <p:cSld>
+    <p:spTree>
+      <p:nvGrpSpPr>
+        <p:cNvPr id="1" name=""/>
+        <p:cNvGrpSpPr/>
+        <p:nvPr/>
+      </p:nvGrpSpPr>
+      <p:grpSpPr>
+        <a:xfrm>
+          <a:off x="0" y="0"/>
+          <a:ext cx="0" cy="0"/>
+          <a:chOff x="0" y="0"/>
+          <a:chExt cx="0" cy="0"/>
+        </a:xfrm>
+      </p:grpSpPr>
+      <p:sp>
+        <p:nvSpPr>
+          <p:cNvPr id="2" name="Title 1">
+            <a:extLst>
+              <a:ext uri="{FF2B5EF4-FFF2-40B4-BE49-F238E27FC236}">
+                <a16:creationId xmlns:a16="http://schemas.microsoft.com/office/drawing/2014/main" id="{BEC7357F-A162-2EFC-EEEC-883F9AA7EBE7}"/>
+              </a:ext>
+            </a:extLst>
+          </p:cNvPr>
+          <p:cNvSpPr>
+            <a:spLocks noGrp="1"/>
+          </p:cNvSpPr>
+          <p:nvPr>
+            <p:ph type="title"/>
+          </p:nvPr>
+        </p:nvSpPr>
+        <p:spPr/>
+        <p:txBody>
+          <a:bodyPr/>
+          <a:lstStyle/>
+          <a:p>
+            <a:endParaRPr lang="en-US"/>
+          </a:p>
+        </p:txBody>
+      </p:sp>
+      <p:sp>
+        <p:nvSpPr>
+          <p:cNvPr id="3" name="Content Placeholder 2">
+            <a:extLst>
+              <a:ext uri="{FF2B5EF4-FFF2-40B4-BE49-F238E27FC236}">
+                <a16:creationId xmlns:a16="http://schemas.microsoft.com/office/drawing/2014/main" id="{68405748-0EF4-9632-C0CC-1B6CBE4B2EAD}"/>
+              </a:ext>
+            </a:extLst>
+          </p:cNvPr>
+          <p:cNvSpPr>
+            <a:spLocks noGrp="1"/>
+          </p:cNvSpPr>
+          <p:nvPr>
+            <p:ph idx="1"/>
+          </p:nvPr>
+        </p:nvSpPr>
+        <p:spPr/>
+        <p:txBody>
+          <a:bodyPr/>
+          <a:lstStyle/>
+          <a:p>
+            <a:r>
+              <a:rPr lang="en-US"/>
+              <a:t>THANK YOU AMAZING CONTENT</a:t>
+            </a:r>
+          </a:p>
+        </p:txBody>
+      </p:sp>
+    </p:spTree>
+    <p:extLst>
+      <p:ext uri="{BB962C8B-B14F-4D97-AF65-F5344CB8AC3E}">
+        <p14:creationId xmlns:p14="http://schemas.microsoft.com/office/powerpoint/2010/main" val="1104419604"/>
       </p:ext>
     </p:extLst>
   </p:cSld>

--- a/Caravan.pptx
+++ b/Caravan.pptx
@@ -8,18 +8,19 @@
     <p:sldId id="256" r:id="rId2"/>
     <p:sldId id="270" r:id="rId3"/>
     <p:sldId id="257" r:id="rId4"/>
-    <p:sldId id="259" r:id="rId5"/>
-    <p:sldId id="263" r:id="rId6"/>
-    <p:sldId id="271" r:id="rId7"/>
-    <p:sldId id="269" r:id="rId8"/>
-    <p:sldId id="262" r:id="rId9"/>
-    <p:sldId id="264" r:id="rId10"/>
-    <p:sldId id="265" r:id="rId11"/>
-    <p:sldId id="266" r:id="rId12"/>
-    <p:sldId id="267" r:id="rId13"/>
-    <p:sldId id="272" r:id="rId14"/>
-    <p:sldId id="268" r:id="rId15"/>
-    <p:sldId id="273" r:id="rId16"/>
+    <p:sldId id="274" r:id="rId5"/>
+    <p:sldId id="259" r:id="rId6"/>
+    <p:sldId id="263" r:id="rId7"/>
+    <p:sldId id="271" r:id="rId8"/>
+    <p:sldId id="269" r:id="rId9"/>
+    <p:sldId id="262" r:id="rId10"/>
+    <p:sldId id="264" r:id="rId11"/>
+    <p:sldId id="265" r:id="rId12"/>
+    <p:sldId id="266" r:id="rId13"/>
+    <p:sldId id="267" r:id="rId14"/>
+    <p:sldId id="272" r:id="rId15"/>
+    <p:sldId id="268" r:id="rId16"/>
+    <p:sldId id="273" r:id="rId17"/>
   </p:sldIdLst>
   <p:sldSz cx="12192000" cy="6858000"/>
   <p:notesSz cx="6858000" cy="9144000"/>
@@ -9298,7 +9299,7 @@
         <a:lstStyle/>
         <a:p>
           <a:r>
-            <a:rPr lang="en-US"/>
+            <a:rPr lang="en-US" dirty="0"/>
             <a:t>Model 3 is recommended over model 1 if we need to consider accuracy.</a:t>
           </a:r>
         </a:p>
@@ -14209,7 +14210,7 @@
             <a:buNone/>
           </a:pPr>
           <a:r>
-            <a:rPr lang="en-US" sz="2300" kern="1200"/>
+            <a:rPr lang="en-US" sz="2300" kern="1200" dirty="0"/>
             <a:t>Model 3 is recommended over model 1 if we need to consider accuracy.</a:t>
           </a:r>
         </a:p>
@@ -29665,6 +29666,308 @@
   <p:cSld>
     <p:bg>
       <p:bgPr>
+        <a:gradFill rotWithShape="1">
+          <a:gsLst>
+            <a:gs pos="0">
+              <a:schemeClr val="bg2">
+                <a:tint val="94000"/>
+                <a:satMod val="80000"/>
+                <a:lumMod val="106000"/>
+              </a:schemeClr>
+            </a:gs>
+            <a:gs pos="100000">
+              <a:schemeClr val="bg2">
+                <a:shade val="80000"/>
+              </a:schemeClr>
+            </a:gs>
+          </a:gsLst>
+          <a:path path="circle">
+            <a:fillToRect l="43000" r="43000" b="100000"/>
+          </a:path>
+        </a:gradFill>
+        <a:effectLst/>
+      </p:bgPr>
+    </p:bg>
+    <p:spTree>
+      <p:nvGrpSpPr>
+        <p:cNvPr id="1" name=""/>
+        <p:cNvGrpSpPr/>
+        <p:nvPr/>
+      </p:nvGrpSpPr>
+      <p:grpSpPr>
+        <a:xfrm>
+          <a:off x="0" y="0"/>
+          <a:ext cx="0" cy="0"/>
+          <a:chOff x="0" y="0"/>
+          <a:chExt cx="0" cy="0"/>
+        </a:xfrm>
+      </p:grpSpPr>
+      <p:sp useBgFill="1">
+        <p:nvSpPr>
+          <p:cNvPr id="10" name="Rectangle 9">
+            <a:extLst>
+              <a:ext uri="{FF2B5EF4-FFF2-40B4-BE49-F238E27FC236}">
+                <a16:creationId xmlns:a16="http://schemas.microsoft.com/office/drawing/2014/main" id="{482E7304-2AC2-4A5C-924D-A6AC3FFC5EAC}"/>
+              </a:ext>
+              <a:ext uri="{C183D7F6-B498-43B3-948B-1728B52AA6E4}">
+                <adec:decorative xmlns:adec="http://schemas.microsoft.com/office/drawing/2017/decorative" val="1"/>
+              </a:ext>
+            </a:extLst>
+          </p:cNvPr>
+          <p:cNvSpPr>
+            <a:spLocks noGrp="1" noRot="1" noChangeAspect="1" noMove="1" noResize="1" noEditPoints="1" noAdjustHandles="1" noChangeArrowheads="1" noChangeShapeType="1" noTextEdit="1"/>
+          </p:cNvSpPr>
+          <p:nvPr>
+            <p:extLst>
+              <p:ext uri="{386F3935-93C4-4BCD-93E2-E3B085C9AB24}">
+                <p16:designElem xmlns:p16="http://schemas.microsoft.com/office/powerpoint/2015/main" val="1"/>
+              </p:ext>
+            </p:extLst>
+          </p:nvPr>
+        </p:nvSpPr>
+        <p:spPr>
+          <a:xfrm>
+            <a:off x="2" y="0"/>
+            <a:ext cx="12191695" cy="6858000"/>
+          </a:xfrm>
+          <a:prstGeom prst="rect">
+            <a:avLst/>
+          </a:prstGeom>
+          <a:ln>
+            <a:noFill/>
+          </a:ln>
+        </p:spPr>
+        <p:style>
+          <a:lnRef idx="2">
+            <a:schemeClr val="accent1">
+              <a:shade val="50000"/>
+            </a:schemeClr>
+          </a:lnRef>
+          <a:fillRef idx="1">
+            <a:schemeClr val="accent1"/>
+          </a:fillRef>
+          <a:effectRef idx="0">
+            <a:schemeClr val="accent1"/>
+          </a:effectRef>
+          <a:fontRef idx="minor">
+            <a:schemeClr val="lt1"/>
+          </a:fontRef>
+        </p:style>
+        <p:txBody>
+          <a:bodyPr rtlCol="0" anchor="ctr"/>
+          <a:lstStyle/>
+          <a:p>
+            <a:pPr algn="ctr"/>
+            <a:endParaRPr lang="en-US"/>
+          </a:p>
+        </p:txBody>
+      </p:sp>
+      <p:sp>
+        <p:nvSpPr>
+          <p:cNvPr id="2" name="Title 1">
+            <a:extLst>
+              <a:ext uri="{FF2B5EF4-FFF2-40B4-BE49-F238E27FC236}">
+                <a16:creationId xmlns:a16="http://schemas.microsoft.com/office/drawing/2014/main" id="{12F8596A-9D6B-9609-2CA3-295D61B4C792}"/>
+              </a:ext>
+            </a:extLst>
+          </p:cNvPr>
+          <p:cNvSpPr>
+            <a:spLocks noGrp="1"/>
+          </p:cNvSpPr>
+          <p:nvPr>
+            <p:ph type="title"/>
+          </p:nvPr>
+        </p:nvSpPr>
+        <p:spPr>
+          <a:xfrm>
+            <a:off x="1451579" y="804519"/>
+            <a:ext cx="9603275" cy="1049235"/>
+          </a:xfrm>
+        </p:spPr>
+        <p:txBody>
+          <a:bodyPr>
+            <a:normAutofit/>
+          </a:bodyPr>
+          <a:lstStyle/>
+          <a:p>
+            <a:r>
+              <a:rPr lang="en-US"/>
+              <a:t>Models</a:t>
+            </a:r>
+          </a:p>
+        </p:txBody>
+      </p:sp>
+      <p:cxnSp>
+        <p:nvCxnSpPr>
+          <p:cNvPr id="7" name="Straight Connector 11">
+            <a:extLst>
+              <a:ext uri="{FF2B5EF4-FFF2-40B4-BE49-F238E27FC236}">
+                <a16:creationId xmlns:a16="http://schemas.microsoft.com/office/drawing/2014/main" id="{D259FEF2-F6A5-442F-BA10-4E39EECD0ABE}"/>
+              </a:ext>
+              <a:ext uri="{C183D7F6-B498-43B3-948B-1728B52AA6E4}">
+                <adec:decorative xmlns:adec="http://schemas.microsoft.com/office/drawing/2017/decorative" val="1"/>
+              </a:ext>
+            </a:extLst>
+          </p:cNvPr>
+          <p:cNvCxnSpPr>
+            <a:cxnSpLocks noGrp="1" noRot="1" noChangeAspect="1" noMove="1" noResize="1" noEditPoints="1" noAdjustHandles="1" noChangeArrowheads="1" noChangeShapeType="1"/>
+          </p:cNvCxnSpPr>
+          <p:nvPr>
+            <p:extLst>
+              <p:ext uri="{386F3935-93C4-4BCD-93E2-E3B085C9AB24}">
+                <p16:designElem xmlns:p16="http://schemas.microsoft.com/office/powerpoint/2015/main" val="1"/>
+              </p:ext>
+            </p:extLst>
+          </p:nvPr>
+        </p:nvCxnSpPr>
+        <p:spPr>
+          <a:xfrm>
+            <a:off x="1451579" y="1853754"/>
+            <a:ext cx="9603274" cy="0"/>
+          </a:xfrm>
+          <a:prstGeom prst="line">
+            <a:avLst/>
+          </a:prstGeom>
+          <a:ln w="31750"/>
+        </p:spPr>
+        <p:style>
+          <a:lnRef idx="3">
+            <a:schemeClr val="accent1"/>
+          </a:lnRef>
+          <a:fillRef idx="0">
+            <a:schemeClr val="accent1"/>
+          </a:fillRef>
+          <a:effectRef idx="2">
+            <a:schemeClr val="accent1"/>
+          </a:effectRef>
+          <a:fontRef idx="minor">
+            <a:schemeClr val="tx1"/>
+          </a:fontRef>
+        </p:style>
+      </p:cxnSp>
+      <p:sp>
+        <p:nvSpPr>
+          <p:cNvPr id="8" name="Rectangle 13">
+            <a:extLst>
+              <a:ext uri="{FF2B5EF4-FFF2-40B4-BE49-F238E27FC236}">
+                <a16:creationId xmlns:a16="http://schemas.microsoft.com/office/drawing/2014/main" id="{A3C183B1-1D4B-4E3D-A02E-A426E3BFA016}"/>
+              </a:ext>
+              <a:ext uri="{C183D7F6-B498-43B3-948B-1728B52AA6E4}">
+                <adec:decorative xmlns:adec="http://schemas.microsoft.com/office/drawing/2017/decorative" val="1"/>
+              </a:ext>
+            </a:extLst>
+          </p:cNvPr>
+          <p:cNvSpPr>
+            <a:spLocks noGrp="1" noRot="1" noChangeAspect="1" noMove="1" noResize="1" noEditPoints="1" noAdjustHandles="1" noChangeArrowheads="1" noChangeShapeType="1" noTextEdit="1"/>
+          </p:cNvSpPr>
+          <p:nvPr>
+            <p:extLst>
+              <p:ext uri="{386F3935-93C4-4BCD-93E2-E3B085C9AB24}">
+                <p16:designElem xmlns:p16="http://schemas.microsoft.com/office/powerpoint/2015/main" val="1"/>
+              </p:ext>
+            </p:extLst>
+          </p:nvPr>
+        </p:nvSpPr>
+        <p:spPr>
+          <a:xfrm>
+            <a:off x="0" y="2019476"/>
+            <a:ext cx="12192000" cy="4838524"/>
+          </a:xfrm>
+          <a:prstGeom prst="rect">
+            <a:avLst/>
+          </a:prstGeom>
+          <a:gradFill flip="none" rotWithShape="1">
+            <a:gsLst>
+              <a:gs pos="0">
+                <a:schemeClr val="bg2">
+                  <a:alpha val="0"/>
+                </a:schemeClr>
+              </a:gs>
+              <a:gs pos="100000">
+                <a:schemeClr val="bg2"/>
+              </a:gs>
+            </a:gsLst>
+            <a:lin ang="5400000" scaled="0"/>
+            <a:tileRect/>
+          </a:gradFill>
+          <a:ln>
+            <a:noFill/>
+          </a:ln>
+        </p:spPr>
+        <p:style>
+          <a:lnRef idx="2">
+            <a:schemeClr val="accent1">
+              <a:shade val="50000"/>
+            </a:schemeClr>
+          </a:lnRef>
+          <a:fillRef idx="1">
+            <a:schemeClr val="accent1"/>
+          </a:fillRef>
+          <a:effectRef idx="0">
+            <a:schemeClr val="accent1"/>
+          </a:effectRef>
+          <a:fontRef idx="minor">
+            <a:schemeClr val="lt1"/>
+          </a:fontRef>
+        </p:style>
+        <p:txBody>
+          <a:bodyPr rtlCol="0" anchor="ctr"/>
+          <a:lstStyle/>
+          <a:p>
+            <a:pPr lvl="0" algn="ctr"/>
+            <a:endParaRPr lang="en-US"/>
+          </a:p>
+        </p:txBody>
+      </p:sp>
+      <p:graphicFrame>
+        <p:nvGraphicFramePr>
+          <p:cNvPr id="5" name="Content Placeholder 2">
+            <a:extLst>
+              <a:ext uri="{FF2B5EF4-FFF2-40B4-BE49-F238E27FC236}">
+                <a16:creationId xmlns:a16="http://schemas.microsoft.com/office/drawing/2014/main" id="{6C3969BD-AB46-8400-C7A7-7CE9D18D84BB}"/>
+              </a:ext>
+            </a:extLst>
+          </p:cNvPr>
+          <p:cNvGraphicFramePr>
+            <a:graphicFrameLocks noGrp="1"/>
+          </p:cNvGraphicFramePr>
+          <p:nvPr>
+            <p:ph idx="1"/>
+            <p:extLst>
+              <p:ext uri="{D42A27DB-BD31-4B8C-83A1-F6EECF244321}">
+                <p14:modId xmlns:p14="http://schemas.microsoft.com/office/powerpoint/2010/main" val="2438425653"/>
+              </p:ext>
+            </p:extLst>
+          </p:nvPr>
+        </p:nvGraphicFramePr>
+        <p:xfrm>
+          <a:off x="1450975" y="2331497"/>
+          <a:ext cx="9604375" cy="3723227"/>
+        </p:xfrm>
+        <a:graphic>
+          <a:graphicData uri="http://schemas.openxmlformats.org/drawingml/2006/diagram">
+            <dgm:relIds xmlns:dgm="http://schemas.openxmlformats.org/drawingml/2006/diagram" xmlns:r="http://schemas.openxmlformats.org/officeDocument/2006/relationships" r:dm="rId2" r:lo="rId3" r:qs="rId4" r:cs="rId5"/>
+          </a:graphicData>
+        </a:graphic>
+      </p:graphicFrame>
+    </p:spTree>
+    <p:extLst>
+      <p:ext uri="{BB962C8B-B14F-4D97-AF65-F5344CB8AC3E}">
+        <p14:creationId xmlns:p14="http://schemas.microsoft.com/office/powerpoint/2010/main" val="1362923887"/>
+      </p:ext>
+    </p:extLst>
+  </p:cSld>
+  <p:clrMapOvr>
+    <a:masterClrMapping/>
+  </p:clrMapOvr>
+</p:sld>
+</file>
+
+<file path=ppt/slides/slide11.xml><?xml version="1.0" encoding="utf-8"?>
+<p:sld xmlns:a="http://schemas.openxmlformats.org/drawingml/2006/main" xmlns:r="http://schemas.openxmlformats.org/officeDocument/2006/relationships" xmlns:p="http://schemas.openxmlformats.org/presentationml/2006/main">
+  <p:cSld>
+    <p:bg>
+      <p:bgPr>
         <a:solidFill>
           <a:schemeClr val="bg1"/>
         </a:solidFill>
@@ -30419,7 +30722,7 @@
 </p:sld>
 </file>
 
-<file path=ppt/slides/slide11.xml><?xml version="1.0" encoding="utf-8"?>
+<file path=ppt/slides/slide12.xml><?xml version="1.0" encoding="utf-8"?>
 <p:sld xmlns:a="http://schemas.openxmlformats.org/drawingml/2006/main" xmlns:r="http://schemas.openxmlformats.org/officeDocument/2006/relationships" xmlns:p="http://schemas.openxmlformats.org/presentationml/2006/main">
   <p:cSld>
     <p:bg>
@@ -30539,7 +30842,7 @@
 </p:sld>
 </file>
 
-<file path=ppt/slides/slide12.xml><?xml version="1.0" encoding="utf-8"?>
+<file path=ppt/slides/slide13.xml><?xml version="1.0" encoding="utf-8"?>
 <p:sld xmlns:a="http://schemas.openxmlformats.org/drawingml/2006/main" xmlns:r="http://schemas.openxmlformats.org/officeDocument/2006/relationships" xmlns:p="http://schemas.openxmlformats.org/presentationml/2006/main">
   <p:cSld>
     <p:bg>
@@ -30841,7 +31144,7 @@
 </p:sld>
 </file>
 
-<file path=ppt/slides/slide13.xml><?xml version="1.0" encoding="utf-8"?>
+<file path=ppt/slides/slide14.xml><?xml version="1.0" encoding="utf-8"?>
 <p:sld xmlns:a="http://schemas.openxmlformats.org/drawingml/2006/main" xmlns:r="http://schemas.openxmlformats.org/officeDocument/2006/relationships" xmlns:p="http://schemas.openxmlformats.org/presentationml/2006/main">
   <p:cSld>
     <p:spTree>
@@ -30924,7 +31227,7 @@
 </p:sld>
 </file>
 
-<file path=ppt/slides/slide14.xml><?xml version="1.0" encoding="utf-8"?>
+<file path=ppt/slides/slide15.xml><?xml version="1.0" encoding="utf-8"?>
 <p:sld xmlns:a="http://schemas.openxmlformats.org/drawingml/2006/main" xmlns:r="http://schemas.openxmlformats.org/officeDocument/2006/relationships" xmlns:p="http://schemas.openxmlformats.org/presentationml/2006/main">
   <p:cSld>
     <p:bg>
@@ -31226,7 +31529,7 @@
 </p:sld>
 </file>
 
-<file path=ppt/slides/slide15.xml><?xml version="1.0" encoding="utf-8"?>
+<file path=ppt/slides/slide16.xml><?xml version="1.0" encoding="utf-8"?>
 <p:sld xmlns:a="http://schemas.openxmlformats.org/drawingml/2006/main" xmlns:r="http://schemas.openxmlformats.org/officeDocument/2006/relationships" xmlns:p="http://schemas.openxmlformats.org/presentationml/2006/main">
   <p:cSld>
     <p:spTree>
@@ -31286,11 +31589,16 @@
         </p:nvSpPr>
         <p:spPr/>
         <p:txBody>
-          <a:bodyPr/>
+          <a:bodyPr>
+            <a:normAutofit/>
+          </a:bodyPr>
           <a:lstStyle/>
           <a:p>
+            <a:pPr marL="0" indent="0" algn="ctr">
+              <a:buNone/>
+            </a:pPr>
             <a:r>
-              <a:rPr lang="en-US"/>
+              <a:rPr lang="en-US" sz="4000" dirty="0"/>
               <a:t>THANK YOU AMAZING CONTENT</a:t>
             </a:r>
           </a:p>
@@ -32545,6 +32853,89 @@
 <file path=ppt/slides/slide4.xml><?xml version="1.0" encoding="utf-8"?>
 <p:sld xmlns:a="http://schemas.openxmlformats.org/drawingml/2006/main" xmlns:r="http://schemas.openxmlformats.org/officeDocument/2006/relationships" xmlns:p="http://schemas.openxmlformats.org/presentationml/2006/main">
   <p:cSld>
+    <p:spTree>
+      <p:nvGrpSpPr>
+        <p:cNvPr id="1" name=""/>
+        <p:cNvGrpSpPr/>
+        <p:nvPr/>
+      </p:nvGrpSpPr>
+      <p:grpSpPr>
+        <a:xfrm>
+          <a:off x="0" y="0"/>
+          <a:ext cx="0" cy="0"/>
+          <a:chOff x="0" y="0"/>
+          <a:chExt cx="0" cy="0"/>
+        </a:xfrm>
+      </p:grpSpPr>
+      <p:sp>
+        <p:nvSpPr>
+          <p:cNvPr id="2" name="Title 1">
+            <a:extLst>
+              <a:ext uri="{FF2B5EF4-FFF2-40B4-BE49-F238E27FC236}">
+                <a16:creationId xmlns:a16="http://schemas.microsoft.com/office/drawing/2014/main" id="{B41BE5AC-3789-41A6-0F46-31733CEA5709}"/>
+              </a:ext>
+            </a:extLst>
+          </p:cNvPr>
+          <p:cNvSpPr>
+            <a:spLocks noGrp="1"/>
+          </p:cNvSpPr>
+          <p:nvPr>
+            <p:ph type="title"/>
+          </p:nvPr>
+        </p:nvSpPr>
+        <p:spPr/>
+        <p:txBody>
+          <a:bodyPr/>
+          <a:lstStyle/>
+          <a:p>
+            <a:r>
+              <a:rPr lang="en-US"/>
+              <a:t>Motivation</a:t>
+            </a:r>
+          </a:p>
+        </p:txBody>
+      </p:sp>
+      <p:sp>
+        <p:nvSpPr>
+          <p:cNvPr id="3" name="Content Placeholder 2">
+            <a:extLst>
+              <a:ext uri="{FF2B5EF4-FFF2-40B4-BE49-F238E27FC236}">
+                <a16:creationId xmlns:a16="http://schemas.microsoft.com/office/drawing/2014/main" id="{8C3126FA-C63D-03BD-7922-6204E7D4CFF3}"/>
+              </a:ext>
+            </a:extLst>
+          </p:cNvPr>
+          <p:cNvSpPr>
+            <a:spLocks noGrp="1"/>
+          </p:cNvSpPr>
+          <p:nvPr>
+            <p:ph idx="1"/>
+          </p:nvPr>
+        </p:nvSpPr>
+        <p:spPr/>
+        <p:txBody>
+          <a:bodyPr/>
+          <a:lstStyle/>
+          <a:p>
+            <a:endParaRPr lang="en-US"/>
+          </a:p>
+        </p:txBody>
+      </p:sp>
+    </p:spTree>
+    <p:extLst>
+      <p:ext uri="{BB962C8B-B14F-4D97-AF65-F5344CB8AC3E}">
+        <p14:creationId xmlns:p14="http://schemas.microsoft.com/office/powerpoint/2010/main" val="626637299"/>
+      </p:ext>
+    </p:extLst>
+  </p:cSld>
+  <p:clrMapOvr>
+    <a:masterClrMapping/>
+  </p:clrMapOvr>
+</p:sld>
+</file>
+
+<file path=ppt/slides/slide5.xml><?xml version="1.0" encoding="utf-8"?>
+<p:sld xmlns:a="http://schemas.openxmlformats.org/drawingml/2006/main" xmlns:r="http://schemas.openxmlformats.org/officeDocument/2006/relationships" xmlns:p="http://schemas.openxmlformats.org/presentationml/2006/main">
+  <p:cSld>
     <p:bg>
       <p:bgPr>
         <a:solidFill>
@@ -32644,7 +33035,7 @@
 </p:sld>
 </file>
 
-<file path=ppt/slides/slide5.xml><?xml version="1.0" encoding="utf-8"?>
+<file path=ppt/slides/slide6.xml><?xml version="1.0" encoding="utf-8"?>
 <p:sld xmlns:a="http://schemas.openxmlformats.org/drawingml/2006/main" xmlns:r="http://schemas.openxmlformats.org/officeDocument/2006/relationships" xmlns:p="http://schemas.openxmlformats.org/presentationml/2006/main">
   <p:cSld>
     <p:bg>
@@ -32971,7 +33362,7 @@
 </p:sld>
 </file>
 
-<file path=ppt/slides/slide6.xml><?xml version="1.0" encoding="utf-8"?>
+<file path=ppt/slides/slide7.xml><?xml version="1.0" encoding="utf-8"?>
 <p:sld xmlns:a="http://schemas.openxmlformats.org/drawingml/2006/main" xmlns:r="http://schemas.openxmlformats.org/officeDocument/2006/relationships" xmlns:p="http://schemas.openxmlformats.org/presentationml/2006/main">
   <p:cSld>
     <p:bg>
@@ -33224,7 +33615,7 @@
 </p:sld>
 </file>
 
-<file path=ppt/slides/slide7.xml><?xml version="1.0" encoding="utf-8"?>
+<file path=ppt/slides/slide8.xml><?xml version="1.0" encoding="utf-8"?>
 <p:sld xmlns:a="http://schemas.openxmlformats.org/drawingml/2006/main" xmlns:r="http://schemas.openxmlformats.org/officeDocument/2006/relationships" xmlns:p="http://schemas.openxmlformats.org/presentationml/2006/main">
   <p:cSld>
     <p:bg>
@@ -33332,7 +33723,7 @@
 </p:sld>
 </file>
 
-<file path=ppt/slides/slide8.xml><?xml version="1.0" encoding="utf-8"?>
+<file path=ppt/slides/slide9.xml><?xml version="1.0" encoding="utf-8"?>
 <p:sld xmlns:a="http://schemas.openxmlformats.org/drawingml/2006/main" xmlns:r="http://schemas.openxmlformats.org/officeDocument/2006/relationships" xmlns:p="http://schemas.openxmlformats.org/presentationml/2006/main">
   <p:cSld>
     <p:bg>
@@ -33787,308 +34178,6 @@
 </p:sld>
 </file>
 
-<file path=ppt/slides/slide9.xml><?xml version="1.0" encoding="utf-8"?>
-<p:sld xmlns:a="http://schemas.openxmlformats.org/drawingml/2006/main" xmlns:r="http://schemas.openxmlformats.org/officeDocument/2006/relationships" xmlns:p="http://schemas.openxmlformats.org/presentationml/2006/main">
-  <p:cSld>
-    <p:bg>
-      <p:bgPr>
-        <a:gradFill rotWithShape="1">
-          <a:gsLst>
-            <a:gs pos="0">
-              <a:schemeClr val="bg2">
-                <a:tint val="94000"/>
-                <a:satMod val="80000"/>
-                <a:lumMod val="106000"/>
-              </a:schemeClr>
-            </a:gs>
-            <a:gs pos="100000">
-              <a:schemeClr val="bg2">
-                <a:shade val="80000"/>
-              </a:schemeClr>
-            </a:gs>
-          </a:gsLst>
-          <a:path path="circle">
-            <a:fillToRect l="43000" r="43000" b="100000"/>
-          </a:path>
-        </a:gradFill>
-        <a:effectLst/>
-      </p:bgPr>
-    </p:bg>
-    <p:spTree>
-      <p:nvGrpSpPr>
-        <p:cNvPr id="1" name=""/>
-        <p:cNvGrpSpPr/>
-        <p:nvPr/>
-      </p:nvGrpSpPr>
-      <p:grpSpPr>
-        <a:xfrm>
-          <a:off x="0" y="0"/>
-          <a:ext cx="0" cy="0"/>
-          <a:chOff x="0" y="0"/>
-          <a:chExt cx="0" cy="0"/>
-        </a:xfrm>
-      </p:grpSpPr>
-      <p:sp useBgFill="1">
-        <p:nvSpPr>
-          <p:cNvPr id="10" name="Rectangle 9">
-            <a:extLst>
-              <a:ext uri="{FF2B5EF4-FFF2-40B4-BE49-F238E27FC236}">
-                <a16:creationId xmlns:a16="http://schemas.microsoft.com/office/drawing/2014/main" id="{482E7304-2AC2-4A5C-924D-A6AC3FFC5EAC}"/>
-              </a:ext>
-              <a:ext uri="{C183D7F6-B498-43B3-948B-1728B52AA6E4}">
-                <adec:decorative xmlns:adec="http://schemas.microsoft.com/office/drawing/2017/decorative" val="1"/>
-              </a:ext>
-            </a:extLst>
-          </p:cNvPr>
-          <p:cNvSpPr>
-            <a:spLocks noGrp="1" noRot="1" noChangeAspect="1" noMove="1" noResize="1" noEditPoints="1" noAdjustHandles="1" noChangeArrowheads="1" noChangeShapeType="1" noTextEdit="1"/>
-          </p:cNvSpPr>
-          <p:nvPr>
-            <p:extLst>
-              <p:ext uri="{386F3935-93C4-4BCD-93E2-E3B085C9AB24}">
-                <p16:designElem xmlns:p16="http://schemas.microsoft.com/office/powerpoint/2015/main" val="1"/>
-              </p:ext>
-            </p:extLst>
-          </p:nvPr>
-        </p:nvSpPr>
-        <p:spPr>
-          <a:xfrm>
-            <a:off x="2" y="0"/>
-            <a:ext cx="12191695" cy="6858000"/>
-          </a:xfrm>
-          <a:prstGeom prst="rect">
-            <a:avLst/>
-          </a:prstGeom>
-          <a:ln>
-            <a:noFill/>
-          </a:ln>
-        </p:spPr>
-        <p:style>
-          <a:lnRef idx="2">
-            <a:schemeClr val="accent1">
-              <a:shade val="50000"/>
-            </a:schemeClr>
-          </a:lnRef>
-          <a:fillRef idx="1">
-            <a:schemeClr val="accent1"/>
-          </a:fillRef>
-          <a:effectRef idx="0">
-            <a:schemeClr val="accent1"/>
-          </a:effectRef>
-          <a:fontRef idx="minor">
-            <a:schemeClr val="lt1"/>
-          </a:fontRef>
-        </p:style>
-        <p:txBody>
-          <a:bodyPr rtlCol="0" anchor="ctr"/>
-          <a:lstStyle/>
-          <a:p>
-            <a:pPr algn="ctr"/>
-            <a:endParaRPr lang="en-US"/>
-          </a:p>
-        </p:txBody>
-      </p:sp>
-      <p:sp>
-        <p:nvSpPr>
-          <p:cNvPr id="2" name="Title 1">
-            <a:extLst>
-              <a:ext uri="{FF2B5EF4-FFF2-40B4-BE49-F238E27FC236}">
-                <a16:creationId xmlns:a16="http://schemas.microsoft.com/office/drawing/2014/main" id="{12F8596A-9D6B-9609-2CA3-295D61B4C792}"/>
-              </a:ext>
-            </a:extLst>
-          </p:cNvPr>
-          <p:cNvSpPr>
-            <a:spLocks noGrp="1"/>
-          </p:cNvSpPr>
-          <p:nvPr>
-            <p:ph type="title"/>
-          </p:nvPr>
-        </p:nvSpPr>
-        <p:spPr>
-          <a:xfrm>
-            <a:off x="1451579" y="804519"/>
-            <a:ext cx="9603275" cy="1049235"/>
-          </a:xfrm>
-        </p:spPr>
-        <p:txBody>
-          <a:bodyPr>
-            <a:normAutofit/>
-          </a:bodyPr>
-          <a:lstStyle/>
-          <a:p>
-            <a:r>
-              <a:rPr lang="en-US"/>
-              <a:t>Models</a:t>
-            </a:r>
-          </a:p>
-        </p:txBody>
-      </p:sp>
-      <p:cxnSp>
-        <p:nvCxnSpPr>
-          <p:cNvPr id="7" name="Straight Connector 11">
-            <a:extLst>
-              <a:ext uri="{FF2B5EF4-FFF2-40B4-BE49-F238E27FC236}">
-                <a16:creationId xmlns:a16="http://schemas.microsoft.com/office/drawing/2014/main" id="{D259FEF2-F6A5-442F-BA10-4E39EECD0ABE}"/>
-              </a:ext>
-              <a:ext uri="{C183D7F6-B498-43B3-948B-1728B52AA6E4}">
-                <adec:decorative xmlns:adec="http://schemas.microsoft.com/office/drawing/2017/decorative" val="1"/>
-              </a:ext>
-            </a:extLst>
-          </p:cNvPr>
-          <p:cNvCxnSpPr>
-            <a:cxnSpLocks noGrp="1" noRot="1" noChangeAspect="1" noMove="1" noResize="1" noEditPoints="1" noAdjustHandles="1" noChangeArrowheads="1" noChangeShapeType="1"/>
-          </p:cNvCxnSpPr>
-          <p:nvPr>
-            <p:extLst>
-              <p:ext uri="{386F3935-93C4-4BCD-93E2-E3B085C9AB24}">
-                <p16:designElem xmlns:p16="http://schemas.microsoft.com/office/powerpoint/2015/main" val="1"/>
-              </p:ext>
-            </p:extLst>
-          </p:nvPr>
-        </p:nvCxnSpPr>
-        <p:spPr>
-          <a:xfrm>
-            <a:off x="1451579" y="1853754"/>
-            <a:ext cx="9603274" cy="0"/>
-          </a:xfrm>
-          <a:prstGeom prst="line">
-            <a:avLst/>
-          </a:prstGeom>
-          <a:ln w="31750"/>
-        </p:spPr>
-        <p:style>
-          <a:lnRef idx="3">
-            <a:schemeClr val="accent1"/>
-          </a:lnRef>
-          <a:fillRef idx="0">
-            <a:schemeClr val="accent1"/>
-          </a:fillRef>
-          <a:effectRef idx="2">
-            <a:schemeClr val="accent1"/>
-          </a:effectRef>
-          <a:fontRef idx="minor">
-            <a:schemeClr val="tx1"/>
-          </a:fontRef>
-        </p:style>
-      </p:cxnSp>
-      <p:sp>
-        <p:nvSpPr>
-          <p:cNvPr id="8" name="Rectangle 13">
-            <a:extLst>
-              <a:ext uri="{FF2B5EF4-FFF2-40B4-BE49-F238E27FC236}">
-                <a16:creationId xmlns:a16="http://schemas.microsoft.com/office/drawing/2014/main" id="{A3C183B1-1D4B-4E3D-A02E-A426E3BFA016}"/>
-              </a:ext>
-              <a:ext uri="{C183D7F6-B498-43B3-948B-1728B52AA6E4}">
-                <adec:decorative xmlns:adec="http://schemas.microsoft.com/office/drawing/2017/decorative" val="1"/>
-              </a:ext>
-            </a:extLst>
-          </p:cNvPr>
-          <p:cNvSpPr>
-            <a:spLocks noGrp="1" noRot="1" noChangeAspect="1" noMove="1" noResize="1" noEditPoints="1" noAdjustHandles="1" noChangeArrowheads="1" noChangeShapeType="1" noTextEdit="1"/>
-          </p:cNvSpPr>
-          <p:nvPr>
-            <p:extLst>
-              <p:ext uri="{386F3935-93C4-4BCD-93E2-E3B085C9AB24}">
-                <p16:designElem xmlns:p16="http://schemas.microsoft.com/office/powerpoint/2015/main" val="1"/>
-              </p:ext>
-            </p:extLst>
-          </p:nvPr>
-        </p:nvSpPr>
-        <p:spPr>
-          <a:xfrm>
-            <a:off x="0" y="2019476"/>
-            <a:ext cx="12192000" cy="4838524"/>
-          </a:xfrm>
-          <a:prstGeom prst="rect">
-            <a:avLst/>
-          </a:prstGeom>
-          <a:gradFill flip="none" rotWithShape="1">
-            <a:gsLst>
-              <a:gs pos="0">
-                <a:schemeClr val="bg2">
-                  <a:alpha val="0"/>
-                </a:schemeClr>
-              </a:gs>
-              <a:gs pos="100000">
-                <a:schemeClr val="bg2"/>
-              </a:gs>
-            </a:gsLst>
-            <a:lin ang="5400000" scaled="0"/>
-            <a:tileRect/>
-          </a:gradFill>
-          <a:ln>
-            <a:noFill/>
-          </a:ln>
-        </p:spPr>
-        <p:style>
-          <a:lnRef idx="2">
-            <a:schemeClr val="accent1">
-              <a:shade val="50000"/>
-            </a:schemeClr>
-          </a:lnRef>
-          <a:fillRef idx="1">
-            <a:schemeClr val="accent1"/>
-          </a:fillRef>
-          <a:effectRef idx="0">
-            <a:schemeClr val="accent1"/>
-          </a:effectRef>
-          <a:fontRef idx="minor">
-            <a:schemeClr val="lt1"/>
-          </a:fontRef>
-        </p:style>
-        <p:txBody>
-          <a:bodyPr rtlCol="0" anchor="ctr"/>
-          <a:lstStyle/>
-          <a:p>
-            <a:pPr lvl="0" algn="ctr"/>
-            <a:endParaRPr lang="en-US"/>
-          </a:p>
-        </p:txBody>
-      </p:sp>
-      <p:graphicFrame>
-        <p:nvGraphicFramePr>
-          <p:cNvPr id="5" name="Content Placeholder 2">
-            <a:extLst>
-              <a:ext uri="{FF2B5EF4-FFF2-40B4-BE49-F238E27FC236}">
-                <a16:creationId xmlns:a16="http://schemas.microsoft.com/office/drawing/2014/main" id="{6C3969BD-AB46-8400-C7A7-7CE9D18D84BB}"/>
-              </a:ext>
-            </a:extLst>
-          </p:cNvPr>
-          <p:cNvGraphicFramePr>
-            <a:graphicFrameLocks noGrp="1"/>
-          </p:cNvGraphicFramePr>
-          <p:nvPr>
-            <p:ph idx="1"/>
-            <p:extLst>
-              <p:ext uri="{D42A27DB-BD31-4B8C-83A1-F6EECF244321}">
-                <p14:modId xmlns:p14="http://schemas.microsoft.com/office/powerpoint/2010/main" val="2438425653"/>
-              </p:ext>
-            </p:extLst>
-          </p:nvPr>
-        </p:nvGraphicFramePr>
-        <p:xfrm>
-          <a:off x="1450975" y="2331497"/>
-          <a:ext cx="9604375" cy="3723227"/>
-        </p:xfrm>
-        <a:graphic>
-          <a:graphicData uri="http://schemas.openxmlformats.org/drawingml/2006/diagram">
-            <dgm:relIds xmlns:dgm="http://schemas.openxmlformats.org/drawingml/2006/diagram" xmlns:r="http://schemas.openxmlformats.org/officeDocument/2006/relationships" r:dm="rId2" r:lo="rId3" r:qs="rId4" r:cs="rId5"/>
-          </a:graphicData>
-        </a:graphic>
-      </p:graphicFrame>
-    </p:spTree>
-    <p:extLst>
-      <p:ext uri="{BB962C8B-B14F-4D97-AF65-F5344CB8AC3E}">
-        <p14:creationId xmlns:p14="http://schemas.microsoft.com/office/powerpoint/2010/main" val="1362923887"/>
-      </p:ext>
-    </p:extLst>
-  </p:cSld>
-  <p:clrMapOvr>
-    <a:masterClrMapping/>
-  </p:clrMapOvr>
-</p:sld>
-</file>
-
 <file path=ppt/theme/theme1.xml><?xml version="1.0" encoding="utf-8"?>
 <a:theme xmlns:a="http://schemas.openxmlformats.org/drawingml/2006/main" name="Gallery">
   <a:themeElements>

--- a/Caravan.pptx
+++ b/Caravan.pptx
@@ -7,8 +7,8 @@
   <p:sldIdLst>
     <p:sldId id="256" r:id="rId2"/>
     <p:sldId id="270" r:id="rId3"/>
-    <p:sldId id="257" r:id="rId4"/>
-    <p:sldId id="274" r:id="rId5"/>
+    <p:sldId id="274" r:id="rId4"/>
+    <p:sldId id="257" r:id="rId5"/>
     <p:sldId id="259" r:id="rId6"/>
     <p:sldId id="263" r:id="rId7"/>
     <p:sldId id="271" r:id="rId8"/>
@@ -25870,7 +25870,7 @@
           <a:p>
             <a:fld id="{7E17CA91-2BE7-4231-A290-C311F451C0C9}" type="datetimeFigureOut">
               <a:rPr lang="en-US" smtClean="0"/>
-              <a:t>12/8/22</a:t>
+              <a:t>12/14/22</a:t>
             </a:fld>
             <a:endParaRPr lang="en-US"/>
           </a:p>
@@ -26081,7 +26081,7 @@
           <a:p>
             <a:fld id="{7E17CA91-2BE7-4231-A290-C311F451C0C9}" type="datetimeFigureOut">
               <a:rPr lang="en-US" smtClean="0"/>
-              <a:t>12/8/22</a:t>
+              <a:t>12/14/22</a:t>
             </a:fld>
             <a:endParaRPr lang="en-US"/>
           </a:p>
@@ -26296,7 +26296,7 @@
           <a:p>
             <a:fld id="{7E17CA91-2BE7-4231-A290-C311F451C0C9}" type="datetimeFigureOut">
               <a:rPr lang="en-US" smtClean="0"/>
-              <a:t>12/8/22</a:t>
+              <a:t>12/14/22</a:t>
             </a:fld>
             <a:endParaRPr lang="en-US"/>
           </a:p>
@@ -26497,7 +26497,7 @@
           <a:p>
             <a:fld id="{7E17CA91-2BE7-4231-A290-C311F451C0C9}" type="datetimeFigureOut">
               <a:rPr lang="en-US" smtClean="0"/>
-              <a:t>12/8/22</a:t>
+              <a:t>12/14/22</a:t>
             </a:fld>
             <a:endParaRPr lang="en-US"/>
           </a:p>
@@ -26776,7 +26776,7 @@
           <a:p>
             <a:fld id="{7E17CA91-2BE7-4231-A290-C311F451C0C9}" type="datetimeFigureOut">
               <a:rPr lang="en-US" smtClean="0"/>
-              <a:t>12/8/22</a:t>
+              <a:t>12/14/22</a:t>
             </a:fld>
             <a:endParaRPr lang="en-US"/>
           </a:p>
@@ -27044,7 +27044,7 @@
           <a:p>
             <a:fld id="{7E17CA91-2BE7-4231-A290-C311F451C0C9}" type="datetimeFigureOut">
               <a:rPr lang="en-US" smtClean="0"/>
-              <a:t>12/8/22</a:t>
+              <a:t>12/14/22</a:t>
             </a:fld>
             <a:endParaRPr lang="en-US"/>
           </a:p>
@@ -27460,7 +27460,7 @@
           <a:p>
             <a:fld id="{7E17CA91-2BE7-4231-A290-C311F451C0C9}" type="datetimeFigureOut">
               <a:rPr lang="en-US" smtClean="0"/>
-              <a:t>12/8/22</a:t>
+              <a:t>12/14/22</a:t>
             </a:fld>
             <a:endParaRPr lang="en-US"/>
           </a:p>
@@ -27609,7 +27609,7 @@
           <a:p>
             <a:fld id="{7E17CA91-2BE7-4231-A290-C311F451C0C9}" type="datetimeFigureOut">
               <a:rPr lang="en-US" smtClean="0"/>
-              <a:t>12/8/22</a:t>
+              <a:t>12/14/22</a:t>
             </a:fld>
             <a:endParaRPr lang="en-US"/>
           </a:p>
@@ -27735,7 +27735,7 @@
           <a:p>
             <a:fld id="{7E17CA91-2BE7-4231-A290-C311F451C0C9}" type="datetimeFigureOut">
               <a:rPr lang="en-US" smtClean="0"/>
-              <a:t>12/8/22</a:t>
+              <a:t>12/14/22</a:t>
             </a:fld>
             <a:endParaRPr lang="en-US"/>
           </a:p>
@@ -27986,7 +27986,7 @@
           <a:p>
             <a:fld id="{7E17CA91-2BE7-4231-A290-C311F451C0C9}" type="datetimeFigureOut">
               <a:rPr lang="en-US" smtClean="0"/>
-              <a:t>12/8/22</a:t>
+              <a:t>12/14/22</a:t>
             </a:fld>
             <a:endParaRPr lang="en-US"/>
           </a:p>
@@ -28431,7 +28431,7 @@
           <a:p>
             <a:fld id="{7E17CA91-2BE7-4231-A290-C311F451C0C9}" type="datetimeFigureOut">
               <a:rPr lang="en-US" smtClean="0"/>
-              <a:t>12/8/22</a:t>
+              <a:t>12/14/22</a:t>
             </a:fld>
             <a:endParaRPr lang="en-US"/>
           </a:p>
@@ -28758,7 +28758,7 @@
           <a:p>
             <a:fld id="{7E17CA91-2BE7-4231-A290-C311F451C0C9}" type="datetimeFigureOut">
               <a:rPr lang="en-US" smtClean="0"/>
-              <a:t>12/8/22</a:t>
+              <a:t>12/14/22</a:t>
             </a:fld>
             <a:endParaRPr lang="en-US"/>
           </a:p>
@@ -29309,12 +29309,8 @@
               </a:lnSpc>
             </a:pPr>
             <a:r>
-              <a:rPr lang="en-US" sz="1700" err="1"/>
-              <a:t>Preseented</a:t>
-            </a:r>
-            <a:r>
-              <a:rPr lang="en-US" sz="1700"/>
-              <a:t> by</a:t>
+              <a:rPr lang="en-US" sz="1700" dirty="0"/>
+              <a:t>Presented by</a:t>
             </a:r>
           </a:p>
           <a:p>
@@ -29324,15 +29320,15 @@
               </a:lnSpc>
             </a:pPr>
             <a:r>
-              <a:rPr lang="en-US" sz="1700"/>
+              <a:rPr lang="en-US" sz="1700" dirty="0"/>
               <a:t> </a:t>
             </a:r>
             <a:r>
-              <a:rPr lang="en-US" sz="1700" err="1"/>
+              <a:rPr lang="en-US" sz="1700" dirty="0" err="1"/>
               <a:t>karim</a:t>
             </a:r>
             <a:r>
-              <a:rPr lang="en-US" sz="1700"/>
+              <a:rPr lang="en-US" sz="1700" dirty="0"/>
               <a:t> &amp;</a:t>
             </a:r>
           </a:p>
@@ -29343,9 +29339,10 @@
               </a:lnSpc>
             </a:pPr>
             <a:r>
-              <a:rPr lang="en-US" sz="1700"/>
+              <a:rPr lang="en-US" sz="1700" dirty="0" err="1"/>
               <a:t>mustafa</a:t>
             </a:r>
+            <a:endParaRPr lang="en-US" sz="1700" dirty="0"/>
           </a:p>
         </p:txBody>
       </p:sp>
@@ -31210,7 +31207,7 @@
           <a:bodyPr/>
           <a:lstStyle/>
           <a:p>
-            <a:endParaRPr lang="en-US"/>
+            <a:endParaRPr lang="en-US" dirty="0"/>
           </a:p>
         </p:txBody>
       </p:sp>
@@ -32557,6 +32554,89 @@
 <file path=ppt/slides/slide3.xml><?xml version="1.0" encoding="utf-8"?>
 <p:sld xmlns:a="http://schemas.openxmlformats.org/drawingml/2006/main" xmlns:r="http://schemas.openxmlformats.org/officeDocument/2006/relationships" xmlns:p="http://schemas.openxmlformats.org/presentationml/2006/main">
   <p:cSld>
+    <p:spTree>
+      <p:nvGrpSpPr>
+        <p:cNvPr id="1" name=""/>
+        <p:cNvGrpSpPr/>
+        <p:nvPr/>
+      </p:nvGrpSpPr>
+      <p:grpSpPr>
+        <a:xfrm>
+          <a:off x="0" y="0"/>
+          <a:ext cx="0" cy="0"/>
+          <a:chOff x="0" y="0"/>
+          <a:chExt cx="0" cy="0"/>
+        </a:xfrm>
+      </p:grpSpPr>
+      <p:sp>
+        <p:nvSpPr>
+          <p:cNvPr id="2" name="Title 1">
+            <a:extLst>
+              <a:ext uri="{FF2B5EF4-FFF2-40B4-BE49-F238E27FC236}">
+                <a16:creationId xmlns:a16="http://schemas.microsoft.com/office/drawing/2014/main" id="{B41BE5AC-3789-41A6-0F46-31733CEA5709}"/>
+              </a:ext>
+            </a:extLst>
+          </p:cNvPr>
+          <p:cNvSpPr>
+            <a:spLocks noGrp="1"/>
+          </p:cNvSpPr>
+          <p:nvPr>
+            <p:ph type="title"/>
+          </p:nvPr>
+        </p:nvSpPr>
+        <p:spPr/>
+        <p:txBody>
+          <a:bodyPr/>
+          <a:lstStyle/>
+          <a:p>
+            <a:r>
+              <a:rPr lang="en-US"/>
+              <a:t>Motivation</a:t>
+            </a:r>
+          </a:p>
+        </p:txBody>
+      </p:sp>
+      <p:sp>
+        <p:nvSpPr>
+          <p:cNvPr id="3" name="Content Placeholder 2">
+            <a:extLst>
+              <a:ext uri="{FF2B5EF4-FFF2-40B4-BE49-F238E27FC236}">
+                <a16:creationId xmlns:a16="http://schemas.microsoft.com/office/drawing/2014/main" id="{8C3126FA-C63D-03BD-7922-6204E7D4CFF3}"/>
+              </a:ext>
+            </a:extLst>
+          </p:cNvPr>
+          <p:cNvSpPr>
+            <a:spLocks noGrp="1"/>
+          </p:cNvSpPr>
+          <p:nvPr>
+            <p:ph idx="1"/>
+          </p:nvPr>
+        </p:nvSpPr>
+        <p:spPr/>
+        <p:txBody>
+          <a:bodyPr/>
+          <a:lstStyle/>
+          <a:p>
+            <a:endParaRPr lang="en-US" dirty="0"/>
+          </a:p>
+        </p:txBody>
+      </p:sp>
+    </p:spTree>
+    <p:extLst>
+      <p:ext uri="{BB962C8B-B14F-4D97-AF65-F5344CB8AC3E}">
+        <p14:creationId xmlns:p14="http://schemas.microsoft.com/office/powerpoint/2010/main" val="626637299"/>
+      </p:ext>
+    </p:extLst>
+  </p:cSld>
+  <p:clrMapOvr>
+    <a:masterClrMapping/>
+  </p:clrMapOvr>
+</p:sld>
+</file>
+
+<file path=ppt/slides/slide4.xml><?xml version="1.0" encoding="utf-8"?>
+<p:sld xmlns:a="http://schemas.openxmlformats.org/drawingml/2006/main" xmlns:r="http://schemas.openxmlformats.org/officeDocument/2006/relationships" xmlns:p="http://schemas.openxmlformats.org/presentationml/2006/main">
+  <p:cSld>
     <p:bg>
       <p:bgPr>
         <a:gradFill rotWithShape="1">
@@ -32841,89 +32921,6 @@
     <p:extLst>
       <p:ext uri="{BB962C8B-B14F-4D97-AF65-F5344CB8AC3E}">
         <p14:creationId xmlns:p14="http://schemas.microsoft.com/office/powerpoint/2010/main" val="250175506"/>
-      </p:ext>
-    </p:extLst>
-  </p:cSld>
-  <p:clrMapOvr>
-    <a:masterClrMapping/>
-  </p:clrMapOvr>
-</p:sld>
-</file>
-
-<file path=ppt/slides/slide4.xml><?xml version="1.0" encoding="utf-8"?>
-<p:sld xmlns:a="http://schemas.openxmlformats.org/drawingml/2006/main" xmlns:r="http://schemas.openxmlformats.org/officeDocument/2006/relationships" xmlns:p="http://schemas.openxmlformats.org/presentationml/2006/main">
-  <p:cSld>
-    <p:spTree>
-      <p:nvGrpSpPr>
-        <p:cNvPr id="1" name=""/>
-        <p:cNvGrpSpPr/>
-        <p:nvPr/>
-      </p:nvGrpSpPr>
-      <p:grpSpPr>
-        <a:xfrm>
-          <a:off x="0" y="0"/>
-          <a:ext cx="0" cy="0"/>
-          <a:chOff x="0" y="0"/>
-          <a:chExt cx="0" cy="0"/>
-        </a:xfrm>
-      </p:grpSpPr>
-      <p:sp>
-        <p:nvSpPr>
-          <p:cNvPr id="2" name="Title 1">
-            <a:extLst>
-              <a:ext uri="{FF2B5EF4-FFF2-40B4-BE49-F238E27FC236}">
-                <a16:creationId xmlns:a16="http://schemas.microsoft.com/office/drawing/2014/main" id="{B41BE5AC-3789-41A6-0F46-31733CEA5709}"/>
-              </a:ext>
-            </a:extLst>
-          </p:cNvPr>
-          <p:cNvSpPr>
-            <a:spLocks noGrp="1"/>
-          </p:cNvSpPr>
-          <p:nvPr>
-            <p:ph type="title"/>
-          </p:nvPr>
-        </p:nvSpPr>
-        <p:spPr/>
-        <p:txBody>
-          <a:bodyPr/>
-          <a:lstStyle/>
-          <a:p>
-            <a:r>
-              <a:rPr lang="en-US"/>
-              <a:t>Motivation</a:t>
-            </a:r>
-          </a:p>
-        </p:txBody>
-      </p:sp>
-      <p:sp>
-        <p:nvSpPr>
-          <p:cNvPr id="3" name="Content Placeholder 2">
-            <a:extLst>
-              <a:ext uri="{FF2B5EF4-FFF2-40B4-BE49-F238E27FC236}">
-                <a16:creationId xmlns:a16="http://schemas.microsoft.com/office/drawing/2014/main" id="{8C3126FA-C63D-03BD-7922-6204E7D4CFF3}"/>
-              </a:ext>
-            </a:extLst>
-          </p:cNvPr>
-          <p:cNvSpPr>
-            <a:spLocks noGrp="1"/>
-          </p:cNvSpPr>
-          <p:nvPr>
-            <p:ph idx="1"/>
-          </p:nvPr>
-        </p:nvSpPr>
-        <p:spPr/>
-        <p:txBody>
-          <a:bodyPr/>
-          <a:lstStyle/>
-          <a:p>
-            <a:endParaRPr lang="en-US"/>
-          </a:p>
-        </p:txBody>
-      </p:sp>
-    </p:spTree>
-    <p:extLst>
-      <p:ext uri="{BB962C8B-B14F-4D97-AF65-F5344CB8AC3E}">
-        <p14:creationId xmlns:p14="http://schemas.microsoft.com/office/powerpoint/2010/main" val="626637299"/>
       </p:ext>
     </p:extLst>
   </p:cSld>

--- a/Caravan.pptx
+++ b/Caravan.pptx
@@ -7839,39 +7839,39 @@
     </dgm:pt>
   </dgm:ptLst>
   <dgm:cxnLst>
+    <dgm:cxn modelId="{B4D78AB2-77B2-A249-A016-5771294688E5}" type="presOf" srcId="{35BA2B75-BAEC-4DC2-8960-41E7BF383B11}" destId="{870EE766-1058-5244-BDF4-5C13B7E2E3E0}" srcOrd="0" destOrd="0" presId="urn:microsoft.com/office/officeart/2016/7/layout/RepeatingBendingProcessNew"/>
+    <dgm:cxn modelId="{E844C68C-ACF8-0647-AA34-0525840244FE}" type="presOf" srcId="{96C47E82-880D-44A3-8E6D-27C401301EE5}" destId="{37C9ECC7-B07B-7946-B1C3-5F2665EE9EA4}" srcOrd="0" destOrd="0" presId="urn:microsoft.com/office/officeart/2016/7/layout/RepeatingBendingProcessNew"/>
+    <dgm:cxn modelId="{DACC79BA-E6DC-8F44-89A0-9F1A70E57575}" type="presOf" srcId="{BB72EECA-6918-4D4E-9BDD-309B35205281}" destId="{B7F80CF4-F85E-B048-9C22-51FE80CEEC30}" srcOrd="0" destOrd="0" presId="urn:microsoft.com/office/officeart/2016/7/layout/RepeatingBendingProcessNew"/>
+    <dgm:cxn modelId="{C7FF01E8-2EDD-4581-9578-3F18DC96DA68}" srcId="{97E705A8-892D-4E15-8900-90EF053A8901}" destId="{96158B2D-DF36-407A-AAD6-FDD7D8B1B7E9}" srcOrd="0" destOrd="0" parTransId="{CCD226F7-D24F-4A81-A2AC-5C35B33554D3}" sibTransId="{313349ED-2BD7-4687-8964-404DBADFA55F}"/>
+    <dgm:cxn modelId="{3416FADE-4FB6-446F-87DC-8EADE2435AB9}" srcId="{97E705A8-892D-4E15-8900-90EF053A8901}" destId="{17705856-59C3-4493-8822-99784771331E}" srcOrd="3" destOrd="0" parTransId="{EE28ED95-402B-4101-9F3C-C4F6BE8AA940}" sibTransId="{1E1386AA-AAC5-4438-B338-877C66B4135A}"/>
+    <dgm:cxn modelId="{C8171754-DC86-2841-AA67-8AC79EF53ED1}" type="presOf" srcId="{97E705A8-892D-4E15-8900-90EF053A8901}" destId="{5A1EC3DA-A9C9-F244-ADBD-1CE1ECD4A4E4}" srcOrd="0" destOrd="0" presId="urn:microsoft.com/office/officeart/2016/7/layout/RepeatingBendingProcessNew"/>
+    <dgm:cxn modelId="{6B6023AD-514F-B64D-A2C5-F11010565F1C}" type="presOf" srcId="{1E1386AA-AAC5-4438-B338-877C66B4135A}" destId="{BA80997E-9089-5E4F-9E90-30FAAC53EC58}" srcOrd="1" destOrd="0" presId="urn:microsoft.com/office/officeart/2016/7/layout/RepeatingBendingProcessNew"/>
+    <dgm:cxn modelId="{B301572C-AEC5-9042-BFE0-17334758F206}" type="presOf" srcId="{87DBDE0C-D49A-4C85-8302-4BD4E45C9BAC}" destId="{037C7689-8308-8E44-BE37-BB31B64CCCAD}" srcOrd="0" destOrd="0" presId="urn:microsoft.com/office/officeart/2016/7/layout/RepeatingBendingProcessNew"/>
+    <dgm:cxn modelId="{36A309E5-D5B8-F944-9837-85869E3AA435}" type="presOf" srcId="{1E1386AA-AAC5-4438-B338-877C66B4135A}" destId="{8A985D29-FD23-8C4C-B552-C02522FF5CCE}" srcOrd="0" destOrd="0" presId="urn:microsoft.com/office/officeart/2016/7/layout/RepeatingBendingProcessNew"/>
+    <dgm:cxn modelId="{BEA8041C-5A6B-4972-87F3-D9C88C61443C}" srcId="{97E705A8-892D-4E15-8900-90EF053A8901}" destId="{A4A083DD-F9AF-4D13-A6C5-9FB4115168B0}" srcOrd="4" destOrd="0" parTransId="{0555C4A1-3949-4D5B-9A24-97257B4977F8}" sibTransId="{3CE230C7-670E-402A-818E-2B57C4AD2991}"/>
+    <dgm:cxn modelId="{1627342C-2C94-49F7-AB4D-8D4BE346670D}" srcId="{97E705A8-892D-4E15-8900-90EF053A8901}" destId="{93A41A37-CDE5-449C-AFC9-97663BBE19E8}" srcOrd="5" destOrd="0" parTransId="{4EEFAAE2-4881-4541-8BC2-50388B3FB854}" sibTransId="{BB72EECA-6918-4D4E-9BDD-309B35205281}"/>
+    <dgm:cxn modelId="{426111DA-0277-4744-A1C0-0FF6F477EC2D}" type="presOf" srcId="{BB72EECA-6918-4D4E-9BDD-309B35205281}" destId="{6227359A-0EBC-A748-9155-E00B3ED0F971}" srcOrd="1" destOrd="0" presId="urn:microsoft.com/office/officeart/2016/7/layout/RepeatingBendingProcessNew"/>
+    <dgm:cxn modelId="{35463C29-D7D9-4E80-9654-1AF2D7D53B02}" srcId="{17705856-59C3-4493-8822-99784771331E}" destId="{EC313E70-990B-4AF1-ACB1-A8AAE0305C7E}" srcOrd="0" destOrd="0" parTransId="{A7542141-28A8-44C8-92AB-D954E3187A07}" sibTransId="{172D4ED9-3212-470F-AF64-414DE4324160}"/>
     <dgm:cxn modelId="{3DAA8AB2-ED83-0C44-A00B-48AACDE64525}" type="presOf" srcId="{35BA2B75-BAEC-4DC2-8960-41E7BF383B11}" destId="{B14E0F6A-39A3-1942-812F-A8131A65C710}" srcOrd="1" destOrd="0" presId="urn:microsoft.com/office/officeart/2016/7/layout/RepeatingBendingProcessNew"/>
-    <dgm:cxn modelId="{6B6023AD-514F-B64D-A2C5-F11010565F1C}" type="presOf" srcId="{1E1386AA-AAC5-4438-B338-877C66B4135A}" destId="{BA80997E-9089-5E4F-9E90-30FAAC53EC58}" srcOrd="1" destOrd="0" presId="urn:microsoft.com/office/officeart/2016/7/layout/RepeatingBendingProcessNew"/>
+    <dgm:cxn modelId="{BF2B79D8-5198-EC4D-B29F-EE4E112FE025}" type="presOf" srcId="{3CE230C7-670E-402A-818E-2B57C4AD2991}" destId="{93B48684-582B-8A4A-B6B2-949DCAECCC99}" srcOrd="0" destOrd="0" presId="urn:microsoft.com/office/officeart/2016/7/layout/RepeatingBendingProcessNew"/>
     <dgm:cxn modelId="{0FD432BA-93F8-AA47-89A2-81CF5B4654B3}" type="presOf" srcId="{96158B2D-DF36-407A-AAD6-FDD7D8B1B7E9}" destId="{695B9D9A-1523-B749-9D99-FCDD7DC29A3C}" srcOrd="0" destOrd="0" presId="urn:microsoft.com/office/officeart/2016/7/layout/RepeatingBendingProcessNew"/>
-    <dgm:cxn modelId="{BEA8041C-5A6B-4972-87F3-D9C88C61443C}" srcId="{97E705A8-892D-4E15-8900-90EF053A8901}" destId="{A4A083DD-F9AF-4D13-A6C5-9FB4115168B0}" srcOrd="4" destOrd="0" parTransId="{0555C4A1-3949-4D5B-9A24-97257B4977F8}" sibTransId="{3CE230C7-670E-402A-818E-2B57C4AD2991}"/>
-    <dgm:cxn modelId="{35463C29-D7D9-4E80-9654-1AF2D7D53B02}" srcId="{17705856-59C3-4493-8822-99784771331E}" destId="{EC313E70-990B-4AF1-ACB1-A8AAE0305C7E}" srcOrd="0" destOrd="0" parTransId="{A7542141-28A8-44C8-92AB-D954E3187A07}" sibTransId="{172D4ED9-3212-470F-AF64-414DE4324160}"/>
-    <dgm:cxn modelId="{BF2B79D8-5198-EC4D-B29F-EE4E112FE025}" type="presOf" srcId="{3CE230C7-670E-402A-818E-2B57C4AD2991}" destId="{93B48684-582B-8A4A-B6B2-949DCAECCC99}" srcOrd="0" destOrd="0" presId="urn:microsoft.com/office/officeart/2016/7/layout/RepeatingBendingProcessNew"/>
+    <dgm:cxn modelId="{C7C4D999-67A0-994C-BA88-C494AA043F45}" type="presOf" srcId="{313349ED-2BD7-4687-8964-404DBADFA55F}" destId="{E5B0E0A8-321E-E244-9DDE-862F36C9E8C9}" srcOrd="1" destOrd="0" presId="urn:microsoft.com/office/officeart/2016/7/layout/RepeatingBendingProcessNew"/>
+    <dgm:cxn modelId="{4C1020AE-571B-C945-9F9E-F69B5B559D57}" type="presOf" srcId="{EC313E70-990B-4AF1-ACB1-A8AAE0305C7E}" destId="{6F46681A-32CC-624D-A204-E3306C118C6C}" srcOrd="0" destOrd="1" presId="urn:microsoft.com/office/officeart/2016/7/layout/RepeatingBendingProcessNew"/>
+    <dgm:cxn modelId="{73624752-3253-A441-9E5C-70ECB15C2B5D}" type="presOf" srcId="{D8235A10-0AFB-4B9D-8939-F39EDE2B9B20}" destId="{A274088D-6A28-C04B-8673-4473218E7AA0}" srcOrd="0" destOrd="0" presId="urn:microsoft.com/office/officeart/2016/7/layout/RepeatingBendingProcessNew"/>
+    <dgm:cxn modelId="{BAF52E9D-7F32-8F4E-906E-1FF6F41FA622}" type="presOf" srcId="{87DBDE0C-D49A-4C85-8302-4BD4E45C9BAC}" destId="{7C7158A0-7D67-9542-A20A-3E1002F182E6}" srcOrd="1" destOrd="0" presId="urn:microsoft.com/office/officeart/2016/7/layout/RepeatingBendingProcessNew"/>
+    <dgm:cxn modelId="{8B77BD54-4A3B-4B1A-B0F4-43BACB089433}" srcId="{97E705A8-892D-4E15-8900-90EF053A8901}" destId="{B3C18ECA-0F24-4E25-AEFE-92F73B6A2197}" srcOrd="7" destOrd="0" parTransId="{E99D1FBE-0DC1-4FB6-AACD-969FAD80ADE2}" sibTransId="{7E9F29EB-1CCF-4482-A33A-54969D475A30}"/>
+    <dgm:cxn modelId="{A51F247F-7283-D647-9ED9-DD479D4A82EB}" type="presOf" srcId="{93A41A37-CDE5-449C-AFC9-97663BBE19E8}" destId="{BD9846A9-2D0F-CE48-AA36-35575790369B}" srcOrd="0" destOrd="0" presId="urn:microsoft.com/office/officeart/2016/7/layout/RepeatingBendingProcessNew"/>
+    <dgm:cxn modelId="{0E59D33A-61C5-974A-9569-BA605B6A4240}" type="presOf" srcId="{67D71D39-9782-455F-AAB0-58D5827D7302}" destId="{F7CD2BA3-9D84-2D4E-B6E0-9B50410FD1AE}" srcOrd="0" destOrd="0" presId="urn:microsoft.com/office/officeart/2016/7/layout/RepeatingBendingProcessNew"/>
+    <dgm:cxn modelId="{3F3D5585-0838-4BAE-8BB4-2D16A5073E79}" srcId="{97E705A8-892D-4E15-8900-90EF053A8901}" destId="{67D71D39-9782-455F-AAB0-58D5827D7302}" srcOrd="6" destOrd="0" parTransId="{D119B833-00BB-4E5B-886C-F71430D6A7FD}" sibTransId="{87DBDE0C-D49A-4C85-8302-4BD4E45C9BAC}"/>
+    <dgm:cxn modelId="{28403B5D-18B7-7846-B0D6-D0EF6227AD49}" type="presOf" srcId="{B3C18ECA-0F24-4E25-AEFE-92F73B6A2197}" destId="{CF79BD55-DF51-E04B-9D25-36FED5F19008}" srcOrd="0" destOrd="0" presId="urn:microsoft.com/office/officeart/2016/7/layout/RepeatingBendingProcessNew"/>
     <dgm:cxn modelId="{355AA1FE-55D5-5249-83DF-B6F2A0DB395B}" type="presOf" srcId="{A4A083DD-F9AF-4D13-A6C5-9FB4115168B0}" destId="{261B6B4A-EDFE-0B41-A8AF-1EFADE1B7400}" srcOrd="0" destOrd="0" presId="urn:microsoft.com/office/officeart/2016/7/layout/RepeatingBendingProcessNew"/>
-    <dgm:cxn modelId="{C7FF01E8-2EDD-4581-9578-3F18DC96DA68}" srcId="{97E705A8-892D-4E15-8900-90EF053A8901}" destId="{96158B2D-DF36-407A-AAD6-FDD7D8B1B7E9}" srcOrd="0" destOrd="0" parTransId="{CCD226F7-D24F-4A81-A2AC-5C35B33554D3}" sibTransId="{313349ED-2BD7-4687-8964-404DBADFA55F}"/>
-    <dgm:cxn modelId="{B4D78AB2-77B2-A249-A016-5771294688E5}" type="presOf" srcId="{35BA2B75-BAEC-4DC2-8960-41E7BF383B11}" destId="{870EE766-1058-5244-BDF4-5C13B7E2E3E0}" srcOrd="0" destOrd="0" presId="urn:microsoft.com/office/officeart/2016/7/layout/RepeatingBendingProcessNew"/>
-    <dgm:cxn modelId="{8B77BD54-4A3B-4B1A-B0F4-43BACB089433}" srcId="{97E705A8-892D-4E15-8900-90EF053A8901}" destId="{B3C18ECA-0F24-4E25-AEFE-92F73B6A2197}" srcOrd="7" destOrd="0" parTransId="{E99D1FBE-0DC1-4FB6-AACD-969FAD80ADE2}" sibTransId="{7E9F29EB-1CCF-4482-A33A-54969D475A30}"/>
-    <dgm:cxn modelId="{73624752-3253-A441-9E5C-70ECB15C2B5D}" type="presOf" srcId="{D8235A10-0AFB-4B9D-8939-F39EDE2B9B20}" destId="{A274088D-6A28-C04B-8673-4473218E7AA0}" srcOrd="0" destOrd="0" presId="urn:microsoft.com/office/officeart/2016/7/layout/RepeatingBendingProcessNew"/>
-    <dgm:cxn modelId="{E844C68C-ACF8-0647-AA34-0525840244FE}" type="presOf" srcId="{96C47E82-880D-44A3-8E6D-27C401301EE5}" destId="{37C9ECC7-B07B-7946-B1C3-5F2665EE9EA4}" srcOrd="0" destOrd="0" presId="urn:microsoft.com/office/officeart/2016/7/layout/RepeatingBendingProcessNew"/>
-    <dgm:cxn modelId="{5785E399-5512-5747-BBC0-5AE03C7F8CE1}" type="presOf" srcId="{8CA57721-BC92-4860-B0A4-42E13227EA60}" destId="{CBFE3176-A727-9548-99F3-2B423A333419}" srcOrd="0" destOrd="0" presId="urn:microsoft.com/office/officeart/2016/7/layout/RepeatingBendingProcessNew"/>
-    <dgm:cxn modelId="{BAF52E9D-7F32-8F4E-906E-1FF6F41FA622}" type="presOf" srcId="{87DBDE0C-D49A-4C85-8302-4BD4E45C9BAC}" destId="{7C7158A0-7D67-9542-A20A-3E1002F182E6}" srcOrd="1" destOrd="0" presId="urn:microsoft.com/office/officeart/2016/7/layout/RepeatingBendingProcessNew"/>
-    <dgm:cxn modelId="{426111DA-0277-4744-A1C0-0FF6F477EC2D}" type="presOf" srcId="{BB72EECA-6918-4D4E-9BDD-309B35205281}" destId="{6227359A-0EBC-A748-9155-E00B3ED0F971}" srcOrd="1" destOrd="0" presId="urn:microsoft.com/office/officeart/2016/7/layout/RepeatingBendingProcessNew"/>
-    <dgm:cxn modelId="{3F3D5585-0838-4BAE-8BB4-2D16A5073E79}" srcId="{97E705A8-892D-4E15-8900-90EF053A8901}" destId="{67D71D39-9782-455F-AAB0-58D5827D7302}" srcOrd="6" destOrd="0" parTransId="{D119B833-00BB-4E5B-886C-F71430D6A7FD}" sibTransId="{87DBDE0C-D49A-4C85-8302-4BD4E45C9BAC}"/>
-    <dgm:cxn modelId="{C7C4D999-67A0-994C-BA88-C494AA043F45}" type="presOf" srcId="{313349ED-2BD7-4687-8964-404DBADFA55F}" destId="{E5B0E0A8-321E-E244-9DDE-862F36C9E8C9}" srcOrd="1" destOrd="0" presId="urn:microsoft.com/office/officeart/2016/7/layout/RepeatingBendingProcessNew"/>
-    <dgm:cxn modelId="{28403B5D-18B7-7846-B0D6-D0EF6227AD49}" type="presOf" srcId="{B3C18ECA-0F24-4E25-AEFE-92F73B6A2197}" destId="{CF79BD55-DF51-E04B-9D25-36FED5F19008}" srcOrd="0" destOrd="0" presId="urn:microsoft.com/office/officeart/2016/7/layout/RepeatingBendingProcessNew"/>
-    <dgm:cxn modelId="{C8171754-DC86-2841-AA67-8AC79EF53ED1}" type="presOf" srcId="{97E705A8-892D-4E15-8900-90EF053A8901}" destId="{5A1EC3DA-A9C9-F244-ADBD-1CE1ECD4A4E4}" srcOrd="0" destOrd="0" presId="urn:microsoft.com/office/officeart/2016/7/layout/RepeatingBendingProcessNew"/>
+    <dgm:cxn modelId="{A835F977-F5EE-0F4C-B80E-F667DE6900C2}" type="presOf" srcId="{17705856-59C3-4493-8822-99784771331E}" destId="{6F46681A-32CC-624D-A204-E3306C118C6C}" srcOrd="0" destOrd="0" presId="urn:microsoft.com/office/officeart/2016/7/layout/RepeatingBendingProcessNew"/>
     <dgm:cxn modelId="{12213FA3-C1E6-0B40-BC44-5D3EA25F0E6A}" type="presOf" srcId="{3CE230C7-670E-402A-818E-2B57C4AD2991}" destId="{F13CEE94-ED01-B040-8918-A45D4EC68476}" srcOrd="1" destOrd="0" presId="urn:microsoft.com/office/officeart/2016/7/layout/RepeatingBendingProcessNew"/>
-    <dgm:cxn modelId="{A39B0BE3-6AFB-40D5-BF88-910ACD4489DD}" srcId="{97E705A8-892D-4E15-8900-90EF053A8901}" destId="{8CA57721-BC92-4860-B0A4-42E13227EA60}" srcOrd="1" destOrd="0" parTransId="{D8ADCCF7-07AB-432F-B542-6706FB6F55DC}" sibTransId="{D8235A10-0AFB-4B9D-8939-F39EDE2B9B20}"/>
-    <dgm:cxn modelId="{B301572C-AEC5-9042-BFE0-17334758F206}" type="presOf" srcId="{87DBDE0C-D49A-4C85-8302-4BD4E45C9BAC}" destId="{037C7689-8308-8E44-BE37-BB31B64CCCAD}" srcOrd="0" destOrd="0" presId="urn:microsoft.com/office/officeart/2016/7/layout/RepeatingBendingProcessNew"/>
-    <dgm:cxn modelId="{4C1020AE-571B-C945-9F9E-F69B5B559D57}" type="presOf" srcId="{EC313E70-990B-4AF1-ACB1-A8AAE0305C7E}" destId="{6F46681A-32CC-624D-A204-E3306C118C6C}" srcOrd="0" destOrd="1" presId="urn:microsoft.com/office/officeart/2016/7/layout/RepeatingBendingProcessNew"/>
-    <dgm:cxn modelId="{DACC79BA-E6DC-8F44-89A0-9F1A70E57575}" type="presOf" srcId="{BB72EECA-6918-4D4E-9BDD-309B35205281}" destId="{B7F80CF4-F85E-B048-9C22-51FE80CEEC30}" srcOrd="0" destOrd="0" presId="urn:microsoft.com/office/officeart/2016/7/layout/RepeatingBendingProcessNew"/>
-    <dgm:cxn modelId="{36A309E5-D5B8-F944-9837-85869E3AA435}" type="presOf" srcId="{1E1386AA-AAC5-4438-B338-877C66B4135A}" destId="{8A985D29-FD23-8C4C-B552-C02522FF5CCE}" srcOrd="0" destOrd="0" presId="urn:microsoft.com/office/officeart/2016/7/layout/RepeatingBendingProcessNew"/>
-    <dgm:cxn modelId="{5FD8898C-785D-1A4F-8972-A6CCE910DEB0}" type="presOf" srcId="{313349ED-2BD7-4687-8964-404DBADFA55F}" destId="{8C31804F-DA3F-3341-8571-B910F34A5FF1}" srcOrd="0" destOrd="0" presId="urn:microsoft.com/office/officeart/2016/7/layout/RepeatingBendingProcessNew"/>
-    <dgm:cxn modelId="{A51F247F-7283-D647-9ED9-DD479D4A82EB}" type="presOf" srcId="{93A41A37-CDE5-449C-AFC9-97663BBE19E8}" destId="{BD9846A9-2D0F-CE48-AA36-35575790369B}" srcOrd="0" destOrd="0" presId="urn:microsoft.com/office/officeart/2016/7/layout/RepeatingBendingProcessNew"/>
-    <dgm:cxn modelId="{1627342C-2C94-49F7-AB4D-8D4BE346670D}" srcId="{97E705A8-892D-4E15-8900-90EF053A8901}" destId="{93A41A37-CDE5-449C-AFC9-97663BBE19E8}" srcOrd="5" destOrd="0" parTransId="{4EEFAAE2-4881-4541-8BC2-50388B3FB854}" sibTransId="{BB72EECA-6918-4D4E-9BDD-309B35205281}"/>
-    <dgm:cxn modelId="{0E59D33A-61C5-974A-9569-BA605B6A4240}" type="presOf" srcId="{67D71D39-9782-455F-AAB0-58D5827D7302}" destId="{F7CD2BA3-9D84-2D4E-B6E0-9B50410FD1AE}" srcOrd="0" destOrd="0" presId="urn:microsoft.com/office/officeart/2016/7/layout/RepeatingBendingProcessNew"/>
     <dgm:cxn modelId="{F529ACC8-CBFD-3E41-A82B-EAC44FABDCF4}" type="presOf" srcId="{D8235A10-0AFB-4B9D-8939-F39EDE2B9B20}" destId="{A7303CF2-44DE-F444-A19A-AF7FBADCE8EE}" srcOrd="1" destOrd="0" presId="urn:microsoft.com/office/officeart/2016/7/layout/RepeatingBendingProcessNew"/>
     <dgm:cxn modelId="{5ABB7BD7-F748-403D-9B61-326DE3B7A407}" srcId="{97E705A8-892D-4E15-8900-90EF053A8901}" destId="{96C47E82-880D-44A3-8E6D-27C401301EE5}" srcOrd="2" destOrd="0" parTransId="{B463A048-667A-4EA8-8A86-39B7B2DC65A4}" sibTransId="{35BA2B75-BAEC-4DC2-8960-41E7BF383B11}"/>
-    <dgm:cxn modelId="{3416FADE-4FB6-446F-87DC-8EADE2435AB9}" srcId="{97E705A8-892D-4E15-8900-90EF053A8901}" destId="{17705856-59C3-4493-8822-99784771331E}" srcOrd="3" destOrd="0" parTransId="{EE28ED95-402B-4101-9F3C-C4F6BE8AA940}" sibTransId="{1E1386AA-AAC5-4438-B338-877C66B4135A}"/>
-    <dgm:cxn modelId="{A835F977-F5EE-0F4C-B80E-F667DE6900C2}" type="presOf" srcId="{17705856-59C3-4493-8822-99784771331E}" destId="{6F46681A-32CC-624D-A204-E3306C118C6C}" srcOrd="0" destOrd="0" presId="urn:microsoft.com/office/officeart/2016/7/layout/RepeatingBendingProcessNew"/>
+    <dgm:cxn modelId="{5785E399-5512-5747-BBC0-5AE03C7F8CE1}" type="presOf" srcId="{8CA57721-BC92-4860-B0A4-42E13227EA60}" destId="{CBFE3176-A727-9548-99F3-2B423A333419}" srcOrd="0" destOrd="0" presId="urn:microsoft.com/office/officeart/2016/7/layout/RepeatingBendingProcessNew"/>
+    <dgm:cxn modelId="{A39B0BE3-6AFB-40D5-BF88-910ACD4489DD}" srcId="{97E705A8-892D-4E15-8900-90EF053A8901}" destId="{8CA57721-BC92-4860-B0A4-42E13227EA60}" srcOrd="1" destOrd="0" parTransId="{D8ADCCF7-07AB-432F-B542-6706FB6F55DC}" sibTransId="{D8235A10-0AFB-4B9D-8939-F39EDE2B9B20}"/>
+    <dgm:cxn modelId="{5FD8898C-785D-1A4F-8972-A6CCE910DEB0}" type="presOf" srcId="{313349ED-2BD7-4687-8964-404DBADFA55F}" destId="{8C31804F-DA3F-3341-8571-B910F34A5FF1}" srcOrd="0" destOrd="0" presId="urn:microsoft.com/office/officeart/2016/7/layout/RepeatingBendingProcessNew"/>
     <dgm:cxn modelId="{1EE8DF62-3F4C-0D40-B384-8120D813128A}" type="presParOf" srcId="{5A1EC3DA-A9C9-F244-ADBD-1CE1ECD4A4E4}" destId="{695B9D9A-1523-B749-9D99-FCDD7DC29A3C}" srcOrd="0" destOrd="0" presId="urn:microsoft.com/office/officeart/2016/7/layout/RepeatingBendingProcessNew"/>
     <dgm:cxn modelId="{D246D51B-2CE0-2243-9ACD-5BC4C9277F0C}" type="presParOf" srcId="{5A1EC3DA-A9C9-F244-ADBD-1CE1ECD4A4E4}" destId="{8C31804F-DA3F-3341-8571-B910F34A5FF1}" srcOrd="1" destOrd="0" presId="urn:microsoft.com/office/officeart/2016/7/layout/RepeatingBendingProcessNew"/>
     <dgm:cxn modelId="{688FD96C-A6A3-0541-AF4E-344B280C546C}" type="presParOf" srcId="{8C31804F-DA3F-3341-8571-B910F34A5FF1}" destId="{E5B0E0A8-321E-E244-9DDE-862F36C9E8C9}" srcOrd="0" destOrd="0" presId="urn:microsoft.com/office/officeart/2016/7/layout/RepeatingBendingProcessNew"/>
@@ -9160,23 +9160,23 @@
     </dgm:pt>
   </dgm:ptLst>
   <dgm:cxnLst>
-    <dgm:cxn modelId="{8AA942E0-A05F-7445-9695-2A008F256646}" type="presOf" srcId="{2069BDC3-CAB6-4A26-B9F6-F81222094A3D}" destId="{8C510DB9-5647-154B-B8E7-E3B9CC0F1AFD}" srcOrd="0" destOrd="0" presId="urn:microsoft.com/office/officeart/2016/7/layout/LinearBlockProcessNumbered"/>
+    <dgm:cxn modelId="{2D24D8AF-3D32-A14C-818D-F6932D5BDDDC}" type="presOf" srcId="{C646506B-DDE4-4E85-835E-2DAFB2385654}" destId="{6821176E-4502-3044-8BC7-E6BB3B5F99CD}" srcOrd="0" destOrd="0" presId="urn:microsoft.com/office/officeart/2016/7/layout/LinearBlockProcessNumbered"/>
     <dgm:cxn modelId="{8841C30F-0D55-A14E-96C4-309886E0FB8F}" type="presOf" srcId="{98B3A648-EE31-4297-8559-A70F146ABBB9}" destId="{2DEF917C-C8A6-C84D-9FCC-8F6B662DB1EC}" srcOrd="0" destOrd="0" presId="urn:microsoft.com/office/officeart/2016/7/layout/LinearBlockProcessNumbered"/>
-    <dgm:cxn modelId="{CB5FA492-95EE-D74A-952B-880CE4C7CC02}" type="presOf" srcId="{BF66358B-9477-43D0-9F66-9ADB8C58FA80}" destId="{0E61CBD2-197B-2443-A894-ECF6777768EA}" srcOrd="0" destOrd="0" presId="urn:microsoft.com/office/officeart/2016/7/layout/LinearBlockProcessNumbered"/>
-    <dgm:cxn modelId="{31EE8955-DF9C-8642-A495-D4E39796B224}" type="presOf" srcId="{8BAD11A6-C1D4-432A-AF78-D8822D141BD9}" destId="{FBFFD526-642C-8047-8C38-CA84EE51C923}" srcOrd="0" destOrd="0" presId="urn:microsoft.com/office/officeart/2016/7/layout/LinearBlockProcessNumbered"/>
-    <dgm:cxn modelId="{75787B4F-D79E-7147-9A34-1C52F5F01AB9}" type="presOf" srcId="{DB12412F-E45B-4D7E-A2D4-54FB908F7B01}" destId="{B68820C1-A9FC-A343-82D6-B2FE883BD375}" srcOrd="0" destOrd="0" presId="urn:microsoft.com/office/officeart/2016/7/layout/LinearBlockProcessNumbered"/>
     <dgm:cxn modelId="{B57A494C-00FA-4CF9-902A-D30A7B0FB228}" srcId="{C646506B-DDE4-4E85-835E-2DAFB2385654}" destId="{8BAD11A6-C1D4-432A-AF78-D8822D141BD9}" srcOrd="2" destOrd="0" parTransId="{DE7C7F67-7035-4A0A-BDB3-2AD41BBD7F4C}" sibTransId="{2069BDC3-CAB6-4A26-B9F6-F81222094A3D}"/>
     <dgm:cxn modelId="{8B49C186-1BF9-4312-8187-6CB9D4C101CE}" srcId="{C646506B-DDE4-4E85-835E-2DAFB2385654}" destId="{BF66358B-9477-43D0-9F66-9ADB8C58FA80}" srcOrd="1" destOrd="0" parTransId="{986DC178-E998-4545-91DA-15F039A4241F}" sibTransId="{DB12412F-E45B-4D7E-A2D4-54FB908F7B01}"/>
+    <dgm:cxn modelId="{8AA942E0-A05F-7445-9695-2A008F256646}" type="presOf" srcId="{2069BDC3-CAB6-4A26-B9F6-F81222094A3D}" destId="{8C510DB9-5647-154B-B8E7-E3B9CC0F1AFD}" srcOrd="0" destOrd="0" presId="urn:microsoft.com/office/officeart/2016/7/layout/LinearBlockProcessNumbered"/>
+    <dgm:cxn modelId="{72E8BE21-AC42-C34F-A640-5C34D0636397}" type="presOf" srcId="{8BAD11A6-C1D4-432A-AF78-D8822D141BD9}" destId="{B90A8110-84B2-7141-865E-404F4F006C62}" srcOrd="1" destOrd="0" presId="urn:microsoft.com/office/officeart/2016/7/layout/LinearBlockProcessNumbered"/>
+    <dgm:cxn modelId="{75787B4F-D79E-7147-9A34-1C52F5F01AB9}" type="presOf" srcId="{DB12412F-E45B-4D7E-A2D4-54FB908F7B01}" destId="{B68820C1-A9FC-A343-82D6-B2FE883BD375}" srcOrd="0" destOrd="0" presId="urn:microsoft.com/office/officeart/2016/7/layout/LinearBlockProcessNumbered"/>
+    <dgm:cxn modelId="{31EE8955-DF9C-8642-A495-D4E39796B224}" type="presOf" srcId="{8BAD11A6-C1D4-432A-AF78-D8822D141BD9}" destId="{FBFFD526-642C-8047-8C38-CA84EE51C923}" srcOrd="0" destOrd="0" presId="urn:microsoft.com/office/officeart/2016/7/layout/LinearBlockProcessNumbered"/>
+    <dgm:cxn modelId="{C2BFD4CF-B50A-41E0-B277-4132CA0BE129}" type="presOf" srcId="{7AD0BBE3-993A-4335-AC31-4A9B48F2708A}" destId="{59D6F65B-840C-4E2C-8CD3-681C6D20CC96}" srcOrd="0" destOrd="0" presId="urn:microsoft.com/office/officeart/2016/7/layout/LinearBlockProcessNumbered"/>
+    <dgm:cxn modelId="{F367158D-5DA2-4128-8520-1D6E4477844B}" type="presOf" srcId="{5FCEF259-D8FC-46C2-847D-CAD5C468AECA}" destId="{013F7C7B-BC54-4A0C-AD23-DD286C54E6A0}" srcOrd="0" destOrd="0" presId="urn:microsoft.com/office/officeart/2016/7/layout/LinearBlockProcessNumbered"/>
+    <dgm:cxn modelId="{2AC0CE61-999B-6548-87E0-6560BEB85875}" type="presOf" srcId="{98B3A648-EE31-4297-8559-A70F146ABBB9}" destId="{260220CA-1D46-6047-90DE-3257F6700AF1}" srcOrd="1" destOrd="0" presId="urn:microsoft.com/office/officeart/2016/7/layout/LinearBlockProcessNumbered"/>
     <dgm:cxn modelId="{F8418DC0-837C-4717-B5B3-6E8263069C44}" srcId="{C646506B-DDE4-4E85-835E-2DAFB2385654}" destId="{7AD0BBE3-993A-4335-AC31-4A9B48F2708A}" srcOrd="3" destOrd="0" parTransId="{F4D636AF-6CD6-4C0C-8540-57F167672295}" sibTransId="{5FCEF259-D8FC-46C2-847D-CAD5C468AECA}"/>
-    <dgm:cxn modelId="{72E8BE21-AC42-C34F-A640-5C34D0636397}" type="presOf" srcId="{8BAD11A6-C1D4-432A-AF78-D8822D141BD9}" destId="{B90A8110-84B2-7141-865E-404F4F006C62}" srcOrd="1" destOrd="0" presId="urn:microsoft.com/office/officeart/2016/7/layout/LinearBlockProcessNumbered"/>
-    <dgm:cxn modelId="{2AC0CE61-999B-6548-87E0-6560BEB85875}" type="presOf" srcId="{98B3A648-EE31-4297-8559-A70F146ABBB9}" destId="{260220CA-1D46-6047-90DE-3257F6700AF1}" srcOrd="1" destOrd="0" presId="urn:microsoft.com/office/officeart/2016/7/layout/LinearBlockProcessNumbered"/>
-    <dgm:cxn modelId="{2D24D8AF-3D32-A14C-818D-F6932D5BDDDC}" type="presOf" srcId="{C646506B-DDE4-4E85-835E-2DAFB2385654}" destId="{6821176E-4502-3044-8BC7-E6BB3B5F99CD}" srcOrd="0" destOrd="0" presId="urn:microsoft.com/office/officeart/2016/7/layout/LinearBlockProcessNumbered"/>
-    <dgm:cxn modelId="{F367158D-5DA2-4128-8520-1D6E4477844B}" type="presOf" srcId="{5FCEF259-D8FC-46C2-847D-CAD5C468AECA}" destId="{013F7C7B-BC54-4A0C-AD23-DD286C54E6A0}" srcOrd="0" destOrd="0" presId="urn:microsoft.com/office/officeart/2016/7/layout/LinearBlockProcessNumbered"/>
-    <dgm:cxn modelId="{26F6CE1D-CA2C-1B4F-89DC-122827D39059}" type="presOf" srcId="{9C407C28-DB79-409B-BB21-E45E756B1E3F}" destId="{E8814275-D991-D04C-A825-4F7C4717125F}" srcOrd="0" destOrd="0" presId="urn:microsoft.com/office/officeart/2016/7/layout/LinearBlockProcessNumbered"/>
     <dgm:cxn modelId="{D01DAD7B-C670-4AD8-9968-37F49C04DFFE}" type="presOf" srcId="{7AD0BBE3-993A-4335-AC31-4A9B48F2708A}" destId="{E9E4DBA1-842E-427B-97CE-41F8319AFE5C}" srcOrd="1" destOrd="0" presId="urn:microsoft.com/office/officeart/2016/7/layout/LinearBlockProcessNumbered"/>
     <dgm:cxn modelId="{1AD3FF51-F193-4F29-84E4-0670BF934FE9}" srcId="{C646506B-DDE4-4E85-835E-2DAFB2385654}" destId="{98B3A648-EE31-4297-8559-A70F146ABBB9}" srcOrd="0" destOrd="0" parTransId="{56F53353-4A8D-4223-B519-5740DBB7E8FF}" sibTransId="{9C407C28-DB79-409B-BB21-E45E756B1E3F}"/>
+    <dgm:cxn modelId="{CB5FA492-95EE-D74A-952B-880CE4C7CC02}" type="presOf" srcId="{BF66358B-9477-43D0-9F66-9ADB8C58FA80}" destId="{0E61CBD2-197B-2443-A894-ECF6777768EA}" srcOrd="0" destOrd="0" presId="urn:microsoft.com/office/officeart/2016/7/layout/LinearBlockProcessNumbered"/>
+    <dgm:cxn modelId="{26F6CE1D-CA2C-1B4F-89DC-122827D39059}" type="presOf" srcId="{9C407C28-DB79-409B-BB21-E45E756B1E3F}" destId="{E8814275-D991-D04C-A825-4F7C4717125F}" srcOrd="0" destOrd="0" presId="urn:microsoft.com/office/officeart/2016/7/layout/LinearBlockProcessNumbered"/>
     <dgm:cxn modelId="{4B1D4AF4-4180-874C-B9C5-FA5FB73FE088}" type="presOf" srcId="{BF66358B-9477-43D0-9F66-9ADB8C58FA80}" destId="{7FB55D7A-B1DB-4B40-BA16-EE4F280B6FE6}" srcOrd="1" destOrd="0" presId="urn:microsoft.com/office/officeart/2016/7/layout/LinearBlockProcessNumbered"/>
-    <dgm:cxn modelId="{C2BFD4CF-B50A-41E0-B277-4132CA0BE129}" type="presOf" srcId="{7AD0BBE3-993A-4335-AC31-4A9B48F2708A}" destId="{59D6F65B-840C-4E2C-8CD3-681C6D20CC96}" srcOrd="0" destOrd="0" presId="urn:microsoft.com/office/officeart/2016/7/layout/LinearBlockProcessNumbered"/>
     <dgm:cxn modelId="{1B530B0F-59E3-B345-8200-C05582E0FFEB}" type="presParOf" srcId="{6821176E-4502-3044-8BC7-E6BB3B5F99CD}" destId="{BE47ECB4-2268-AF47-914C-A4BF35F3DD66}" srcOrd="0" destOrd="0" presId="urn:microsoft.com/office/officeart/2016/7/layout/LinearBlockProcessNumbered"/>
     <dgm:cxn modelId="{D891A622-6473-2042-9DD7-D123BBB4D5BB}" type="presParOf" srcId="{BE47ECB4-2268-AF47-914C-A4BF35F3DD66}" destId="{2DEF917C-C8A6-C84D-9FCC-8F6B662DB1EC}" srcOrd="0" destOrd="0" presId="urn:microsoft.com/office/officeart/2016/7/layout/LinearBlockProcessNumbered"/>
     <dgm:cxn modelId="{EC9F8EDA-F4C8-804F-B795-B2FB06138047}" type="presParOf" srcId="{BE47ECB4-2268-AF47-914C-A4BF35F3DD66}" destId="{E8814275-D991-D04C-A825-4F7C4717125F}" srcOrd="1" destOrd="0" presId="urn:microsoft.com/office/officeart/2016/7/layout/LinearBlockProcessNumbered"/>
@@ -9695,6 +9695,13 @@
         </dgm:presLayoutVars>
       </dgm:prSet>
       <dgm:spPr/>
+      <dgm:t>
+        <a:bodyPr/>
+        <a:lstStyle/>
+        <a:p>
+          <a:endParaRPr lang="en-US"/>
+        </a:p>
+      </dgm:t>
     </dgm:pt>
     <dgm:pt modelId="{96CEA675-350D-44F4-A5F5-A0069E1F5358}" type="pres">
       <dgm:prSet presAssocID="{F8B76BF3-3A14-4A0A-AB6B-691DB7D8EF36}" presName="sibTrans" presStyleCnt="0"/>
@@ -9718,8 +9725,8 @@
   </dgm:ptLst>
   <dgm:cxnLst>
     <dgm:cxn modelId="{07742538-63FD-4B68-8250-9D0DC4C30626}" srcId="{DA6A0257-3F1D-4E60-9D1E-ADB4EB0A2797}" destId="{6EA482B2-E82F-4111-BD98-792345043774}" srcOrd="1" destOrd="0" parTransId="{EB0A5CA2-2FE8-4A8B-91D0-AAFE2827E651}" sibTransId="{42185B94-BC39-4009-8770-6FFFFB9905F7}"/>
+    <dgm:cxn modelId="{E26121F4-F9B8-4D29-A181-EB64C0959036}" type="presOf" srcId="{D6EC1629-6767-46E7-B961-0B69337098B3}" destId="{C0112122-204B-4530-9EFA-FDF2285FC352}" srcOrd="0" destOrd="0" presId="urn:microsoft.com/office/officeart/2005/8/layout/default"/>
     <dgm:cxn modelId="{4890415C-3973-4BDF-AF2C-6FC065D997CF}" srcId="{DA6A0257-3F1D-4E60-9D1E-ADB4EB0A2797}" destId="{485B5F4D-4A1D-44F1-B2BE-1C68C1C3167A}" srcOrd="0" destOrd="0" parTransId="{7B632777-55E3-4C33-9EDC-59F3C29C29A5}" sibTransId="{F060F225-090E-45A9-9DDA-6640C9541F90}"/>
-    <dgm:cxn modelId="{E26121F4-F9B8-4D29-A181-EB64C0959036}" type="presOf" srcId="{D6EC1629-6767-46E7-B961-0B69337098B3}" destId="{C0112122-204B-4530-9EFA-FDF2285FC352}" srcOrd="0" destOrd="0" presId="urn:microsoft.com/office/officeart/2005/8/layout/default"/>
     <dgm:cxn modelId="{11B2DEDA-17D4-CF45-8516-2C14F06B0EAA}" type="presOf" srcId="{B21B05E3-4B98-4E2B-AB90-5CFEB2D9269C}" destId="{81322916-CA16-7B42-9A92-EB442861C625}" srcOrd="0" destOrd="0" presId="urn:microsoft.com/office/officeart/2005/8/layout/default"/>
     <dgm:cxn modelId="{9CF5B828-7FD8-435B-A3E0-F41872F9BBE6}" srcId="{DA6A0257-3F1D-4E60-9D1E-ADB4EB0A2797}" destId="{4F58DD7B-C8EE-43D2-8E1A-DF84EDD98F38}" srcOrd="5" destOrd="0" parTransId="{BE5FADD5-70A2-4EAE-9529-00720305D66A}" sibTransId="{F64EE37C-32FF-4D17-91FB-43152975AA24}"/>
     <dgm:cxn modelId="{DF56A895-2F64-41D4-A26B-17D7B9A35E3E}" srcId="{DA6A0257-3F1D-4E60-9D1E-ADB4EB0A2797}" destId="{3C85A0D6-2A6F-4E3C-A6A2-C2738118D075}" srcOrd="4" destOrd="0" parTransId="{CBDBA1B1-8D71-47E4-839C-A92ECB96D63E}" sibTransId="{4A8CFB7B-5C91-428D-A366-728F1E0A3CDB}"/>
@@ -16110,7 +16117,7 @@
   </dgm:layoutNode>
   <dgm:extLst>
     <a:ext uri="{4F341089-5ED1-44EC-B178-C955D00A3D55}">
-      <dgm1611:autoBuNodeInfoLst xmlns:dgm1611="http://schemas.microsoft.com/office/drawing/2016/11/diagram" xmlns="">
+      <dgm1611:autoBuNodeInfoLst xmlns="" xmlns:dgm1611="http://schemas.microsoft.com/office/drawing/2016/11/diagram">
         <dgm1611:autoBuNodeInfo lvl="1" ptType="sibTrans">
           <dgm1611:buPr prefix="" leadZeros="0">
             <a:buAutoNum type="arabicParenBoth"/>
@@ -16882,7 +16889,7 @@
   </dgm:layoutNode>
   <dgm:extLst>
     <a:ext uri="{4F341089-5ED1-44EC-B178-C955D00A3D55}">
-      <dgm1611:autoBuNodeInfoLst xmlns:dgm1611="http://schemas.microsoft.com/office/drawing/2016/11/diagram" xmlns="">
+      <dgm1611:autoBuNodeInfoLst xmlns="" xmlns:dgm1611="http://schemas.microsoft.com/office/drawing/2016/11/diagram">
         <dgm1611:autoBuNodeInfo lvl="1" ptType="sibTrans">
           <dgm1611:buPr prefix="" leadZeros="1">
             <a:buAutoNum type="arabicParenBoth"/>
@@ -32504,7 +32511,7 @@
                 <a16:creationId xmlns:a16="http://schemas.microsoft.com/office/drawing/2014/main" id="{482E7304-2AC2-4A5C-924D-A6AC3FFC5EAC}"/>
               </a:ext>
               <a:ext uri="{C183D7F6-B498-43B3-948B-1728B52AA6E4}">
-                <adec:decorative xmlns:adec="http://schemas.microsoft.com/office/drawing/2017/decorative" xmlns="" val="1"/>
+                <adec:decorative xmlns="" xmlns:adec="http://schemas.microsoft.com/office/drawing/2017/decorative" val="1"/>
               </a:ext>
             </a:extLst>
           </p:cNvPr>
@@ -32599,7 +32606,7 @@
                 <a16:creationId xmlns:a16="http://schemas.microsoft.com/office/drawing/2014/main" id="{D259FEF2-F6A5-442F-BA10-4E39EECD0ABE}"/>
               </a:ext>
               <a:ext uri="{C183D7F6-B498-43B3-948B-1728B52AA6E4}">
-                <adec:decorative xmlns:adec="http://schemas.microsoft.com/office/drawing/2017/decorative" xmlns="" val="1"/>
+                <adec:decorative xmlns="" xmlns:adec="http://schemas.microsoft.com/office/drawing/2017/decorative" val="1"/>
               </a:ext>
             </a:extLst>
           </p:cNvPr>
@@ -32647,7 +32654,7 @@
                 <a16:creationId xmlns:a16="http://schemas.microsoft.com/office/drawing/2014/main" id="{A3C183B1-1D4B-4E3D-A02E-A426E3BFA016}"/>
               </a:ext>
               <a:ext uri="{C183D7F6-B498-43B3-948B-1728B52AA6E4}">
-                <adec:decorative xmlns:adec="http://schemas.microsoft.com/office/drawing/2017/decorative" xmlns="" val="1"/>
+                <adec:decorative xmlns="" xmlns:adec="http://schemas.microsoft.com/office/drawing/2017/decorative" val="1"/>
               </a:ext>
             </a:extLst>
           </p:cNvPr>
@@ -32844,7 +32851,7 @@
                 <a16:creationId xmlns:a16="http://schemas.microsoft.com/office/drawing/2014/main" id="{C6870151-9189-4C3A-8379-EF3D95827A0A}"/>
               </a:ext>
               <a:ext uri="{C183D7F6-B498-43B3-948B-1728B52AA6E4}">
-                <adec:decorative xmlns:adec="http://schemas.microsoft.com/office/drawing/2017/decorative" xmlns="" val="1"/>
+                <adec:decorative xmlns="" xmlns:adec="http://schemas.microsoft.com/office/drawing/2017/decorative" val="1"/>
               </a:ext>
             </a:extLst>
           </p:cNvPr>
@@ -32935,7 +32942,7 @@
                 <a16:creationId xmlns:a16="http://schemas.microsoft.com/office/drawing/2014/main" id="{123EA69C-102A-4DD0-9547-05DCD271D159}"/>
               </a:ext>
               <a:ext uri="{C183D7F6-B498-43B3-948B-1728B52AA6E4}">
-                <adec:decorative xmlns:adec="http://schemas.microsoft.com/office/drawing/2017/decorative" xmlns="" val="1"/>
+                <adec:decorative xmlns="" xmlns:adec="http://schemas.microsoft.com/office/drawing/2017/decorative" val="1"/>
               </a:ext>
             </a:extLst>
           </p:cNvPr>
@@ -33069,7 +33076,7 @@
                 <a16:creationId xmlns:a16="http://schemas.microsoft.com/office/drawing/2014/main" id="{6A862265-5CA3-4C40-8582-7534C3B03C2A}"/>
               </a:ext>
               <a:ext uri="{C183D7F6-B498-43B3-948B-1728B52AA6E4}">
-                <adec:decorative xmlns:adec="http://schemas.microsoft.com/office/drawing/2017/decorative" xmlns="" val="1"/>
+                <adec:decorative xmlns="" xmlns:adec="http://schemas.microsoft.com/office/drawing/2017/decorative" val="1"/>
               </a:ext>
             </a:extLst>
           </p:cNvPr>
@@ -33209,7 +33216,7 @@
                 <a16:creationId xmlns:a16="http://schemas.microsoft.com/office/drawing/2014/main" id="{600EF80B-0391-4082-9AF5-F15B091B4CE9}"/>
               </a:ext>
               <a:ext uri="{C183D7F6-B498-43B3-948B-1728B52AA6E4}">
-                <adec:decorative xmlns:adec="http://schemas.microsoft.com/office/drawing/2017/decorative" xmlns="" val="1"/>
+                <adec:decorative xmlns="" xmlns:adec="http://schemas.microsoft.com/office/drawing/2017/decorative" val="1"/>
               </a:ext>
             </a:extLst>
           </p:cNvPr>
@@ -33321,7 +33328,7 @@
                 <a16:creationId xmlns:a16="http://schemas.microsoft.com/office/drawing/2014/main" id="{D33AC32D-5F44-45F7-A0BD-7C11A86BED57}"/>
               </a:ext>
               <a:ext uri="{C183D7F6-B498-43B3-948B-1728B52AA6E4}">
-                <adec:decorative xmlns:adec="http://schemas.microsoft.com/office/drawing/2017/decorative" xmlns="" val="1"/>
+                <adec:decorative xmlns="" xmlns:adec="http://schemas.microsoft.com/office/drawing/2017/decorative" val="1"/>
               </a:ext>
             </a:extLst>
           </p:cNvPr>
@@ -33403,11 +33410,7 @@
           <a:p>
             <a:r>
               <a:rPr lang="en-US" dirty="0"/>
-              <a:t>Accuracy </a:t>
-            </a:r>
-            <a:r>
-              <a:rPr lang="en-US" dirty="0"/>
-              <a:t>1</a:t>
+              <a:t>Accuracy 1</a:t>
             </a:r>
             <a:r>
               <a:rPr lang="en-US" dirty="0" smtClean="0"/>
@@ -33453,7 +33456,7 @@
                 <a16:creationId xmlns:a16="http://schemas.microsoft.com/office/drawing/2014/main" id="{3FBF03E8-C602-4192-9C52-F84B29FDCC88}"/>
               </a:ext>
               <a:ext uri="{C183D7F6-B498-43B3-948B-1728B52AA6E4}">
-                <adec:decorative xmlns:adec="http://schemas.microsoft.com/office/drawing/2017/decorative" xmlns="" val="1"/>
+                <adec:decorative xmlns="" xmlns:adec="http://schemas.microsoft.com/office/drawing/2017/decorative" val="1"/>
               </a:ext>
             </a:extLst>
           </p:cNvPr>
@@ -33767,7 +33770,7 @@
                 <a16:creationId xmlns:a16="http://schemas.microsoft.com/office/drawing/2014/main" id="{482E7304-2AC2-4A5C-924D-A6AC3FFC5EAC}"/>
               </a:ext>
               <a:ext uri="{C183D7F6-B498-43B3-948B-1728B52AA6E4}">
-                <adec:decorative xmlns:adec="http://schemas.microsoft.com/office/drawing/2017/decorative" xmlns="" val="1"/>
+                <adec:decorative xmlns="" xmlns:adec="http://schemas.microsoft.com/office/drawing/2017/decorative" val="1"/>
               </a:ext>
             </a:extLst>
           </p:cNvPr>
@@ -33862,7 +33865,7 @@
                 <a16:creationId xmlns:a16="http://schemas.microsoft.com/office/drawing/2014/main" id="{D259FEF2-F6A5-442F-BA10-4E39EECD0ABE}"/>
               </a:ext>
               <a:ext uri="{C183D7F6-B498-43B3-948B-1728B52AA6E4}">
-                <adec:decorative xmlns:adec="http://schemas.microsoft.com/office/drawing/2017/decorative" xmlns="" val="1"/>
+                <adec:decorative xmlns="" xmlns:adec="http://schemas.microsoft.com/office/drawing/2017/decorative" val="1"/>
               </a:ext>
             </a:extLst>
           </p:cNvPr>
@@ -33910,7 +33913,7 @@
                 <a16:creationId xmlns:a16="http://schemas.microsoft.com/office/drawing/2014/main" id="{A3C183B1-1D4B-4E3D-A02E-A426E3BFA016}"/>
               </a:ext>
               <a:ext uri="{C183D7F6-B498-43B3-948B-1728B52AA6E4}">
-                <adec:decorative xmlns:adec="http://schemas.microsoft.com/office/drawing/2017/decorative" xmlns="" val="1"/>
+                <adec:decorative xmlns="" xmlns:adec="http://schemas.microsoft.com/office/drawing/2017/decorative" val="1"/>
               </a:ext>
             </a:extLst>
           </p:cNvPr>
@@ -34069,7 +34072,7 @@
                 <a16:creationId xmlns:a16="http://schemas.microsoft.com/office/drawing/2014/main" id="{482E7304-2AC2-4A5C-924D-A6AC3FFC5EAC}"/>
               </a:ext>
               <a:ext uri="{C183D7F6-B498-43B3-948B-1728B52AA6E4}">
-                <adec:decorative xmlns:adec="http://schemas.microsoft.com/office/drawing/2017/decorative" xmlns="" val="1"/>
+                <adec:decorative xmlns="" xmlns:adec="http://schemas.microsoft.com/office/drawing/2017/decorative" val="1"/>
               </a:ext>
             </a:extLst>
           </p:cNvPr>
@@ -34169,7 +34172,7 @@
                 <a16:creationId xmlns:a16="http://schemas.microsoft.com/office/drawing/2014/main" id="{D259FEF2-F6A5-442F-BA10-4E39EECD0ABE}"/>
               </a:ext>
               <a:ext uri="{C183D7F6-B498-43B3-948B-1728B52AA6E4}">
-                <adec:decorative xmlns:adec="http://schemas.microsoft.com/office/drawing/2017/decorative" xmlns="" val="1"/>
+                <adec:decorative xmlns="" xmlns:adec="http://schemas.microsoft.com/office/drawing/2017/decorative" val="1"/>
               </a:ext>
             </a:extLst>
           </p:cNvPr>
@@ -34217,7 +34220,7 @@
                 <a16:creationId xmlns:a16="http://schemas.microsoft.com/office/drawing/2014/main" id="{A3C183B1-1D4B-4E3D-A02E-A426E3BFA016}"/>
               </a:ext>
               <a:ext uri="{C183D7F6-B498-43B3-948B-1728B52AA6E4}">
-                <adec:decorative xmlns:adec="http://schemas.microsoft.com/office/drawing/2017/decorative" xmlns="" val="1"/>
+                <adec:decorative xmlns="" xmlns:adec="http://schemas.microsoft.com/office/drawing/2017/decorative" val="1"/>
               </a:ext>
             </a:extLst>
           </p:cNvPr>
@@ -35972,7 +35975,7 @@
                 <a16:creationId xmlns:a16="http://schemas.microsoft.com/office/drawing/2014/main" id="{1CE580D1-F917-4567-AFB4-99AA9B52ADF0}"/>
               </a:ext>
               <a:ext uri="{C183D7F6-B498-43B3-948B-1728B52AA6E4}">
-                <adec:decorative xmlns:adec="http://schemas.microsoft.com/office/drawing/2017/decorative" xmlns="" val="1"/>
+                <adec:decorative xmlns="" xmlns:adec="http://schemas.microsoft.com/office/drawing/2017/decorative" val="1"/>
               </a:ext>
             </a:extLst>
           </p:cNvPr>
@@ -36038,7 +36041,7 @@
                 <a16:creationId xmlns:a16="http://schemas.microsoft.com/office/drawing/2014/main" id="{1F5620B8-A2D8-4568-B566-F0453A0D9167}"/>
               </a:ext>
               <a:ext uri="{C183D7F6-B498-43B3-948B-1728B52AA6E4}">
-                <adec:decorative xmlns:adec="http://schemas.microsoft.com/office/drawing/2017/decorative" xmlns="" val="1"/>
+                <adec:decorative xmlns="" xmlns:adec="http://schemas.microsoft.com/office/drawing/2017/decorative" val="1"/>
               </a:ext>
             </a:extLst>
           </p:cNvPr>
@@ -36082,7 +36085,7 @@
                 <a16:creationId xmlns:a16="http://schemas.microsoft.com/office/drawing/2014/main" id="{1C7D2BA4-4B7A-4596-8BCC-5CF715423894}"/>
               </a:ext>
               <a:ext uri="{C183D7F6-B498-43B3-948B-1728B52AA6E4}">
-                <adec:decorative xmlns:adec="http://schemas.microsoft.com/office/drawing/2017/decorative" xmlns="" val="1"/>
+                <adec:decorative xmlns="" xmlns:adec="http://schemas.microsoft.com/office/drawing/2017/decorative" val="1"/>
               </a:ext>
             </a:extLst>
           </p:cNvPr>
@@ -36136,7 +36139,7 @@
                 <a16:creationId xmlns:a16="http://schemas.microsoft.com/office/drawing/2014/main" id="{4977F1E1-2B6F-4BB6-899F-67D8764D83C5}"/>
               </a:ext>
               <a:ext uri="{C183D7F6-B498-43B3-948B-1728B52AA6E4}">
-                <adec:decorative xmlns:adec="http://schemas.microsoft.com/office/drawing/2017/decorative" xmlns="" val="1"/>
+                <adec:decorative xmlns="" xmlns:adec="http://schemas.microsoft.com/office/drawing/2017/decorative" val="1"/>
               </a:ext>
             </a:extLst>
           </p:cNvPr>
@@ -36184,7 +36187,7 @@
                 <a16:creationId xmlns:a16="http://schemas.microsoft.com/office/drawing/2014/main" id="{315B18DF-1A4F-456F-8E0E-8CFE4C8089C4}"/>
               </a:ext>
               <a:ext uri="{C183D7F6-B498-43B3-948B-1728B52AA6E4}">
-                <adec:decorative xmlns:adec="http://schemas.microsoft.com/office/drawing/2017/decorative" xmlns="" val="1"/>
+                <adec:decorative xmlns="" xmlns:adec="http://schemas.microsoft.com/office/drawing/2017/decorative" val="1"/>
               </a:ext>
             </a:extLst>
           </p:cNvPr>
@@ -36244,7 +36247,7 @@
                 <a16:creationId xmlns:a16="http://schemas.microsoft.com/office/drawing/2014/main" id="{E334CD9B-39EA-42AE-8A1F-0D40028F3FC4}"/>
               </a:ext>
               <a:ext uri="{C183D7F6-B498-43B3-948B-1728B52AA6E4}">
-                <adec:decorative xmlns:adec="http://schemas.microsoft.com/office/drawing/2017/decorative" xmlns="" val="1"/>
+                <adec:decorative xmlns="" xmlns:adec="http://schemas.microsoft.com/office/drawing/2017/decorative" val="1"/>
               </a:ext>
             </a:extLst>
           </p:cNvPr>
@@ -36377,12 +36380,16 @@
               <a:buNone/>
             </a:pPr>
             <a:r>
-              <a:rPr lang="en-US" sz="1600" b="1" cap="all" dirty="0"/>
-              <a:t>TO IDENTIFY CUSTOMERS WHO WILL BUY CARAVAN </a:t>
+              <a:rPr lang="en-US" sz="1600" b="1" cap="all" dirty="0" smtClean="0"/>
+              <a:t>Hel</a:t>
             </a:r>
             <a:r>
               <a:rPr lang="en-US" sz="1600" b="1" cap="all" dirty="0" smtClean="0"/>
-              <a:t>INSURANCE</a:t>
+              <a:t>ping caravan insurance to increase sales </a:t>
+            </a:r>
+            <a:r>
+              <a:rPr lang="en-US" sz="1600" b="1" cap="all" smtClean="0"/>
+              <a:t>by selecting the best model</a:t>
             </a:r>
             <a:endParaRPr lang="en-US" sz="1600" b="1" cap="all" dirty="0"/>
           </a:p>
@@ -36396,7 +36403,7 @@
                 <a16:creationId xmlns:a16="http://schemas.microsoft.com/office/drawing/2014/main" id="{E7C3AE2A-04FA-4B67-9C14-0D990CA6AE0F}"/>
               </a:ext>
               <a:ext uri="{C183D7F6-B498-43B3-948B-1728B52AA6E4}">
-                <adec:decorative xmlns:adec="http://schemas.microsoft.com/office/drawing/2017/decorative" xmlns="" val="1"/>
+                <adec:decorative xmlns="" xmlns:adec="http://schemas.microsoft.com/office/drawing/2017/decorative" val="1"/>
               </a:ext>
             </a:extLst>
           </p:cNvPr>
@@ -36444,7 +36451,7 @@
                 <a16:creationId xmlns:a16="http://schemas.microsoft.com/office/drawing/2014/main" id="{24C6E9FA-459B-47A6-93ED-A57860553C3A}"/>
               </a:ext>
               <a:ext uri="{C183D7F6-B498-43B3-948B-1728B52AA6E4}">
-                <adec:decorative xmlns:adec="http://schemas.microsoft.com/office/drawing/2017/decorative" xmlns="" val="1"/>
+                <adec:decorative xmlns="" xmlns:adec="http://schemas.microsoft.com/office/drawing/2017/decorative" val="1"/>
               </a:ext>
             </a:extLst>
           </p:cNvPr>
@@ -36475,7 +36482,7 @@
                   <a16:creationId xmlns:a16="http://schemas.microsoft.com/office/drawing/2014/main" id="{47C1C93F-E23C-45AE-9DA2-42554BD6CCF5}"/>
                 </a:ext>
                 <a:ext uri="{C183D7F6-B498-43B3-948B-1728B52AA6E4}">
-                  <adec:decorative xmlns:adec="http://schemas.microsoft.com/office/drawing/2017/decorative" xmlns="" val="1"/>
+                  <adec:decorative xmlns="" xmlns:adec="http://schemas.microsoft.com/office/drawing/2017/decorative" val="1"/>
                 </a:ext>
               </a:extLst>
             </p:cNvPr>
@@ -36556,7 +36563,7 @@
                   <a16:creationId xmlns:a16="http://schemas.microsoft.com/office/drawing/2014/main" id="{918F65DC-4B7C-4988-82E8-131C26140C9E}"/>
                 </a:ext>
                 <a:ext uri="{C183D7F6-B498-43B3-948B-1728B52AA6E4}">
-                  <adec:decorative xmlns:adec="http://schemas.microsoft.com/office/drawing/2017/decorative" xmlns="" val="1"/>
+                  <adec:decorative xmlns="" xmlns:adec="http://schemas.microsoft.com/office/drawing/2017/decorative" val="1"/>
                 </a:ext>
               </a:extLst>
             </p:cNvPr>
@@ -36670,7 +36677,7 @@
                 <a16:creationId xmlns:a16="http://schemas.microsoft.com/office/drawing/2014/main" id="{8E7CFEF1-65E1-4CEE-91CA-B6B73B84BC8E}"/>
               </a:ext>
               <a:ext uri="{C183D7F6-B498-43B3-948B-1728B52AA6E4}">
-                <adec:decorative xmlns:adec="http://schemas.microsoft.com/office/drawing/2017/decorative" xmlns="" val="1"/>
+                <adec:decorative xmlns="" xmlns:adec="http://schemas.microsoft.com/office/drawing/2017/decorative" val="1"/>
               </a:ext>
             </a:extLst>
           </p:cNvPr>
@@ -36714,7 +36721,7 @@
                 <a16:creationId xmlns:a16="http://schemas.microsoft.com/office/drawing/2014/main" id="{FCA742D8-7814-4F8A-AEF8-1857FB21F043}"/>
               </a:ext>
               <a:ext uri="{C183D7F6-B498-43B3-948B-1728B52AA6E4}">
-                <adec:decorative xmlns:adec="http://schemas.microsoft.com/office/drawing/2017/decorative" xmlns="" val="1"/>
+                <adec:decorative xmlns="" xmlns:adec="http://schemas.microsoft.com/office/drawing/2017/decorative" val="1"/>
               </a:ext>
             </a:extLst>
           </p:cNvPr>
@@ -36973,13 +36980,8 @@
             </a:pPr>
             <a:r>
               <a:rPr lang="en-US" dirty="0" smtClean="0"/>
-              <a:t>Help </a:t>
+              <a:t>Help business to make informed/better decisions </a:t>
             </a:r>
-            <a:r>
-              <a:rPr lang="en-US" dirty="0" smtClean="0"/>
-              <a:t>business to make informed/better decisions </a:t>
-            </a:r>
-            <a:endParaRPr lang="en-US" dirty="0" smtClean="0"/>
           </a:p>
         </p:txBody>
       </p:sp>
@@ -37052,7 +37054,7 @@
                 <a16:creationId xmlns:a16="http://schemas.microsoft.com/office/drawing/2014/main" id="{482E7304-2AC2-4A5C-924D-A6AC3FFC5EAC}"/>
               </a:ext>
               <a:ext uri="{C183D7F6-B498-43B3-948B-1728B52AA6E4}">
-                <adec:decorative xmlns:adec="http://schemas.microsoft.com/office/drawing/2017/decorative" xmlns="" val="1"/>
+                <adec:decorative xmlns="" xmlns:adec="http://schemas.microsoft.com/office/drawing/2017/decorative" val="1"/>
               </a:ext>
             </a:extLst>
           </p:cNvPr>
@@ -37141,7 +37143,7 @@
                 <a16:creationId xmlns:a16="http://schemas.microsoft.com/office/drawing/2014/main" id="{D259FEF2-F6A5-442F-BA10-4E39EECD0ABE}"/>
               </a:ext>
               <a:ext uri="{C183D7F6-B498-43B3-948B-1728B52AA6E4}">
-                <adec:decorative xmlns:adec="http://schemas.microsoft.com/office/drawing/2017/decorative" xmlns="" val="1"/>
+                <adec:decorative xmlns="" xmlns:adec="http://schemas.microsoft.com/office/drawing/2017/decorative" val="1"/>
               </a:ext>
             </a:extLst>
           </p:cNvPr>
@@ -37189,7 +37191,7 @@
                 <a16:creationId xmlns:a16="http://schemas.microsoft.com/office/drawing/2014/main" id="{A3C183B1-1D4B-4E3D-A02E-A426E3BFA016}"/>
               </a:ext>
               <a:ext uri="{C183D7F6-B498-43B3-948B-1728B52AA6E4}">
-                <adec:decorative xmlns:adec="http://schemas.microsoft.com/office/drawing/2017/decorative" xmlns="" val="1"/>
+                <adec:decorative xmlns="" xmlns:adec="http://schemas.microsoft.com/office/drawing/2017/decorative" val="1"/>
               </a:ext>
             </a:extLst>
           </p:cNvPr>
@@ -37464,7 +37466,7 @@
                 <a16:creationId xmlns:a16="http://schemas.microsoft.com/office/drawing/2014/main" id="{29C51009-A09A-4689-8E6C-F8FC99E6A840}"/>
               </a:ext>
               <a:ext uri="{C183D7F6-B498-43B3-948B-1728B52AA6E4}">
-                <adec:decorative xmlns:adec="http://schemas.microsoft.com/office/drawing/2017/decorative" xmlns="" val="1"/>
+                <adec:decorative xmlns="" xmlns:adec="http://schemas.microsoft.com/office/drawing/2017/decorative" val="1"/>
               </a:ext>
             </a:extLst>
           </p:cNvPr>
@@ -37559,7 +37561,7 @@
                 <a16:creationId xmlns:a16="http://schemas.microsoft.com/office/drawing/2014/main" id="{9EC65442-F244-409C-BF44-C5D6472E810A}"/>
               </a:ext>
               <a:ext uri="{C183D7F6-B498-43B3-948B-1728B52AA6E4}">
-                <adec:decorative xmlns:adec="http://schemas.microsoft.com/office/drawing/2017/decorative" xmlns="" val="1"/>
+                <adec:decorative xmlns="" xmlns:adec="http://schemas.microsoft.com/office/drawing/2017/decorative" val="1"/>
               </a:ext>
             </a:extLst>
           </p:cNvPr>
@@ -37791,7 +37793,7 @@
                 <a16:creationId xmlns:a16="http://schemas.microsoft.com/office/drawing/2014/main" id="{29C51009-A09A-4689-8E6C-F8FC99E6A840}"/>
               </a:ext>
               <a:ext uri="{C183D7F6-B498-43B3-948B-1728B52AA6E4}">
-                <adec:decorative xmlns:adec="http://schemas.microsoft.com/office/drawing/2017/decorative" xmlns="" val="1"/>
+                <adec:decorative xmlns="" xmlns:adec="http://schemas.microsoft.com/office/drawing/2017/decorative" val="1"/>
               </a:ext>
             </a:extLst>
           </p:cNvPr>
@@ -37886,7 +37888,7 @@
                 <a16:creationId xmlns:a16="http://schemas.microsoft.com/office/drawing/2014/main" id="{9EC65442-F244-409C-BF44-C5D6472E810A}"/>
               </a:ext>
               <a:ext uri="{C183D7F6-B498-43B3-948B-1728B52AA6E4}">
-                <adec:decorative xmlns:adec="http://schemas.microsoft.com/office/drawing/2017/decorative" xmlns="" val="1"/>
+                <adec:decorative xmlns="" xmlns:adec="http://schemas.microsoft.com/office/drawing/2017/decorative" val="1"/>
               </a:ext>
             </a:extLst>
           </p:cNvPr>
@@ -38157,7 +38159,7 @@
                 <a16:creationId xmlns:a16="http://schemas.microsoft.com/office/drawing/2014/main" id="{32D32A60-013B-47A8-8833-D2424080917B}"/>
               </a:ext>
               <a:ext uri="{C183D7F6-B498-43B3-948B-1728B52AA6E4}">
-                <adec:decorative xmlns:adec="http://schemas.microsoft.com/office/drawing/2017/decorative" xmlns="" val="1"/>
+                <adec:decorative xmlns="" xmlns:adec="http://schemas.microsoft.com/office/drawing/2017/decorative" val="1"/>
               </a:ext>
             </a:extLst>
           </p:cNvPr>
@@ -38217,7 +38219,7 @@
                 <a16:creationId xmlns:a16="http://schemas.microsoft.com/office/drawing/2014/main" id="{AE27932B-B694-4C4C-90D7-A0333A7C5876}"/>
               </a:ext>
               <a:ext uri="{C183D7F6-B498-43B3-948B-1728B52AA6E4}">
-                <adec:decorative xmlns:adec="http://schemas.microsoft.com/office/drawing/2017/decorative" xmlns="" val="1"/>
+                <adec:decorative xmlns="" xmlns:adec="http://schemas.microsoft.com/office/drawing/2017/decorative" val="1"/>
               </a:ext>
             </a:extLst>
           </p:cNvPr>
@@ -38320,7 +38322,7 @@
                 <a16:creationId xmlns:a16="http://schemas.microsoft.com/office/drawing/2014/main" id="{9EBB0476-5CF0-4F44-8D68-5D42D7AEE43A}"/>
               </a:ext>
               <a:ext uri="{C183D7F6-B498-43B3-948B-1728B52AA6E4}">
-                <adec:decorative xmlns:adec="http://schemas.microsoft.com/office/drawing/2017/decorative" xmlns="" val="1"/>
+                <adec:decorative xmlns="" xmlns:adec="http://schemas.microsoft.com/office/drawing/2017/decorative" val="1"/>
               </a:ext>
             </a:extLst>
           </p:cNvPr>
@@ -38368,7 +38370,7 @@
                 <a16:creationId xmlns:a16="http://schemas.microsoft.com/office/drawing/2014/main" id="{A9DA474E-6B91-4200-840F-0257B2358A75}"/>
               </a:ext>
               <a:ext uri="{C183D7F6-B498-43B3-948B-1728B52AA6E4}">
-                <adec:decorative xmlns:adec="http://schemas.microsoft.com/office/drawing/2017/decorative" xmlns="" val="1"/>
+                <adec:decorative xmlns="" xmlns:adec="http://schemas.microsoft.com/office/drawing/2017/decorative" val="1"/>
               </a:ext>
             </a:extLst>
           </p:cNvPr>
@@ -38429,7 +38431,7 @@
                 <a16:creationId xmlns:a16="http://schemas.microsoft.com/office/drawing/2014/main" id="{DF63C9AD-AE6E-4512-8171-91612E84CCFB}"/>
               </a:ext>
               <a:ext uri="{C183D7F6-B498-43B3-948B-1728B52AA6E4}">
-                <adec:decorative xmlns:adec="http://schemas.microsoft.com/office/drawing/2017/decorative" xmlns="" val="1"/>
+                <adec:decorative xmlns="" xmlns:adec="http://schemas.microsoft.com/office/drawing/2017/decorative" val="1"/>
               </a:ext>
             </a:extLst>
           </p:cNvPr>
@@ -38473,7 +38475,7 @@
                 <a16:creationId xmlns:a16="http://schemas.microsoft.com/office/drawing/2014/main" id="{FE1A49CE-B63D-457A-A180-1C883E1A63D2}"/>
               </a:ext>
               <a:ext uri="{C183D7F6-B498-43B3-948B-1728B52AA6E4}">
-                <adec:decorative xmlns:adec="http://schemas.microsoft.com/office/drawing/2017/decorative" xmlns="" val="1"/>
+                <adec:decorative xmlns="" xmlns:adec="http://schemas.microsoft.com/office/drawing/2017/decorative" val="1"/>
               </a:ext>
             </a:extLst>
           </p:cNvPr>
